--- a/docs/IART-Eximo.pptx
+++ b/docs/IART-Eximo.pptx
@@ -266,7 +266,7 @@
           <a:p>
             <a:fld id="{EFC4EFF7-0A14-4391-90A5-4F7FFA3E6BB6}" type="datetimeFigureOut">
               <a:rPr lang="en-GB" smtClean="0"/>
-              <a:t>08/03/2020</a:t>
+              <a:t>13/03/2020</a:t>
             </a:fld>
             <a:endParaRPr lang="en-GB"/>
           </a:p>
@@ -466,7 +466,7 @@
           <a:p>
             <a:fld id="{EFC4EFF7-0A14-4391-90A5-4F7FFA3E6BB6}" type="datetimeFigureOut">
               <a:rPr lang="en-GB" smtClean="0"/>
-              <a:t>08/03/2020</a:t>
+              <a:t>13/03/2020</a:t>
             </a:fld>
             <a:endParaRPr lang="en-GB"/>
           </a:p>
@@ -676,7 +676,7 @@
           <a:p>
             <a:fld id="{EFC4EFF7-0A14-4391-90A5-4F7FFA3E6BB6}" type="datetimeFigureOut">
               <a:rPr lang="en-GB" smtClean="0"/>
-              <a:t>08/03/2020</a:t>
+              <a:t>13/03/2020</a:t>
             </a:fld>
             <a:endParaRPr lang="en-GB"/>
           </a:p>
@@ -876,7 +876,7 @@
           <a:p>
             <a:fld id="{EFC4EFF7-0A14-4391-90A5-4F7FFA3E6BB6}" type="datetimeFigureOut">
               <a:rPr lang="en-GB" smtClean="0"/>
-              <a:t>08/03/2020</a:t>
+              <a:t>13/03/2020</a:t>
             </a:fld>
             <a:endParaRPr lang="en-GB"/>
           </a:p>
@@ -1152,7 +1152,7 @@
           <a:p>
             <a:fld id="{EFC4EFF7-0A14-4391-90A5-4F7FFA3E6BB6}" type="datetimeFigureOut">
               <a:rPr lang="en-GB" smtClean="0"/>
-              <a:t>08/03/2020</a:t>
+              <a:t>13/03/2020</a:t>
             </a:fld>
             <a:endParaRPr lang="en-GB"/>
           </a:p>
@@ -1420,7 +1420,7 @@
           <a:p>
             <a:fld id="{EFC4EFF7-0A14-4391-90A5-4F7FFA3E6BB6}" type="datetimeFigureOut">
               <a:rPr lang="en-GB" smtClean="0"/>
-              <a:t>08/03/2020</a:t>
+              <a:t>13/03/2020</a:t>
             </a:fld>
             <a:endParaRPr lang="en-GB"/>
           </a:p>
@@ -1835,7 +1835,7 @@
           <a:p>
             <a:fld id="{EFC4EFF7-0A14-4391-90A5-4F7FFA3E6BB6}" type="datetimeFigureOut">
               <a:rPr lang="en-GB" smtClean="0"/>
-              <a:t>08/03/2020</a:t>
+              <a:t>13/03/2020</a:t>
             </a:fld>
             <a:endParaRPr lang="en-GB"/>
           </a:p>
@@ -1977,7 +1977,7 @@
           <a:p>
             <a:fld id="{EFC4EFF7-0A14-4391-90A5-4F7FFA3E6BB6}" type="datetimeFigureOut">
               <a:rPr lang="en-GB" smtClean="0"/>
-              <a:t>08/03/2020</a:t>
+              <a:t>13/03/2020</a:t>
             </a:fld>
             <a:endParaRPr lang="en-GB"/>
           </a:p>
@@ -2090,7 +2090,7 @@
           <a:p>
             <a:fld id="{EFC4EFF7-0A14-4391-90A5-4F7FFA3E6BB6}" type="datetimeFigureOut">
               <a:rPr lang="en-GB" smtClean="0"/>
-              <a:t>08/03/2020</a:t>
+              <a:t>13/03/2020</a:t>
             </a:fld>
             <a:endParaRPr lang="en-GB"/>
           </a:p>
@@ -2403,7 +2403,7 @@
           <a:p>
             <a:fld id="{EFC4EFF7-0A14-4391-90A5-4F7FFA3E6BB6}" type="datetimeFigureOut">
               <a:rPr lang="en-GB" smtClean="0"/>
-              <a:t>08/03/2020</a:t>
+              <a:t>13/03/2020</a:t>
             </a:fld>
             <a:endParaRPr lang="en-GB"/>
           </a:p>
@@ -2692,7 +2692,7 @@
           <a:p>
             <a:fld id="{EFC4EFF7-0A14-4391-90A5-4F7FFA3E6BB6}" type="datetimeFigureOut">
               <a:rPr lang="en-GB" smtClean="0"/>
-              <a:t>08/03/2020</a:t>
+              <a:t>13/03/2020</a:t>
             </a:fld>
             <a:endParaRPr lang="en-GB"/>
           </a:p>
@@ -2935,7 +2935,7 @@
           <a:p>
             <a:fld id="{EFC4EFF7-0A14-4391-90A5-4F7FFA3E6BB6}" type="datetimeFigureOut">
               <a:rPr lang="en-GB" smtClean="0"/>
-              <a:t>08/03/2020</a:t>
+              <a:t>13/03/2020</a:t>
             </a:fld>
             <a:endParaRPr lang="en-GB"/>
           </a:p>
@@ -3484,7 +3484,7 @@
                   <a:schemeClr val="bg1"/>
                 </a:solidFill>
               </a:rPr>
-              <a:t>  -Checkpoint</a:t>
+              <a:t> - Checkpoint</a:t>
             </a:r>
           </a:p>
         </p:txBody>
@@ -3507,7 +3507,7 @@
         </p:nvSpPr>
         <p:spPr>
           <a:xfrm>
-            <a:off x="6746627" y="4750893"/>
+            <a:off x="8033889" y="5138101"/>
             <a:ext cx="4645250" cy="1147863"/>
           </a:xfrm>
         </p:spPr>
@@ -3919,7 +3919,7 @@
         </p:blipFill>
         <p:spPr>
           <a:xfrm>
-            <a:off x="419382" y="1902136"/>
+            <a:off x="344587" y="1156412"/>
             <a:ext cx="4047843" cy="1685556"/>
           </a:xfrm>
           <a:prstGeom prst="rect">
@@ -3975,14 +3975,16 @@
         </p:nvSpPr>
         <p:spPr/>
         <p:txBody>
-          <a:bodyPr/>
-          <a:lstStyle/>
-          <a:p>
-            <a:r>
-              <a:rPr lang="pt-PT" dirty="0"/>
+          <a:bodyPr>
+            <a:normAutofit/>
+          </a:bodyPr>
+          <a:lstStyle/>
+          <a:p>
+            <a:r>
+              <a:rPr lang="pt-PT" b="1" dirty="0"/>
               <a:t>Eximo</a:t>
             </a:r>
-            <a:endParaRPr lang="en-GB" dirty="0"/>
+            <a:endParaRPr lang="en-GB" b="1" dirty="0"/>
           </a:p>
         </p:txBody>
       </p:sp>
@@ -4012,23 +4014,39 @@
           <a:bodyPr/>
           <a:lstStyle/>
           <a:p>
-            <a:pPr marL="0" indent="0">
+            <a:pPr marL="0" indent="0" algn="just">
               <a:buNone/>
             </a:pPr>
             <a:r>
               <a:rPr lang="pt-PT" dirty="0"/>
-              <a:t>	O eximo é um jogo da família das damas, o objetivo do jogo é capturar as peças do oponente saltando por cima delas ou forçar uma situação de afogamento em que o oponente não pode realizar nenhuma jogada. </a:t>
-            </a:r>
-          </a:p>
-          <a:p>
-            <a:pPr marL="0" indent="0">
+              <a:t>	</a:t>
+            </a:r>
+            <a:r>
+              <a:rPr lang="pt-PT" sz="2400" dirty="0"/>
+              <a:t>O Eximo é um jogo da família das damas, cujo objetivo é capturar todas as peças do oponente, saltando por cima delas, ou forçar uma situação de impasse em que o oponente não pode realizar nenhuma jogada. </a:t>
+            </a:r>
+          </a:p>
+          <a:p>
+            <a:pPr marL="0" indent="0" algn="just">
               <a:buNone/>
             </a:pPr>
             <a:r>
-              <a:rPr lang="pt-PT" dirty="0"/>
-              <a:t>	Quando uma das peças atinge a última linha essa peça é removida do tabuleiro e o jogador fica com duas peças para serem colocadas numa casa livre das duas primeiras linhas do seu lado.</a:t>
-            </a:r>
-            <a:endParaRPr lang="en-GB" dirty="0"/>
+              <a:rPr lang="pt-PT" sz="2400" dirty="0"/>
+              <a:t>	Quando uma das peças atinge a última linha, esta removida do tabuleiro e o jogador recebe duas novas peças para serem colocadas de imediato na </a:t>
+            </a:r>
+            <a:r>
+              <a:rPr lang="pt-PT" sz="2400" i="1" dirty="0" err="1"/>
+              <a:t>drop</a:t>
+            </a:r>
+            <a:r>
+              <a:rPr lang="pt-PT" sz="2400" i="1" dirty="0"/>
+              <a:t> zone </a:t>
+            </a:r>
+            <a:r>
+              <a:rPr lang="pt-PT" sz="2400" dirty="0"/>
+              <a:t>(duas primeiras linhas do lado do jogador, excetuando as extremidades).</a:t>
+            </a:r>
+            <a:endParaRPr lang="en-GB" sz="2400" dirty="0"/>
           </a:p>
         </p:txBody>
       </p:sp>
@@ -4054,7 +4072,7 @@
         </p:blipFill>
         <p:spPr>
           <a:xfrm>
-            <a:off x="5081446" y="4771239"/>
+            <a:off x="5081446" y="4380622"/>
             <a:ext cx="2029108" cy="2038635"/>
           </a:xfrm>
           <a:prstGeom prst="rect">
@@ -4062,6 +4080,41 @@
           </a:prstGeom>
         </p:spPr>
       </p:pic>
+      <p:sp>
+        <p:nvSpPr>
+          <p:cNvPr id="5" name="CaixaDeTexto 4">
+            <a:extLst>
+              <a:ext uri="{FF2B5EF4-FFF2-40B4-BE49-F238E27FC236}">
+                <a16:creationId xmlns:a16="http://schemas.microsoft.com/office/drawing/2014/main" id="{A0C96B4A-52A1-4F35-B06B-3A8E4B8526CE}"/>
+              </a:ext>
+            </a:extLst>
+          </p:cNvPr>
+          <p:cNvSpPr txBox="1"/>
+          <p:nvPr/>
+        </p:nvSpPr>
+        <p:spPr>
+          <a:xfrm>
+            <a:off x="4165107" y="6493577"/>
+            <a:ext cx="3861786" cy="338554"/>
+          </a:xfrm>
+          <a:prstGeom prst="rect">
+            <a:avLst/>
+          </a:prstGeom>
+          <a:noFill/>
+        </p:spPr>
+        <p:txBody>
+          <a:bodyPr wrap="square" rtlCol="0">
+            <a:spAutoFit/>
+          </a:bodyPr>
+          <a:lstStyle/>
+          <a:p>
+            <a:r>
+              <a:rPr lang="pt-PT" sz="1600" dirty="0"/>
+              <a:t>Figura 1 - Tabuleiro no estado inicial do jogo</a:t>
+            </a:r>
+          </a:p>
+        </p:txBody>
+      </p:sp>
     </p:spTree>
     <p:extLst>
       <p:ext uri="{BB962C8B-B14F-4D97-AF65-F5344CB8AC3E}">
@@ -4114,10 +4167,10 @@
           <a:lstStyle/>
           <a:p>
             <a:r>
-              <a:rPr lang="pt-PT" dirty="0"/>
+              <a:rPr lang="pt-PT" b="1" dirty="0"/>
               <a:t>Movimentos</a:t>
             </a:r>
-            <a:endParaRPr lang="en-GB" dirty="0"/>
+            <a:endParaRPr lang="en-GB" b="1" dirty="0"/>
           </a:p>
         </p:txBody>
       </p:sp>
@@ -4139,35 +4192,271 @@
         </p:nvSpPr>
         <p:spPr/>
         <p:txBody>
-          <a:bodyPr/>
-          <a:lstStyle/>
-          <a:p>
-            <a:pPr marL="0" indent="0">
-              <a:buNone/>
+          <a:bodyPr>
+            <a:normAutofit/>
+          </a:bodyPr>
+          <a:lstStyle/>
+          <a:p>
+            <a:pPr algn="just">
+              <a:buFont typeface="Wingdings" panose="05000000000000000000" pitchFamily="2" charset="2"/>
+              <a:buChar char="§"/>
             </a:pPr>
             <a:r>
-              <a:rPr lang="pt-PT" dirty="0"/>
-              <a:t>Mover – Ao mover uma peça há 3 movimentos possíveis, norte, noroeste e nordeste, um jogador pode mover  a sua peça ou saltar por cima de outra peça sua, situada à frente ou nas diagonais da frente da peça, desde que haja um quadrado livre na direção do movimento que vai realizar.</a:t>
-            </a:r>
-          </a:p>
-          <a:p>
-            <a:pPr marL="0" indent="0">
-              <a:buNone/>
+              <a:rPr lang="pt-PT" sz="2400" b="1" dirty="0"/>
+              <a:t>Mover</a:t>
+            </a:r>
+            <a:r>
+              <a:rPr lang="pt-PT" sz="2400" dirty="0"/>
+              <a:t> – Existem 3 movimentos possíveis: </a:t>
+            </a:r>
+            <a:r>
+              <a:rPr lang="pt-PT" sz="2400" dirty="0">
+                <a:effectLst>
+                  <a:outerShdw blurRad="38100" dist="38100" dir="2700000" algn="tl">
+                    <a:srgbClr val="000000">
+                      <a:alpha val="43137"/>
+                    </a:srgbClr>
+                  </a:outerShdw>
+                </a:effectLst>
+              </a:rPr>
+              <a:t>norte</a:t>
+            </a:r>
+            <a:r>
+              <a:rPr lang="pt-PT" sz="2400" dirty="0"/>
+              <a:t>, </a:t>
+            </a:r>
+            <a:r>
+              <a:rPr lang="pt-PT" sz="2400" dirty="0">
+                <a:effectLst>
+                  <a:outerShdw blurRad="38100" dist="38100" dir="2700000" algn="tl">
+                    <a:srgbClr val="000000">
+                      <a:alpha val="43137"/>
+                    </a:srgbClr>
+                  </a:outerShdw>
+                </a:effectLst>
+              </a:rPr>
+              <a:t>noroeste</a:t>
+            </a:r>
+            <a:r>
+              <a:rPr lang="pt-PT" sz="2400" dirty="0"/>
+              <a:t> e </a:t>
+            </a:r>
+            <a:r>
+              <a:rPr lang="pt-PT" sz="2400" dirty="0">
+                <a:effectLst>
+                  <a:outerShdw blurRad="38100" dist="38100" dir="2700000" algn="tl">
+                    <a:srgbClr val="000000">
+                      <a:alpha val="43137"/>
+                    </a:srgbClr>
+                  </a:outerShdw>
+                </a:effectLst>
+              </a:rPr>
+              <a:t>nordeste</a:t>
+            </a:r>
+            <a:r>
+              <a:rPr lang="pt-PT" sz="2400" dirty="0"/>
+              <a:t>. Um jogador pode </a:t>
+            </a:r>
+            <a:r>
+              <a:rPr lang="pt-PT" sz="2400" b="1" dirty="0"/>
+              <a:t>mover</a:t>
+            </a:r>
+            <a:r>
+              <a:rPr lang="pt-PT" sz="2400" dirty="0"/>
+              <a:t> a sua peça para um quadrado livre adjacente ou </a:t>
+            </a:r>
+            <a:r>
+              <a:rPr lang="pt-PT" sz="2400" b="1" dirty="0"/>
+              <a:t>saltar</a:t>
+            </a:r>
+            <a:r>
+              <a:rPr lang="pt-PT" sz="2400" dirty="0"/>
+              <a:t> por cima de outra peça sua, situada à frente ou nas diagonais da frente da peça, desde que haja um quadrado livre na direção do movimento que vai realizar. Caso o jogador opte pela segunda, </a:t>
+            </a:r>
+            <a:r>
+              <a:rPr lang="pt-PT" sz="2400" u="sng" dirty="0"/>
+              <a:t>deverá continuar a movimentar a sua peça</a:t>
+            </a:r>
+            <a:r>
+              <a:rPr lang="pt-PT" sz="2400" dirty="0"/>
+              <a:t> dessa maneira enquanto for possível.</a:t>
+            </a:r>
+          </a:p>
+          <a:p>
+            <a:pPr algn="just">
+              <a:buFont typeface="Wingdings" panose="05000000000000000000" pitchFamily="2" charset="2"/>
+              <a:buChar char="§"/>
             </a:pPr>
             <a:r>
-              <a:rPr lang="pt-PT" dirty="0"/>
-              <a:t>Capturar – Para capturar uma peça há 5 movimentos possíveis, norte, noroeste, nordeste, este e oeste. Deste modo o jogador pode saltar com uma peça por cima de uma peça adversária desde que haja uma casa vazia na direção do seu movimento, capturando assim a peça</a:t>
-            </a:r>
-            <a:r>
-              <a:rPr lang="en-GB" dirty="0"/>
+              <a:rPr lang="pt-PT" sz="2400" b="1" dirty="0"/>
+              <a:t>Capturar</a:t>
+            </a:r>
+            <a:r>
+              <a:rPr lang="pt-PT" sz="2400" dirty="0"/>
+              <a:t> – Para capturar uma peça existem 5 movimentos possíveis: </a:t>
+            </a:r>
+            <a:r>
+              <a:rPr lang="pt-PT" sz="2400" dirty="0">
+                <a:effectLst>
+                  <a:outerShdw blurRad="38100" dist="38100" dir="2700000" algn="tl">
+                    <a:srgbClr val="000000">
+                      <a:alpha val="43137"/>
+                    </a:srgbClr>
+                  </a:outerShdw>
+                </a:effectLst>
+              </a:rPr>
+              <a:t>norte, noroeste, nordeste, este </a:t>
+            </a:r>
+            <a:r>
+              <a:rPr lang="pt-PT" sz="2400" dirty="0"/>
+              <a:t>e</a:t>
+            </a:r>
+            <a:r>
+              <a:rPr lang="pt-PT" sz="2400" dirty="0">
+                <a:effectLst>
+                  <a:outerShdw blurRad="38100" dist="38100" dir="2700000" algn="tl">
+                    <a:srgbClr val="000000">
+                      <a:alpha val="43137"/>
+                    </a:srgbClr>
+                  </a:outerShdw>
+                </a:effectLst>
+              </a:rPr>
+              <a:t> oeste</a:t>
+            </a:r>
+            <a:r>
+              <a:rPr lang="pt-PT" sz="2400" dirty="0"/>
+              <a:t>. Deste modo, o jogador pode </a:t>
+            </a:r>
+            <a:r>
+              <a:rPr lang="pt-PT" sz="2400" b="1" dirty="0"/>
+              <a:t>saltar</a:t>
+            </a:r>
+            <a:r>
+              <a:rPr lang="pt-PT" sz="2400" dirty="0"/>
+              <a:t> com uma peça por cima de uma peça adversária desde que haja uma casa vazia na direção do seu movimento, </a:t>
+            </a:r>
+            <a:r>
+              <a:rPr lang="pt-PT" sz="2400" b="1" dirty="0"/>
+              <a:t>capturando</a:t>
+            </a:r>
+            <a:r>
+              <a:rPr lang="pt-PT" sz="2400" dirty="0"/>
+              <a:t> assim a peça</a:t>
+            </a:r>
+            <a:r>
+              <a:rPr lang="en-GB" sz="2400" dirty="0"/>
               <a:t> do </a:t>
             </a:r>
             <a:r>
-              <a:rPr lang="pt-PT" dirty="0"/>
+              <a:rPr lang="pt-PT" sz="2400" dirty="0"/>
               <a:t>oponente</a:t>
             </a:r>
             <a:r>
-              <a:rPr lang="en-GB" dirty="0"/>
+              <a:rPr lang="en-GB" sz="2400" dirty="0"/>
+              <a:t>. Dentro da </a:t>
+            </a:r>
+            <a:r>
+              <a:rPr lang="en-GB" sz="2400" dirty="0" err="1"/>
+              <a:t>mesma</a:t>
+            </a:r>
+            <a:r>
+              <a:rPr lang="en-GB" sz="2400" dirty="0"/>
+              <a:t> </a:t>
+            </a:r>
+            <a:r>
+              <a:rPr lang="en-GB" sz="2400" dirty="0" err="1"/>
+              <a:t>jogada</a:t>
+            </a:r>
+            <a:r>
+              <a:rPr lang="en-GB" sz="2400" dirty="0"/>
+              <a:t>, o </a:t>
+            </a:r>
+            <a:r>
+              <a:rPr lang="en-GB" sz="2400" dirty="0" err="1"/>
+              <a:t>jogador</a:t>
+            </a:r>
+            <a:r>
+              <a:rPr lang="en-GB" sz="2400" dirty="0"/>
+              <a:t> </a:t>
+            </a:r>
+            <a:r>
+              <a:rPr lang="en-GB" sz="2400" u="sng" dirty="0" err="1"/>
+              <a:t>deverá</a:t>
+            </a:r>
+            <a:r>
+              <a:rPr lang="en-GB" sz="2400" u="sng" dirty="0"/>
+              <a:t> </a:t>
+            </a:r>
+            <a:r>
+              <a:rPr lang="en-GB" sz="2400" u="sng" dirty="0" err="1"/>
+              <a:t>continuar</a:t>
+            </a:r>
+            <a:r>
+              <a:rPr lang="en-GB" sz="2400" u="sng" dirty="0"/>
+              <a:t> a </a:t>
+            </a:r>
+            <a:r>
+              <a:rPr lang="en-GB" sz="2400" u="sng" dirty="0" err="1"/>
+              <a:t>capturar</a:t>
+            </a:r>
+            <a:r>
+              <a:rPr lang="en-GB" sz="2400" dirty="0"/>
+              <a:t> </a:t>
+            </a:r>
+            <a:r>
+              <a:rPr lang="en-GB" sz="2400" dirty="0" err="1"/>
+              <a:t>enquanto</a:t>
+            </a:r>
+            <a:r>
+              <a:rPr lang="en-GB" sz="2400" dirty="0"/>
+              <a:t> for </a:t>
+            </a:r>
+            <a:r>
+              <a:rPr lang="en-GB" sz="2400" dirty="0" err="1"/>
+              <a:t>possível</a:t>
+            </a:r>
+            <a:r>
+              <a:rPr lang="en-GB" sz="2400" dirty="0"/>
+              <a:t>. É de </a:t>
+            </a:r>
+            <a:r>
+              <a:rPr lang="en-GB" sz="2400" dirty="0" err="1"/>
+              <a:t>notar</a:t>
+            </a:r>
+            <a:r>
+              <a:rPr lang="en-GB" sz="2400" dirty="0"/>
+              <a:t> que a </a:t>
+            </a:r>
+            <a:r>
+              <a:rPr lang="en-GB" sz="2400" dirty="0" err="1"/>
+              <a:t>captura</a:t>
+            </a:r>
+            <a:r>
+              <a:rPr lang="en-GB" sz="2400" dirty="0"/>
+              <a:t>, </a:t>
+            </a:r>
+            <a:r>
+              <a:rPr lang="en-GB" sz="2400" dirty="0" err="1"/>
+              <a:t>sendo</a:t>
+            </a:r>
+            <a:r>
+              <a:rPr lang="en-GB" sz="2400" dirty="0"/>
+              <a:t> </a:t>
+            </a:r>
+            <a:r>
+              <a:rPr lang="en-GB" sz="2400" dirty="0" err="1"/>
+              <a:t>possível</a:t>
+            </a:r>
+            <a:r>
+              <a:rPr lang="en-GB" sz="2400" dirty="0"/>
+              <a:t>, é </a:t>
+            </a:r>
+            <a:r>
+              <a:rPr lang="en-GB" sz="2400" b="1" dirty="0" err="1"/>
+              <a:t>obrigatória</a:t>
+            </a:r>
+            <a:r>
+              <a:rPr lang="en-GB" sz="2400" dirty="0"/>
               <a:t>.</a:t>
             </a:r>
           </a:p>
@@ -4228,56 +4517,176 @@
               <a:buNone/>
             </a:pPr>
             <a:r>
-              <a:rPr lang="en-GB" dirty="0"/>
+              <a:rPr lang="en-GB" sz="2400" dirty="0"/>
               <a:t>O </a:t>
             </a:r>
             <a:r>
-              <a:rPr lang="en-GB" dirty="0" err="1"/>
+              <a:rPr lang="en-GB" sz="2400" dirty="0" err="1"/>
               <a:t>estado</a:t>
             </a:r>
             <a:r>
-              <a:rPr lang="en-GB" dirty="0"/>
+              <a:rPr lang="en-GB" sz="2400" dirty="0"/>
               <a:t> </a:t>
             </a:r>
             <a:r>
-              <a:rPr lang="en-GB" dirty="0" err="1"/>
+              <a:rPr lang="en-GB" sz="2400" dirty="0" err="1"/>
               <a:t>inicial</a:t>
             </a:r>
             <a:r>
-              <a:rPr lang="en-GB" dirty="0"/>
+              <a:rPr lang="en-GB" sz="2400" dirty="0"/>
               <a:t> é </a:t>
             </a:r>
             <a:r>
-              <a:rPr lang="en-GB" dirty="0" err="1"/>
+              <a:rPr lang="en-GB" sz="2400" dirty="0" err="1"/>
               <a:t>representado</a:t>
             </a:r>
             <a:r>
-              <a:rPr lang="en-GB" dirty="0"/>
-              <a:t> por um array de </a:t>
-            </a:r>
-            <a:r>
-              <a:rPr lang="en-GB" dirty="0" err="1"/>
+              <a:rPr lang="en-GB" sz="2400" dirty="0"/>
+              <a:t> por um </a:t>
+            </a:r>
+            <a:r>
+              <a:rPr lang="en-GB" sz="2400" i="1" dirty="0"/>
+              <a:t>array</a:t>
+            </a:r>
+            <a:r>
+              <a:rPr lang="en-GB" sz="2400" dirty="0"/>
+              <a:t> de </a:t>
+            </a:r>
+            <a:r>
+              <a:rPr lang="en-GB" sz="2400" dirty="0" err="1"/>
               <a:t>inteiros</a:t>
             </a:r>
             <a:r>
-              <a:rPr lang="en-GB" dirty="0"/>
-              <a:t> 8x8 com a </a:t>
-            </a:r>
-            <a:r>
-              <a:rPr lang="en-GB" dirty="0" err="1"/>
-              <a:t>seguinte</a:t>
-            </a:r>
-            <a:r>
-              <a:rPr lang="en-GB" dirty="0"/>
+              <a:rPr lang="en-GB" sz="2400" dirty="0"/>
+              <a:t> de 64 </a:t>
+            </a:r>
+            <a:r>
+              <a:rPr lang="en-GB" sz="2400" dirty="0" err="1"/>
+              <a:t>elementos</a:t>
+            </a:r>
+            <a:r>
+              <a:rPr lang="en-GB" sz="2400" dirty="0"/>
+              <a:t> (</a:t>
+            </a:r>
+            <a:r>
+              <a:rPr lang="en-GB" sz="2400" dirty="0" err="1"/>
+              <a:t>representante</a:t>
+            </a:r>
+            <a:r>
+              <a:rPr lang="en-GB" sz="2400" dirty="0"/>
+              <a:t> do </a:t>
+            </a:r>
+            <a:r>
+              <a:rPr lang="en-GB" sz="2400" i="1" dirty="0"/>
+              <a:t>board</a:t>
+            </a:r>
+            <a:r>
+              <a:rPr lang="en-GB" sz="2400" dirty="0"/>
+              <a:t> 8x8), </a:t>
+            </a:r>
+            <a:r>
+              <a:rPr lang="en-GB" sz="2400" dirty="0" err="1"/>
+              <a:t>em</a:t>
+            </a:r>
+            <a:r>
+              <a:rPr lang="en-GB" sz="2400" dirty="0"/>
+              <a:t> que um 0 </a:t>
+            </a:r>
+            <a:r>
+              <a:rPr lang="en-GB" sz="2400" dirty="0" err="1"/>
+              <a:t>representa</a:t>
+            </a:r>
+            <a:r>
+              <a:rPr lang="en-GB" sz="2400" dirty="0"/>
               <a:t> </a:t>
             </a:r>
             <a:r>
-              <a:rPr lang="en-GB" dirty="0" err="1"/>
-              <a:t>disposição</a:t>
-            </a:r>
-            <a:r>
-              <a:rPr lang="en-GB" dirty="0"/>
-              <a:t>:</a:t>
+              <a:rPr lang="en-GB" sz="2400" dirty="0" err="1"/>
+              <a:t>uma</a:t>
+            </a:r>
+            <a:r>
+              <a:rPr lang="en-GB" sz="2400" dirty="0"/>
+              <a:t> </a:t>
+            </a:r>
+            <a:r>
+              <a:rPr lang="en-GB" sz="2400" dirty="0" err="1"/>
+              <a:t>célula</a:t>
+            </a:r>
+            <a:r>
+              <a:rPr lang="en-GB" sz="2400" dirty="0"/>
+              <a:t> </a:t>
+            </a:r>
+            <a:r>
+              <a:rPr lang="en-GB" sz="2400" dirty="0" err="1"/>
+              <a:t>vazia</a:t>
+            </a:r>
+            <a:r>
+              <a:rPr lang="en-GB" sz="2400" dirty="0"/>
+              <a:t>, um 1 </a:t>
+            </a:r>
+            <a:r>
+              <a:rPr lang="en-GB" sz="2400" dirty="0" err="1"/>
+              <a:t>uma</a:t>
+            </a:r>
+            <a:r>
+              <a:rPr lang="en-GB" sz="2400" dirty="0"/>
+              <a:t> </a:t>
+            </a:r>
+            <a:r>
+              <a:rPr lang="en-GB" sz="2400" dirty="0" err="1"/>
+              <a:t>célula</a:t>
+            </a:r>
+            <a:r>
+              <a:rPr lang="en-GB" sz="2400" dirty="0"/>
+              <a:t> com </a:t>
+            </a:r>
+            <a:r>
+              <a:rPr lang="en-GB" sz="2400" dirty="0" err="1"/>
+              <a:t>uma</a:t>
+            </a:r>
+            <a:r>
+              <a:rPr lang="en-GB" sz="2400" dirty="0"/>
+              <a:t> </a:t>
+            </a:r>
+            <a:r>
+              <a:rPr lang="en-GB" sz="2400" dirty="0" err="1"/>
+              <a:t>peça</a:t>
+            </a:r>
+            <a:r>
+              <a:rPr lang="en-GB" sz="2400" dirty="0"/>
+              <a:t> </a:t>
+            </a:r>
+            <a:r>
+              <a:rPr lang="en-GB" sz="2400" dirty="0" err="1"/>
+              <a:t>branca</a:t>
+            </a:r>
+            <a:r>
+              <a:rPr lang="en-GB" sz="2400" dirty="0"/>
+              <a:t> e um 2 </a:t>
+            </a:r>
+            <a:r>
+              <a:rPr lang="en-GB" sz="2400" dirty="0" err="1"/>
+              <a:t>uma</a:t>
+            </a:r>
+            <a:r>
+              <a:rPr lang="en-GB" sz="2400" dirty="0"/>
+              <a:t> </a:t>
+            </a:r>
+            <a:r>
+              <a:rPr lang="en-GB" sz="2400" dirty="0" err="1"/>
+              <a:t>peça</a:t>
+            </a:r>
+            <a:r>
+              <a:rPr lang="en-GB" sz="2400" dirty="0"/>
+              <a:t> </a:t>
+            </a:r>
+            <a:r>
+              <a:rPr lang="en-GB" sz="2400" dirty="0" err="1"/>
+              <a:t>preta</a:t>
+            </a:r>
+            <a:r>
+              <a:rPr lang="en-GB" sz="2400" dirty="0"/>
+              <a:t>. </a:t>
             </a:r>
           </a:p>
           <a:p>
@@ -4285,112 +4694,64 @@
               <a:buNone/>
             </a:pPr>
             <a:r>
-              <a:rPr lang="en-GB" dirty="0"/>
-              <a:t>			</a:t>
-            </a:r>
-            <a:r>
-              <a:rPr lang="en-GB" dirty="0" err="1"/>
-              <a:t>Em</a:t>
-            </a:r>
-            <a:r>
-              <a:rPr lang="en-GB" dirty="0"/>
-              <a:t> que um 0 </a:t>
-            </a:r>
-            <a:r>
-              <a:rPr lang="en-GB" dirty="0" err="1"/>
-              <a:t>representa</a:t>
-            </a:r>
-            <a:r>
-              <a:rPr lang="en-GB" dirty="0"/>
+              <a:rPr lang="en-GB" sz="2400" dirty="0"/>
+              <a:t>Para </a:t>
+            </a:r>
+            <a:r>
+              <a:rPr lang="en-GB" sz="2400" dirty="0" err="1"/>
+              <a:t>uma</a:t>
+            </a:r>
+            <a:r>
+              <a:rPr lang="en-GB" sz="2400" dirty="0"/>
               <a:t> </a:t>
             </a:r>
             <a:r>
-              <a:rPr lang="en-GB" dirty="0" err="1"/>
-              <a:t>uma</a:t>
-            </a:r>
-            <a:r>
-              <a:rPr lang="en-GB" dirty="0"/>
+              <a:rPr lang="en-GB" sz="2400" dirty="0" err="1"/>
+              <a:t>melhor</a:t>
+            </a:r>
+            <a:r>
+              <a:rPr lang="en-GB" sz="2400" dirty="0"/>
               <a:t> </a:t>
             </a:r>
             <a:r>
-              <a:rPr lang="en-GB" dirty="0" err="1"/>
-              <a:t>célula</a:t>
-            </a:r>
-            <a:r>
-              <a:rPr lang="en-GB" dirty="0"/>
+              <a:rPr lang="en-GB" sz="2400" dirty="0" err="1"/>
+              <a:t>legibilidade</a:t>
+            </a:r>
+            <a:r>
+              <a:rPr lang="en-GB" sz="2400" dirty="0"/>
+              <a:t>, </a:t>
+            </a:r>
+            <a:r>
+              <a:rPr lang="en-GB" sz="2400" dirty="0" err="1"/>
+              <a:t>foram</a:t>
+            </a:r>
+            <a:r>
+              <a:rPr lang="en-GB" sz="2400" dirty="0"/>
               <a:t> </a:t>
             </a:r>
             <a:r>
-              <a:rPr lang="en-GB" dirty="0" err="1"/>
-              <a:t>vazia</a:t>
-            </a:r>
-            <a:r>
-              <a:rPr lang="en-GB" dirty="0"/>
-              <a:t>, um 1 			</a:t>
-            </a:r>
-            <a:r>
-              <a:rPr lang="en-GB" dirty="0" err="1"/>
-              <a:t>uma</a:t>
-            </a:r>
-            <a:r>
-              <a:rPr lang="en-GB" dirty="0"/>
+              <a:rPr lang="en-GB" sz="2400" dirty="0" err="1"/>
+              <a:t>definidas</a:t>
+            </a:r>
+            <a:r>
+              <a:rPr lang="en-GB" sz="2400" dirty="0"/>
+              <a:t> as </a:t>
+            </a:r>
+            <a:r>
+              <a:rPr lang="en-GB" sz="2400" dirty="0" err="1"/>
+              <a:t>seguintes</a:t>
+            </a:r>
+            <a:r>
+              <a:rPr lang="en-GB" sz="2400" dirty="0"/>
               <a:t> </a:t>
             </a:r>
             <a:r>
-              <a:rPr lang="en-GB" dirty="0" err="1"/>
-              <a:t>célula</a:t>
-            </a:r>
-            <a:r>
-              <a:rPr lang="en-GB" dirty="0"/>
-              <a:t> com </a:t>
-            </a:r>
-            <a:r>
-              <a:rPr lang="en-GB" dirty="0" err="1"/>
-              <a:t>uma</a:t>
-            </a:r>
-            <a:r>
-              <a:rPr lang="en-GB" dirty="0"/>
-              <a:t> </a:t>
-            </a:r>
-            <a:r>
-              <a:rPr lang="en-GB" dirty="0" err="1"/>
-              <a:t>peça</a:t>
-            </a:r>
-            <a:r>
-              <a:rPr lang="en-GB" dirty="0"/>
-              <a:t> </a:t>
-            </a:r>
-            <a:r>
-              <a:rPr lang="en-GB" dirty="0" err="1"/>
-              <a:t>branca</a:t>
-            </a:r>
-            <a:r>
-              <a:rPr lang="en-GB" dirty="0"/>
-              <a:t> e um 2 </a:t>
-            </a:r>
-            <a:r>
-              <a:rPr lang="en-GB" dirty="0" err="1"/>
-              <a:t>uma</a:t>
-            </a:r>
-            <a:r>
-              <a:rPr lang="en-GB" dirty="0"/>
-              <a:t> </a:t>
-            </a:r>
-            <a:r>
-              <a:rPr lang="en-GB" dirty="0" err="1"/>
-              <a:t>peça</a:t>
-            </a:r>
-            <a:r>
-              <a:rPr lang="en-GB" dirty="0"/>
-              <a:t> </a:t>
-            </a:r>
-            <a:r>
-              <a:rPr lang="en-GB" dirty="0" err="1"/>
-              <a:t>preta</a:t>
-            </a:r>
-            <a:r>
-              <a:rPr lang="en-GB" dirty="0"/>
-              <a:t>. </a:t>
+              <a:rPr lang="en-GB" sz="2400" dirty="0" err="1"/>
+              <a:t>constantes</a:t>
+            </a:r>
+            <a:r>
+              <a:rPr lang="en-GB" sz="2400" dirty="0"/>
+              <a:t>: </a:t>
             </a:r>
           </a:p>
           <a:p>
@@ -4403,10 +4764,10 @@
       </p:sp>
       <p:pic>
         <p:nvPicPr>
-          <p:cNvPr id="4" name="Imagem 3">
-            <a:extLst>
-              <a:ext uri="{FF2B5EF4-FFF2-40B4-BE49-F238E27FC236}">
-                <a16:creationId xmlns:a16="http://schemas.microsoft.com/office/drawing/2014/main" id="{0B2448CD-265E-4C17-88D4-0AA69DD50030}"/>
+          <p:cNvPr id="2" name="Imagem 1">
+            <a:extLst>
+              <a:ext uri="{FF2B5EF4-FFF2-40B4-BE49-F238E27FC236}">
+                <a16:creationId xmlns:a16="http://schemas.microsoft.com/office/drawing/2014/main" id="{70FADCAE-9ACC-4D5D-B402-0509C9B0966F}"/>
               </a:ext>
             </a:extLst>
           </p:cNvPr>
@@ -4423,14 +4784,88 @@
         </p:blipFill>
         <p:spPr>
           <a:xfrm>
-            <a:off x="953573" y="2812849"/>
-            <a:ext cx="1432684" cy="1524132"/>
+            <a:off x="4066862" y="4211924"/>
+            <a:ext cx="4058276" cy="1656216"/>
           </a:xfrm>
           <a:prstGeom prst="rect">
             <a:avLst/>
           </a:prstGeom>
         </p:spPr>
       </p:pic>
+      <p:sp>
+        <p:nvSpPr>
+          <p:cNvPr id="5" name="Título 1">
+            <a:extLst>
+              <a:ext uri="{FF2B5EF4-FFF2-40B4-BE49-F238E27FC236}">
+                <a16:creationId xmlns:a16="http://schemas.microsoft.com/office/drawing/2014/main" id="{7403C3D1-273B-418A-9E69-1D545AC77E6A}"/>
+              </a:ext>
+            </a:extLst>
+          </p:cNvPr>
+          <p:cNvSpPr>
+            <a:spLocks noGrp="1"/>
+          </p:cNvSpPr>
+          <p:nvPr>
+            <p:ph type="title"/>
+          </p:nvPr>
+        </p:nvSpPr>
+        <p:spPr>
+          <a:xfrm>
+            <a:off x="838200" y="365125"/>
+            <a:ext cx="10515600" cy="1325563"/>
+          </a:xfrm>
+        </p:spPr>
+        <p:txBody>
+          <a:bodyPr/>
+          <a:lstStyle/>
+          <a:p>
+            <a:r>
+              <a:rPr lang="pt-PT" b="1" dirty="0"/>
+              <a:t>Estado do Jogo</a:t>
+            </a:r>
+            <a:endParaRPr lang="en-GB" b="1" dirty="0"/>
+          </a:p>
+        </p:txBody>
+      </p:sp>
+      <p:sp>
+        <p:nvSpPr>
+          <p:cNvPr id="6" name="CaixaDeTexto 5">
+            <a:extLst>
+              <a:ext uri="{FF2B5EF4-FFF2-40B4-BE49-F238E27FC236}">
+                <a16:creationId xmlns:a16="http://schemas.microsoft.com/office/drawing/2014/main" id="{0BB15C4A-8CD9-431C-A7BF-DC0F29BB1B6A}"/>
+              </a:ext>
+            </a:extLst>
+          </p:cNvPr>
+          <p:cNvSpPr txBox="1"/>
+          <p:nvPr/>
+        </p:nvSpPr>
+        <p:spPr>
+          <a:xfrm>
+            <a:off x="4066862" y="5868140"/>
+            <a:ext cx="4433609" cy="338554"/>
+          </a:xfrm>
+          <a:prstGeom prst="rect">
+            <a:avLst/>
+          </a:prstGeom>
+          <a:noFill/>
+        </p:spPr>
+        <p:txBody>
+          <a:bodyPr wrap="square" rtlCol="0">
+            <a:spAutoFit/>
+          </a:bodyPr>
+          <a:lstStyle/>
+          <a:p>
+            <a:r>
+              <a:rPr lang="pt-PT" sz="1600" dirty="0"/>
+              <a:t>Figura 2 – Excerto de código da classe </a:t>
+            </a:r>
+            <a:r>
+              <a:rPr lang="pt-PT" sz="1600" dirty="0" err="1"/>
+              <a:t>Constants</a:t>
+            </a:r>
+            <a:endParaRPr lang="pt-PT" sz="1600" dirty="0"/>
+          </a:p>
+        </p:txBody>
+      </p:sp>
     </p:spTree>
     <p:extLst>
       <p:ext uri="{BB962C8B-B14F-4D97-AF65-F5344CB8AC3E}">
@@ -4483,10 +4918,10 @@
           <a:lstStyle/>
           <a:p>
             <a:r>
-              <a:rPr lang="en-GB" dirty="0" err="1"/>
+              <a:rPr lang="en-GB" b="1" dirty="0" err="1"/>
               <a:t>Desenvolvimento</a:t>
             </a:r>
-            <a:endParaRPr lang="en-GB" dirty="0"/>
+            <a:endParaRPr lang="en-GB" b="1" dirty="0"/>
           </a:p>
         </p:txBody>
       </p:sp>
@@ -4577,7 +5012,7 @@
             </a:r>
             <a:r>
               <a:rPr lang="en-GB" dirty="0" err="1"/>
-              <a:t>Início</a:t>
+              <a:t>implementação</a:t>
             </a:r>
             <a:r>
               <a:rPr lang="en-GB" dirty="0"/>
@@ -4589,7 +5024,15 @@
             </a:r>
             <a:r>
               <a:rPr lang="en-GB" dirty="0"/>
-              <a:t> e da </a:t>
+              <a:t> e </a:t>
+            </a:r>
+            <a:r>
+              <a:rPr lang="en-GB" dirty="0" err="1"/>
+              <a:t>início</a:t>
+            </a:r>
+            <a:r>
+              <a:rPr lang="en-GB" dirty="0"/>
+              <a:t> da </a:t>
             </a:r>
             <a:r>
               <a:rPr lang="en-GB" dirty="0" err="1"/>
@@ -4602,10 +5045,6 @@
             <a:r>
               <a:rPr lang="en-GB" dirty="0" err="1"/>
               <a:t>jogo</a:t>
-            </a:r>
-            <a:r>
-              <a:rPr lang="en-GB"/>
-              <a:t>.</a:t>
             </a:r>
             <a:endParaRPr lang="en-GB" dirty="0"/>
           </a:p>
@@ -4663,10 +5102,10 @@
           <a:lstStyle/>
           <a:p>
             <a:r>
-              <a:rPr lang="pt-PT" dirty="0" err="1"/>
+              <a:rPr lang="pt-PT" b="1" dirty="0" err="1"/>
               <a:t>Webgrafia</a:t>
             </a:r>
-            <a:endParaRPr lang="en-GB" dirty="0"/>
+            <a:endParaRPr lang="en-GB" b="1" dirty="0"/>
           </a:p>
         </p:txBody>
       </p:sp>
@@ -4709,20 +5148,8 @@
               <a:buNone/>
             </a:pPr>
             <a:r>
-              <a:rPr lang="en-GB" b="1" dirty="0">
+              <a:rPr lang="en-GB" dirty="0">
                 <a:hlinkClick r:id="rId3"/>
-              </a:rPr>
-              <a:t>https://tinyurl.com/EximoRules</a:t>
-            </a:r>
-            <a:endParaRPr lang="en-GB" b="1" dirty="0"/>
-          </a:p>
-          <a:p>
-            <a:pPr marL="0" indent="0">
-              <a:buNone/>
-            </a:pPr>
-            <a:r>
-              <a:rPr lang="en-GB" dirty="0">
-                <a:hlinkClick r:id="rId4"/>
               </a:rPr>
               <a:t>https://boardgamegeek.com/thread/925957/new-game-checkers-family-eximo</a:t>
             </a:r>

--- a/docs/IART-Eximo.pptx
+++ b/docs/IART-Eximo.pptx
@@ -117,6 +117,98 @@
 </p:presentation>
 </file>
 
+<file path=ppt/revisionInfo.xml><?xml version="1.0" encoding="utf-8"?>
+<p1510:revInfo xmlns:a="http://schemas.openxmlformats.org/drawingml/2006/main" xmlns:r="http://schemas.openxmlformats.org/officeDocument/2006/relationships" xmlns:p1510="http://schemas.microsoft.com/office/powerpoint/2015/10/main">
+  <p1510:revLst>
+    <p1510:client id="{26AB22BD-A1C2-4EDD-849C-9D4F40F32517}" v="4" dt="2020-03-16T19:50:42.017"/>
+  </p1510:revLst>
+</p1510:revInfo>
+</file>
+
+<file path=ppt/changesInfos/changesInfo1.xml><?xml version="1.0" encoding="utf-8"?>
+<pc:chgInfo xmlns:a="http://schemas.openxmlformats.org/drawingml/2006/main" xmlns:r="http://schemas.openxmlformats.org/officeDocument/2006/relationships" xmlns:ac="http://schemas.microsoft.com/office/drawing/2013/main/command" xmlns:pc="http://schemas.microsoft.com/office/powerpoint/2013/main/command">
+  <pc:docChgLst>
+    <pc:chgData name="S�rgio Dias" userId="7dae6c832f17d784" providerId="LiveId" clId="{26AB22BD-A1C2-4EDD-849C-9D4F40F32517}"/>
+    <pc:docChg chg="custSel modSld">
+      <pc:chgData name="S�rgio Dias" userId="7dae6c832f17d784" providerId="LiveId" clId="{26AB22BD-A1C2-4EDD-849C-9D4F40F32517}" dt="2020-03-16T19:58:54.512" v="38" actId="20577"/>
+      <pc:docMkLst>
+        <pc:docMk/>
+      </pc:docMkLst>
+      <pc:sldChg chg="addSp modSp">
+        <pc:chgData name="S�rgio Dias" userId="7dae6c832f17d784" providerId="LiveId" clId="{26AB22BD-A1C2-4EDD-849C-9D4F40F32517}" dt="2020-03-16T19:51:12.253" v="16" actId="1076"/>
+        <pc:sldMkLst>
+          <pc:docMk/>
+          <pc:sldMk cId="2559584809" sldId="258"/>
+        </pc:sldMkLst>
+        <pc:spChg chg="mod">
+          <ac:chgData name="S�rgio Dias" userId="7dae6c832f17d784" providerId="LiveId" clId="{26AB22BD-A1C2-4EDD-849C-9D4F40F32517}" dt="2020-03-16T19:51:12.253" v="16" actId="1076"/>
+          <ac:spMkLst>
+            <pc:docMk/>
+            <pc:sldMk cId="2559584809" sldId="258"/>
+            <ac:spMk id="2" creationId="{D01CA64A-DD47-47AC-940B-78A0EC0A90D1}"/>
+          </ac:spMkLst>
+        </pc:spChg>
+        <pc:spChg chg="mod">
+          <ac:chgData name="S�rgio Dias" userId="7dae6c832f17d784" providerId="LiveId" clId="{26AB22BD-A1C2-4EDD-849C-9D4F40F32517}" dt="2020-03-16T19:50:08.897" v="1" actId="27636"/>
+          <ac:spMkLst>
+            <pc:docMk/>
+            <pc:sldMk cId="2559584809" sldId="258"/>
+            <ac:spMk id="3" creationId="{F736D9AE-0C0C-4FE2-A580-C3DA4051C876}"/>
+          </ac:spMkLst>
+        </pc:spChg>
+        <pc:spChg chg="add mod">
+          <ac:chgData name="S�rgio Dias" userId="7dae6c832f17d784" providerId="LiveId" clId="{26AB22BD-A1C2-4EDD-849C-9D4F40F32517}" dt="2020-03-16T19:50:30.218" v="9" actId="1076"/>
+          <ac:spMkLst>
+            <pc:docMk/>
+            <pc:sldMk cId="2559584809" sldId="258"/>
+            <ac:spMk id="4" creationId="{C7B01507-F224-442B-ACE9-663737326EDC}"/>
+          </ac:spMkLst>
+        </pc:spChg>
+        <pc:spChg chg="add">
+          <ac:chgData name="S�rgio Dias" userId="7dae6c832f17d784" providerId="LiveId" clId="{26AB22BD-A1C2-4EDD-849C-9D4F40F32517}" dt="2020-03-16T19:50:42.017" v="12"/>
+          <ac:spMkLst>
+            <pc:docMk/>
+            <pc:sldMk cId="2559584809" sldId="258"/>
+            <ac:spMk id="5" creationId="{28961375-1241-492A-91D9-DBE4997828DA}"/>
+          </ac:spMkLst>
+        </pc:spChg>
+      </pc:sldChg>
+      <pc:sldChg chg="addSp delSp modSp">
+        <pc:chgData name="S�rgio Dias" userId="7dae6c832f17d784" providerId="LiveId" clId="{26AB22BD-A1C2-4EDD-849C-9D4F40F32517}" dt="2020-03-16T19:58:54.512" v="38" actId="20577"/>
+        <pc:sldMkLst>
+          <pc:docMk/>
+          <pc:sldMk cId="1147159589" sldId="261"/>
+        </pc:sldMkLst>
+        <pc:spChg chg="add del mod">
+          <ac:chgData name="S�rgio Dias" userId="7dae6c832f17d784" providerId="LiveId" clId="{26AB22BD-A1C2-4EDD-849C-9D4F40F32517}" dt="2020-03-16T19:51:37.198" v="37" actId="20577"/>
+          <ac:spMkLst>
+            <pc:docMk/>
+            <pc:sldMk cId="1147159589" sldId="261"/>
+            <ac:spMk id="2" creationId="{B5C1BD9D-6534-47A6-9610-F2C8C4CF3FD0}"/>
+          </ac:spMkLst>
+        </pc:spChg>
+        <pc:spChg chg="mod">
+          <ac:chgData name="S�rgio Dias" userId="7dae6c832f17d784" providerId="LiveId" clId="{26AB22BD-A1C2-4EDD-849C-9D4F40F32517}" dt="2020-03-16T19:58:54.512" v="38" actId="20577"/>
+          <ac:spMkLst>
+            <pc:docMk/>
+            <pc:sldMk cId="1147159589" sldId="261"/>
+            <ac:spMk id="3" creationId="{222371E7-F5C6-4683-AE2B-E92D164DD4ED}"/>
+          </ac:spMkLst>
+        </pc:spChg>
+        <pc:spChg chg="add del mod">
+          <ac:chgData name="S�rgio Dias" userId="7dae6c832f17d784" providerId="LiveId" clId="{26AB22BD-A1C2-4EDD-849C-9D4F40F32517}" dt="2020-03-16T19:50:38.365" v="11"/>
+          <ac:spMkLst>
+            <pc:docMk/>
+            <pc:sldMk cId="1147159589" sldId="261"/>
+            <ac:spMk id="4" creationId="{5234E274-B1AD-400E-91F1-CD2A62969C2D}"/>
+          </ac:spMkLst>
+        </pc:spChg>
+      </pc:sldChg>
+    </pc:docChg>
+  </pc:docChgLst>
+</pc:chgInfo>
+</file>
+
 <file path=ppt/slideLayouts/slideLayout1.xml><?xml version="1.0" encoding="utf-8"?>
 <p:sldLayout xmlns:a="http://schemas.openxmlformats.org/drawingml/2006/main" xmlns:r="http://schemas.openxmlformats.org/officeDocument/2006/relationships" xmlns:p="http://schemas.openxmlformats.org/presentationml/2006/main" type="title" preserve="1">
   <p:cSld name="Diapositivo de Título">
@@ -266,7 +358,7 @@
           <a:p>
             <a:fld id="{EFC4EFF7-0A14-4391-90A5-4F7FFA3E6BB6}" type="datetimeFigureOut">
               <a:rPr lang="en-GB" smtClean="0"/>
-              <a:t>13/03/2020</a:t>
+              <a:t>16/03/2020</a:t>
             </a:fld>
             <a:endParaRPr lang="en-GB"/>
           </a:p>
@@ -466,7 +558,7 @@
           <a:p>
             <a:fld id="{EFC4EFF7-0A14-4391-90A5-4F7FFA3E6BB6}" type="datetimeFigureOut">
               <a:rPr lang="en-GB" smtClean="0"/>
-              <a:t>13/03/2020</a:t>
+              <a:t>16/03/2020</a:t>
             </a:fld>
             <a:endParaRPr lang="en-GB"/>
           </a:p>
@@ -676,7 +768,7 @@
           <a:p>
             <a:fld id="{EFC4EFF7-0A14-4391-90A5-4F7FFA3E6BB6}" type="datetimeFigureOut">
               <a:rPr lang="en-GB" smtClean="0"/>
-              <a:t>13/03/2020</a:t>
+              <a:t>16/03/2020</a:t>
             </a:fld>
             <a:endParaRPr lang="en-GB"/>
           </a:p>
@@ -876,7 +968,7 @@
           <a:p>
             <a:fld id="{EFC4EFF7-0A14-4391-90A5-4F7FFA3E6BB6}" type="datetimeFigureOut">
               <a:rPr lang="en-GB" smtClean="0"/>
-              <a:t>13/03/2020</a:t>
+              <a:t>16/03/2020</a:t>
             </a:fld>
             <a:endParaRPr lang="en-GB"/>
           </a:p>
@@ -1152,7 +1244,7 @@
           <a:p>
             <a:fld id="{EFC4EFF7-0A14-4391-90A5-4F7FFA3E6BB6}" type="datetimeFigureOut">
               <a:rPr lang="en-GB" smtClean="0"/>
-              <a:t>13/03/2020</a:t>
+              <a:t>16/03/2020</a:t>
             </a:fld>
             <a:endParaRPr lang="en-GB"/>
           </a:p>
@@ -1420,7 +1512,7 @@
           <a:p>
             <a:fld id="{EFC4EFF7-0A14-4391-90A5-4F7FFA3E6BB6}" type="datetimeFigureOut">
               <a:rPr lang="en-GB" smtClean="0"/>
-              <a:t>13/03/2020</a:t>
+              <a:t>16/03/2020</a:t>
             </a:fld>
             <a:endParaRPr lang="en-GB"/>
           </a:p>
@@ -1835,7 +1927,7 @@
           <a:p>
             <a:fld id="{EFC4EFF7-0A14-4391-90A5-4F7FFA3E6BB6}" type="datetimeFigureOut">
               <a:rPr lang="en-GB" smtClean="0"/>
-              <a:t>13/03/2020</a:t>
+              <a:t>16/03/2020</a:t>
             </a:fld>
             <a:endParaRPr lang="en-GB"/>
           </a:p>
@@ -1977,7 +2069,7 @@
           <a:p>
             <a:fld id="{EFC4EFF7-0A14-4391-90A5-4F7FFA3E6BB6}" type="datetimeFigureOut">
               <a:rPr lang="en-GB" smtClean="0"/>
-              <a:t>13/03/2020</a:t>
+              <a:t>16/03/2020</a:t>
             </a:fld>
             <a:endParaRPr lang="en-GB"/>
           </a:p>
@@ -2090,7 +2182,7 @@
           <a:p>
             <a:fld id="{EFC4EFF7-0A14-4391-90A5-4F7FFA3E6BB6}" type="datetimeFigureOut">
               <a:rPr lang="en-GB" smtClean="0"/>
-              <a:t>13/03/2020</a:t>
+              <a:t>16/03/2020</a:t>
             </a:fld>
             <a:endParaRPr lang="en-GB"/>
           </a:p>
@@ -2403,7 +2495,7 @@
           <a:p>
             <a:fld id="{EFC4EFF7-0A14-4391-90A5-4F7FFA3E6BB6}" type="datetimeFigureOut">
               <a:rPr lang="en-GB" smtClean="0"/>
-              <a:t>13/03/2020</a:t>
+              <a:t>16/03/2020</a:t>
             </a:fld>
             <a:endParaRPr lang="en-GB"/>
           </a:p>
@@ -2692,7 +2784,7 @@
           <a:p>
             <a:fld id="{EFC4EFF7-0A14-4391-90A5-4F7FFA3E6BB6}" type="datetimeFigureOut">
               <a:rPr lang="en-GB" smtClean="0"/>
-              <a:t>13/03/2020</a:t>
+              <a:t>16/03/2020</a:t>
             </a:fld>
             <a:endParaRPr lang="en-GB"/>
           </a:p>
@@ -2935,7 +3027,7 @@
           <a:p>
             <a:fld id="{EFC4EFF7-0A14-4391-90A5-4F7FFA3E6BB6}" type="datetimeFigureOut">
               <a:rPr lang="en-GB" smtClean="0"/>
-              <a:t>13/03/2020</a:t>
+              <a:t>16/03/2020</a:t>
             </a:fld>
             <a:endParaRPr lang="en-GB"/>
           </a:p>
@@ -4919,7 +5011,15 @@
           <a:p>
             <a:r>
               <a:rPr lang="en-GB" b="1" dirty="0" err="1"/>
-              <a:t>Desenvolvimento</a:t>
+              <a:t>Função</a:t>
+            </a:r>
+            <a:r>
+              <a:rPr lang="en-GB" b="1" dirty="0"/>
+              <a:t> de </a:t>
+            </a:r>
+            <a:r>
+              <a:rPr lang="en-GB" b="1" dirty="0" err="1"/>
+              <a:t>avaliação</a:t>
             </a:r>
             <a:endParaRPr lang="en-GB" b="1" dirty="0"/>
           </a:p>
@@ -4949,103 +5049,6 @@
             <a:pPr marL="0" indent="0">
               <a:buNone/>
             </a:pPr>
-            <a:r>
-              <a:rPr lang="en-GB" dirty="0" err="1"/>
-              <a:t>Linguagem</a:t>
-            </a:r>
-            <a:r>
-              <a:rPr lang="en-GB" dirty="0"/>
-              <a:t> de </a:t>
-            </a:r>
-            <a:r>
-              <a:rPr lang="en-GB" dirty="0" err="1"/>
-              <a:t>programação</a:t>
-            </a:r>
-            <a:r>
-              <a:rPr lang="en-GB" dirty="0"/>
-              <a:t>: java.</a:t>
-            </a:r>
-          </a:p>
-          <a:p>
-            <a:pPr marL="0" indent="0">
-              <a:buNone/>
-            </a:pPr>
-            <a:r>
-              <a:rPr lang="en-GB" dirty="0"/>
-              <a:t>GUI: Swing.</a:t>
-            </a:r>
-          </a:p>
-          <a:p>
-            <a:pPr marL="0" indent="0">
-              <a:buNone/>
-            </a:pPr>
-            <a:r>
-              <a:rPr lang="en-GB" dirty="0"/>
-              <a:t>IDE: Visual Code, IntelliJ IDEA.</a:t>
-            </a:r>
-          </a:p>
-          <a:p>
-            <a:pPr marL="0" indent="0">
-              <a:buNone/>
-            </a:pPr>
-            <a:endParaRPr lang="en-GB" dirty="0"/>
-          </a:p>
-          <a:p>
-            <a:pPr marL="0" indent="0">
-              <a:buNone/>
-            </a:pPr>
-            <a:r>
-              <a:rPr lang="en-GB" dirty="0" err="1"/>
-              <a:t>Trabalho</a:t>
-            </a:r>
-            <a:r>
-              <a:rPr lang="en-GB" dirty="0"/>
-              <a:t> </a:t>
-            </a:r>
-            <a:r>
-              <a:rPr lang="en-GB" dirty="0" err="1"/>
-              <a:t>realizado</a:t>
-            </a:r>
-            <a:r>
-              <a:rPr lang="en-GB" dirty="0"/>
-              <a:t>: </a:t>
-            </a:r>
-            <a:r>
-              <a:rPr lang="en-GB" dirty="0" err="1"/>
-              <a:t>implementação</a:t>
-            </a:r>
-            <a:r>
-              <a:rPr lang="en-GB" dirty="0"/>
-              <a:t> da interface </a:t>
-            </a:r>
-            <a:r>
-              <a:rPr lang="en-GB" dirty="0" err="1"/>
-              <a:t>gráfica</a:t>
-            </a:r>
-            <a:r>
-              <a:rPr lang="en-GB" dirty="0"/>
-              <a:t> e </a:t>
-            </a:r>
-            <a:r>
-              <a:rPr lang="en-GB" dirty="0" err="1"/>
-              <a:t>início</a:t>
-            </a:r>
-            <a:r>
-              <a:rPr lang="en-GB" dirty="0"/>
-              <a:t> da </a:t>
-            </a:r>
-            <a:r>
-              <a:rPr lang="en-GB" dirty="0" err="1"/>
-              <a:t>lógica</a:t>
-            </a:r>
-            <a:r>
-              <a:rPr lang="en-GB" dirty="0"/>
-              <a:t> de </a:t>
-            </a:r>
-            <a:r>
-              <a:rPr lang="en-GB" dirty="0" err="1"/>
-              <a:t>jogo</a:t>
-            </a:r>
             <a:endParaRPr lang="en-GB" dirty="0"/>
           </a:p>
         </p:txBody>
@@ -5096,9 +5099,16 @@
             <p:ph type="title"/>
           </p:nvPr>
         </p:nvSpPr>
-        <p:spPr/>
-        <p:txBody>
-          <a:bodyPr/>
+        <p:spPr>
+          <a:xfrm>
+            <a:off x="838200" y="4225130"/>
+            <a:ext cx="10515600" cy="595313"/>
+          </a:xfrm>
+        </p:spPr>
+        <p:txBody>
+          <a:bodyPr>
+            <a:normAutofit fontScale="90000"/>
+          </a:bodyPr>
           <a:lstStyle/>
           <a:p>
             <a:r>
@@ -5125,10 +5135,15 @@
             <p:ph idx="1"/>
           </p:nvPr>
         </p:nvSpPr>
-        <p:spPr/>
+        <p:spPr>
+          <a:xfrm>
+            <a:off x="838200" y="5181599"/>
+            <a:ext cx="10515600" cy="995363"/>
+          </a:xfrm>
+        </p:spPr>
         <p:txBody>
           <a:bodyPr>
-            <a:normAutofit/>
+            <a:normAutofit fontScale="85000" lnSpcReduction="10000"/>
           </a:bodyPr>
           <a:lstStyle/>
           <a:p>
@@ -5166,6 +5181,362 @@
               <a:buNone/>
             </a:pPr>
             <a:endParaRPr lang="en-GB" dirty="0"/>
+          </a:p>
+        </p:txBody>
+      </p:sp>
+      <p:sp>
+        <p:nvSpPr>
+          <p:cNvPr id="4" name="Marcador de Posição de Conteúdo 2">
+            <a:extLst>
+              <a:ext uri="{FF2B5EF4-FFF2-40B4-BE49-F238E27FC236}">
+                <a16:creationId xmlns:a16="http://schemas.microsoft.com/office/drawing/2014/main" id="{C7B01507-F224-442B-ACE9-663737326EDC}"/>
+              </a:ext>
+            </a:extLst>
+          </p:cNvPr>
+          <p:cNvSpPr txBox="1">
+            <a:spLocks/>
+          </p:cNvSpPr>
+          <p:nvPr/>
+        </p:nvSpPr>
+        <p:spPr>
+          <a:xfrm>
+            <a:off x="771525" y="1682750"/>
+            <a:ext cx="10515600" cy="4351338"/>
+          </a:xfrm>
+          <a:prstGeom prst="rect">
+            <a:avLst/>
+          </a:prstGeom>
+        </p:spPr>
+        <p:txBody>
+          <a:bodyPr vert="horz" lIns="91440" tIns="45720" rIns="91440" bIns="45720" rtlCol="0">
+            <a:normAutofit/>
+          </a:bodyPr>
+          <a:lstStyle>
+            <a:lvl1pPr marL="228600" indent="-228600" algn="l" defTabSz="914400" rtl="0" eaLnBrk="1" latinLnBrk="0" hangingPunct="1">
+              <a:lnSpc>
+                <a:spcPct val="90000"/>
+              </a:lnSpc>
+              <a:spcBef>
+                <a:spcPts val="1000"/>
+              </a:spcBef>
+              <a:buFont typeface="Arial" panose="020B0604020202020204" pitchFamily="34" charset="0"/>
+              <a:buChar char="•"/>
+              <a:defRPr sz="2800" kern="1200">
+                <a:solidFill>
+                  <a:schemeClr val="tx1"/>
+                </a:solidFill>
+                <a:latin typeface="+mn-lt"/>
+                <a:ea typeface="+mn-ea"/>
+                <a:cs typeface="+mn-cs"/>
+              </a:defRPr>
+            </a:lvl1pPr>
+            <a:lvl2pPr marL="685800" indent="-228600" algn="l" defTabSz="914400" rtl="0" eaLnBrk="1" latinLnBrk="0" hangingPunct="1">
+              <a:lnSpc>
+                <a:spcPct val="90000"/>
+              </a:lnSpc>
+              <a:spcBef>
+                <a:spcPts val="500"/>
+              </a:spcBef>
+              <a:buFont typeface="Arial" panose="020B0604020202020204" pitchFamily="34" charset="0"/>
+              <a:buChar char="•"/>
+              <a:defRPr sz="2400" kern="1200">
+                <a:solidFill>
+                  <a:schemeClr val="tx1"/>
+                </a:solidFill>
+                <a:latin typeface="+mn-lt"/>
+                <a:ea typeface="+mn-ea"/>
+                <a:cs typeface="+mn-cs"/>
+              </a:defRPr>
+            </a:lvl2pPr>
+            <a:lvl3pPr marL="1143000" indent="-228600" algn="l" defTabSz="914400" rtl="0" eaLnBrk="1" latinLnBrk="0" hangingPunct="1">
+              <a:lnSpc>
+                <a:spcPct val="90000"/>
+              </a:lnSpc>
+              <a:spcBef>
+                <a:spcPts val="500"/>
+              </a:spcBef>
+              <a:buFont typeface="Arial" panose="020B0604020202020204" pitchFamily="34" charset="0"/>
+              <a:buChar char="•"/>
+              <a:defRPr sz="2000" kern="1200">
+                <a:solidFill>
+                  <a:schemeClr val="tx1"/>
+                </a:solidFill>
+                <a:latin typeface="+mn-lt"/>
+                <a:ea typeface="+mn-ea"/>
+                <a:cs typeface="+mn-cs"/>
+              </a:defRPr>
+            </a:lvl3pPr>
+            <a:lvl4pPr marL="1600200" indent="-228600" algn="l" defTabSz="914400" rtl="0" eaLnBrk="1" latinLnBrk="0" hangingPunct="1">
+              <a:lnSpc>
+                <a:spcPct val="90000"/>
+              </a:lnSpc>
+              <a:spcBef>
+                <a:spcPts val="500"/>
+              </a:spcBef>
+              <a:buFont typeface="Arial" panose="020B0604020202020204" pitchFamily="34" charset="0"/>
+              <a:buChar char="•"/>
+              <a:defRPr sz="1800" kern="1200">
+                <a:solidFill>
+                  <a:schemeClr val="tx1"/>
+                </a:solidFill>
+                <a:latin typeface="+mn-lt"/>
+                <a:ea typeface="+mn-ea"/>
+                <a:cs typeface="+mn-cs"/>
+              </a:defRPr>
+            </a:lvl4pPr>
+            <a:lvl5pPr marL="2057400" indent="-228600" algn="l" defTabSz="914400" rtl="0" eaLnBrk="1" latinLnBrk="0" hangingPunct="1">
+              <a:lnSpc>
+                <a:spcPct val="90000"/>
+              </a:lnSpc>
+              <a:spcBef>
+                <a:spcPts val="500"/>
+              </a:spcBef>
+              <a:buFont typeface="Arial" panose="020B0604020202020204" pitchFamily="34" charset="0"/>
+              <a:buChar char="•"/>
+              <a:defRPr sz="1800" kern="1200">
+                <a:solidFill>
+                  <a:schemeClr val="tx1"/>
+                </a:solidFill>
+                <a:latin typeface="+mn-lt"/>
+                <a:ea typeface="+mn-ea"/>
+                <a:cs typeface="+mn-cs"/>
+              </a:defRPr>
+            </a:lvl5pPr>
+            <a:lvl6pPr marL="2514600" indent="-228600" algn="l" defTabSz="914400" rtl="0" eaLnBrk="1" latinLnBrk="0" hangingPunct="1">
+              <a:lnSpc>
+                <a:spcPct val="90000"/>
+              </a:lnSpc>
+              <a:spcBef>
+                <a:spcPts val="500"/>
+              </a:spcBef>
+              <a:buFont typeface="Arial" panose="020B0604020202020204" pitchFamily="34" charset="0"/>
+              <a:buChar char="•"/>
+              <a:defRPr sz="1800" kern="1200">
+                <a:solidFill>
+                  <a:schemeClr val="tx1"/>
+                </a:solidFill>
+                <a:latin typeface="+mn-lt"/>
+                <a:ea typeface="+mn-ea"/>
+                <a:cs typeface="+mn-cs"/>
+              </a:defRPr>
+            </a:lvl6pPr>
+            <a:lvl7pPr marL="2971800" indent="-228600" algn="l" defTabSz="914400" rtl="0" eaLnBrk="1" latinLnBrk="0" hangingPunct="1">
+              <a:lnSpc>
+                <a:spcPct val="90000"/>
+              </a:lnSpc>
+              <a:spcBef>
+                <a:spcPts val="500"/>
+              </a:spcBef>
+              <a:buFont typeface="Arial" panose="020B0604020202020204" pitchFamily="34" charset="0"/>
+              <a:buChar char="•"/>
+              <a:defRPr sz="1800" kern="1200">
+                <a:solidFill>
+                  <a:schemeClr val="tx1"/>
+                </a:solidFill>
+                <a:latin typeface="+mn-lt"/>
+                <a:ea typeface="+mn-ea"/>
+                <a:cs typeface="+mn-cs"/>
+              </a:defRPr>
+            </a:lvl7pPr>
+            <a:lvl8pPr marL="3429000" indent="-228600" algn="l" defTabSz="914400" rtl="0" eaLnBrk="1" latinLnBrk="0" hangingPunct="1">
+              <a:lnSpc>
+                <a:spcPct val="90000"/>
+              </a:lnSpc>
+              <a:spcBef>
+                <a:spcPts val="500"/>
+              </a:spcBef>
+              <a:buFont typeface="Arial" panose="020B0604020202020204" pitchFamily="34" charset="0"/>
+              <a:buChar char="•"/>
+              <a:defRPr sz="1800" kern="1200">
+                <a:solidFill>
+                  <a:schemeClr val="tx1"/>
+                </a:solidFill>
+                <a:latin typeface="+mn-lt"/>
+                <a:ea typeface="+mn-ea"/>
+                <a:cs typeface="+mn-cs"/>
+              </a:defRPr>
+            </a:lvl8pPr>
+            <a:lvl9pPr marL="3886200" indent="-228600" algn="l" defTabSz="914400" rtl="0" eaLnBrk="1" latinLnBrk="0" hangingPunct="1">
+              <a:lnSpc>
+                <a:spcPct val="90000"/>
+              </a:lnSpc>
+              <a:spcBef>
+                <a:spcPts val="500"/>
+              </a:spcBef>
+              <a:buFont typeface="Arial" panose="020B0604020202020204" pitchFamily="34" charset="0"/>
+              <a:buChar char="•"/>
+              <a:defRPr sz="1800" kern="1200">
+                <a:solidFill>
+                  <a:schemeClr val="tx1"/>
+                </a:solidFill>
+                <a:latin typeface="+mn-lt"/>
+                <a:ea typeface="+mn-ea"/>
+                <a:cs typeface="+mn-cs"/>
+              </a:defRPr>
+            </a:lvl9pPr>
+          </a:lstStyle>
+          <a:p>
+            <a:pPr marL="0" indent="0">
+              <a:buFont typeface="Arial" panose="020B0604020202020204" pitchFamily="34" charset="0"/>
+              <a:buNone/>
+            </a:pPr>
+            <a:r>
+              <a:rPr lang="en-GB" sz="2000" dirty="0" err="1"/>
+              <a:t>Linguagem</a:t>
+            </a:r>
+            <a:r>
+              <a:rPr lang="en-GB" sz="2000" dirty="0"/>
+              <a:t> de </a:t>
+            </a:r>
+            <a:r>
+              <a:rPr lang="en-GB" sz="2000" dirty="0" err="1"/>
+              <a:t>programação</a:t>
+            </a:r>
+            <a:r>
+              <a:rPr lang="en-GB" sz="2000" dirty="0"/>
+              <a:t>: java.</a:t>
+            </a:r>
+          </a:p>
+          <a:p>
+            <a:pPr marL="0" indent="0">
+              <a:buFont typeface="Arial" panose="020B0604020202020204" pitchFamily="34" charset="0"/>
+              <a:buNone/>
+            </a:pPr>
+            <a:r>
+              <a:rPr lang="en-GB" sz="2000" dirty="0"/>
+              <a:t>GUI: Swing.</a:t>
+            </a:r>
+          </a:p>
+          <a:p>
+            <a:pPr marL="0" indent="0">
+              <a:buFont typeface="Arial" panose="020B0604020202020204" pitchFamily="34" charset="0"/>
+              <a:buNone/>
+            </a:pPr>
+            <a:r>
+              <a:rPr lang="en-GB" sz="2000" dirty="0"/>
+              <a:t>IDE: Visual Code, IntelliJ IDEA.</a:t>
+            </a:r>
+          </a:p>
+          <a:p>
+            <a:pPr marL="0" indent="0">
+              <a:buFont typeface="Arial" panose="020B0604020202020204" pitchFamily="34" charset="0"/>
+              <a:buNone/>
+            </a:pPr>
+            <a:endParaRPr lang="en-GB" sz="2000" dirty="0"/>
+          </a:p>
+          <a:p>
+            <a:pPr marL="0" indent="0">
+              <a:buFont typeface="Arial" panose="020B0604020202020204" pitchFamily="34" charset="0"/>
+              <a:buNone/>
+            </a:pPr>
+            <a:r>
+              <a:rPr lang="en-GB" sz="2000" dirty="0" err="1"/>
+              <a:t>Trabalho</a:t>
+            </a:r>
+            <a:r>
+              <a:rPr lang="en-GB" sz="2000" dirty="0"/>
+              <a:t> </a:t>
+            </a:r>
+            <a:r>
+              <a:rPr lang="en-GB" sz="2000" dirty="0" err="1"/>
+              <a:t>realizado</a:t>
+            </a:r>
+            <a:r>
+              <a:rPr lang="en-GB" sz="2000" dirty="0"/>
+              <a:t>: </a:t>
+            </a:r>
+            <a:r>
+              <a:rPr lang="en-GB" sz="2000" dirty="0" err="1"/>
+              <a:t>implementação</a:t>
+            </a:r>
+            <a:r>
+              <a:rPr lang="en-GB" sz="2000" dirty="0"/>
+              <a:t> da interface </a:t>
+            </a:r>
+            <a:r>
+              <a:rPr lang="en-GB" sz="2000" dirty="0" err="1"/>
+              <a:t>gráfica</a:t>
+            </a:r>
+            <a:r>
+              <a:rPr lang="en-GB" sz="2000" dirty="0"/>
+              <a:t> e </a:t>
+            </a:r>
+            <a:r>
+              <a:rPr lang="en-GB" sz="2000" dirty="0" err="1"/>
+              <a:t>início</a:t>
+            </a:r>
+            <a:r>
+              <a:rPr lang="en-GB" sz="2000" dirty="0"/>
+              <a:t> da </a:t>
+            </a:r>
+            <a:r>
+              <a:rPr lang="en-GB" sz="2000" dirty="0" err="1"/>
+              <a:t>lógica</a:t>
+            </a:r>
+            <a:r>
+              <a:rPr lang="en-GB" sz="2000" dirty="0"/>
+              <a:t> de </a:t>
+            </a:r>
+            <a:r>
+              <a:rPr lang="en-GB" sz="2000" dirty="0" err="1"/>
+              <a:t>jogo</a:t>
+            </a:r>
+            <a:endParaRPr lang="en-GB" sz="2000" dirty="0"/>
+          </a:p>
+        </p:txBody>
+      </p:sp>
+      <p:sp>
+        <p:nvSpPr>
+          <p:cNvPr id="5" name="Título 1">
+            <a:extLst>
+              <a:ext uri="{FF2B5EF4-FFF2-40B4-BE49-F238E27FC236}">
+                <a16:creationId xmlns:a16="http://schemas.microsoft.com/office/drawing/2014/main" id="{28961375-1241-492A-91D9-DBE4997828DA}"/>
+              </a:ext>
+            </a:extLst>
+          </p:cNvPr>
+          <p:cNvSpPr txBox="1">
+            <a:spLocks/>
+          </p:cNvSpPr>
+          <p:nvPr/>
+        </p:nvSpPr>
+        <p:spPr>
+          <a:xfrm>
+            <a:off x="838200" y="365125"/>
+            <a:ext cx="10515600" cy="1325563"/>
+          </a:xfrm>
+          <a:prstGeom prst="rect">
+            <a:avLst/>
+          </a:prstGeom>
+        </p:spPr>
+        <p:txBody>
+          <a:bodyPr vert="horz" lIns="91440" tIns="45720" rIns="91440" bIns="45720" rtlCol="0" anchor="ctr">
+            <a:normAutofit/>
+          </a:bodyPr>
+          <a:lstStyle>
+            <a:lvl1pPr algn="l" defTabSz="914400" rtl="0" eaLnBrk="1" latinLnBrk="0" hangingPunct="1">
+              <a:lnSpc>
+                <a:spcPct val="90000"/>
+              </a:lnSpc>
+              <a:spcBef>
+                <a:spcPct val="0"/>
+              </a:spcBef>
+              <a:buNone/>
+              <a:defRPr sz="4400" kern="1200">
+                <a:solidFill>
+                  <a:schemeClr val="tx1"/>
+                </a:solidFill>
+                <a:latin typeface="+mj-lt"/>
+                <a:ea typeface="+mj-ea"/>
+                <a:cs typeface="+mj-cs"/>
+              </a:defRPr>
+            </a:lvl1pPr>
+          </a:lstStyle>
+          <a:p>
+            <a:r>
+              <a:rPr lang="en-GB" b="1" dirty="0" err="1"/>
+              <a:t>Desenvolvimento</a:t>
+            </a:r>
+            <a:endParaRPr lang="en-GB" b="1" dirty="0"/>
           </a:p>
         </p:txBody>
       </p:sp>

--- a/docs/IART-Eximo.pptx
+++ b/docs/IART-Eximo.pptx
@@ -9,8 +9,9 @@
     <p:sldId id="257" r:id="rId3"/>
     <p:sldId id="259" r:id="rId4"/>
     <p:sldId id="260" r:id="rId5"/>
-    <p:sldId id="261" r:id="rId6"/>
-    <p:sldId id="258" r:id="rId7"/>
+    <p:sldId id="262" r:id="rId6"/>
+    <p:sldId id="261" r:id="rId7"/>
+    <p:sldId id="258" r:id="rId8"/>
   </p:sldIdLst>
   <p:sldSz cx="12192000" cy="6858000"/>
   <p:notesSz cx="6858000" cy="9144000"/>
@@ -121,12 +122,116 @@
 <p1510:revInfo xmlns:a="http://schemas.openxmlformats.org/drawingml/2006/main" xmlns:r="http://schemas.openxmlformats.org/officeDocument/2006/relationships" xmlns:p1510="http://schemas.microsoft.com/office/powerpoint/2015/10/main">
   <p1510:revLst>
     <p1510:client id="{26AB22BD-A1C2-4EDD-849C-9D4F40F32517}" v="4" dt="2020-03-16T19:50:42.017"/>
+    <p1510:client id="{6C058E3A-0DFA-49EF-B216-F01535339180}" v="37" dt="2020-03-17T15:11:32.164"/>
   </p1510:revLst>
 </p1510:revInfo>
 </file>
 
 <file path=ppt/changesInfos/changesInfo1.xml><?xml version="1.0" encoding="utf-8"?>
 <pc:chgInfo xmlns:a="http://schemas.openxmlformats.org/drawingml/2006/main" xmlns:r="http://schemas.openxmlformats.org/officeDocument/2006/relationships" xmlns:ac="http://schemas.microsoft.com/office/drawing/2013/main/command" xmlns:pc="http://schemas.microsoft.com/office/powerpoint/2013/main/command">
+  <pc:docChgLst>
+    <pc:chgData name="Andre Moutas" userId="11f4dd9e3421801c" providerId="LiveId" clId="{6C058E3A-0DFA-49EF-B216-F01535339180}"/>
+    <pc:docChg chg="custSel addSld modSld">
+      <pc:chgData name="Andre Moutas" userId="11f4dd9e3421801c" providerId="LiveId" clId="{6C058E3A-0DFA-49EF-B216-F01535339180}" dt="2020-03-17T15:11:48.627" v="548" actId="1076"/>
+      <pc:docMkLst>
+        <pc:docMk/>
+      </pc:docMkLst>
+      <pc:sldChg chg="addSp delSp modSp mod">
+        <pc:chgData name="Andre Moutas" userId="11f4dd9e3421801c" providerId="LiveId" clId="{6C058E3A-0DFA-49EF-B216-F01535339180}" dt="2020-03-17T15:11:48.627" v="548" actId="1076"/>
+        <pc:sldMkLst>
+          <pc:docMk/>
+          <pc:sldMk cId="1147159589" sldId="261"/>
+        </pc:sldMkLst>
+        <pc:spChg chg="mod">
+          <ac:chgData name="Andre Moutas" userId="11f4dd9e3421801c" providerId="LiveId" clId="{6C058E3A-0DFA-49EF-B216-F01535339180}" dt="2020-03-17T15:11:48.627" v="548" actId="1076"/>
+          <ac:spMkLst>
+            <pc:docMk/>
+            <pc:sldMk cId="1147159589" sldId="261"/>
+            <ac:spMk id="2" creationId="{B5C1BD9D-6534-47A6-9610-F2C8C4CF3FD0}"/>
+          </ac:spMkLst>
+        </pc:spChg>
+        <pc:spChg chg="del">
+          <ac:chgData name="Andre Moutas" userId="11f4dd9e3421801c" providerId="LiveId" clId="{6C058E3A-0DFA-49EF-B216-F01535339180}" dt="2020-03-17T14:58:41.299" v="407" actId="478"/>
+          <ac:spMkLst>
+            <pc:docMk/>
+            <pc:sldMk cId="1147159589" sldId="261"/>
+            <ac:spMk id="3" creationId="{222371E7-F5C6-4683-AE2B-E92D164DD4ED}"/>
+          </ac:spMkLst>
+        </pc:spChg>
+        <pc:graphicFrameChg chg="add mod modGraphic">
+          <ac:chgData name="Andre Moutas" userId="11f4dd9e3421801c" providerId="LiveId" clId="{6C058E3A-0DFA-49EF-B216-F01535339180}" dt="2020-03-17T15:11:35.364" v="547" actId="20577"/>
+          <ac:graphicFrameMkLst>
+            <pc:docMk/>
+            <pc:sldMk cId="1147159589" sldId="261"/>
+            <ac:graphicFrameMk id="4" creationId="{E1A379B3-7DEE-425A-BDB2-597493B0117A}"/>
+          </ac:graphicFrameMkLst>
+        </pc:graphicFrameChg>
+      </pc:sldChg>
+      <pc:sldChg chg="addSp delSp modSp add mod">
+        <pc:chgData name="Andre Moutas" userId="11f4dd9e3421801c" providerId="LiveId" clId="{6C058E3A-0DFA-49EF-B216-F01535339180}" dt="2020-03-17T14:58:18.003" v="406" actId="1076"/>
+        <pc:sldMkLst>
+          <pc:docMk/>
+          <pc:sldMk cId="129181667" sldId="262"/>
+        </pc:sldMkLst>
+        <pc:spChg chg="del mod">
+          <ac:chgData name="Andre Moutas" userId="11f4dd9e3421801c" providerId="LiveId" clId="{6C058E3A-0DFA-49EF-B216-F01535339180}" dt="2020-03-17T14:31:42.115" v="9" actId="478"/>
+          <ac:spMkLst>
+            <pc:docMk/>
+            <pc:sldMk cId="129181667" sldId="262"/>
+            <ac:spMk id="2" creationId="{E4631526-5348-4225-9E84-E1744E2AE3F1}"/>
+          </ac:spMkLst>
+        </pc:spChg>
+        <pc:spChg chg="del mod">
+          <ac:chgData name="Andre Moutas" userId="11f4dd9e3421801c" providerId="LiveId" clId="{6C058E3A-0DFA-49EF-B216-F01535339180}" dt="2020-03-17T14:32:53.959" v="22"/>
+          <ac:spMkLst>
+            <pc:docMk/>
+            <pc:sldMk cId="129181667" sldId="262"/>
+            <ac:spMk id="3" creationId="{28D65AD1-F0FC-4F19-9CA7-DD10F24BB3EA}"/>
+          </ac:spMkLst>
+        </pc:spChg>
+        <pc:spChg chg="add mod">
+          <ac:chgData name="Andre Moutas" userId="11f4dd9e3421801c" providerId="LiveId" clId="{6C058E3A-0DFA-49EF-B216-F01535339180}" dt="2020-03-17T14:31:56.449" v="20" actId="20577"/>
+          <ac:spMkLst>
+            <pc:docMk/>
+            <pc:sldMk cId="129181667" sldId="262"/>
+            <ac:spMk id="4" creationId="{F735E91F-4516-4F68-A731-92CB18CED4C4}"/>
+          </ac:spMkLst>
+        </pc:spChg>
+        <pc:spChg chg="add del mod">
+          <ac:chgData name="Andre Moutas" userId="11f4dd9e3421801c" providerId="LiveId" clId="{6C058E3A-0DFA-49EF-B216-F01535339180}" dt="2020-03-17T14:33:01.937" v="24" actId="478"/>
+          <ac:spMkLst>
+            <pc:docMk/>
+            <pc:sldMk cId="129181667" sldId="262"/>
+            <ac:spMk id="7" creationId="{AA3A1814-4E93-41FF-B667-A6AD39599791}"/>
+          </ac:spMkLst>
+        </pc:spChg>
+        <pc:spChg chg="add del mod">
+          <ac:chgData name="Andre Moutas" userId="11f4dd9e3421801c" providerId="LiveId" clId="{6C058E3A-0DFA-49EF-B216-F01535339180}" dt="2020-03-17T14:39:54.731" v="121" actId="478"/>
+          <ac:spMkLst>
+            <pc:docMk/>
+            <pc:sldMk cId="129181667" sldId="262"/>
+            <ac:spMk id="10" creationId="{397F5F5D-4C25-4E97-BFC0-BB6005AE27A7}"/>
+          </ac:spMkLst>
+        </pc:spChg>
+        <pc:graphicFrameChg chg="add del mod">
+          <ac:chgData name="Andre Moutas" userId="11f4dd9e3421801c" providerId="LiveId" clId="{6C058E3A-0DFA-49EF-B216-F01535339180}" dt="2020-03-17T14:32:59.448" v="23" actId="478"/>
+          <ac:graphicFrameMkLst>
+            <pc:docMk/>
+            <pc:sldMk cId="129181667" sldId="262"/>
+            <ac:graphicFrameMk id="5" creationId="{53ED469E-DB7D-46F2-B0CF-F3D321A121BD}"/>
+          </ac:graphicFrameMkLst>
+        </pc:graphicFrameChg>
+        <pc:graphicFrameChg chg="add mod modGraphic">
+          <ac:chgData name="Andre Moutas" userId="11f4dd9e3421801c" providerId="LiveId" clId="{6C058E3A-0DFA-49EF-B216-F01535339180}" dt="2020-03-17T14:58:18.003" v="406" actId="1076"/>
+          <ac:graphicFrameMkLst>
+            <pc:docMk/>
+            <pc:sldMk cId="129181667" sldId="262"/>
+            <ac:graphicFrameMk id="8" creationId="{9D6DB4AB-0F47-439A-9E4F-5CBC434D9708}"/>
+          </ac:graphicFrameMkLst>
+        </pc:graphicFrameChg>
+      </pc:sldChg>
+    </pc:docChg>
+  </pc:docChgLst>
   <pc:docChgLst>
     <pc:chgData name="S�rgio Dias" userId="7dae6c832f17d784" providerId="LiveId" clId="{26AB22BD-A1C2-4EDD-849C-9D4F40F32517}"/>
     <pc:docChg chg="custSel modSld">
@@ -358,7 +463,7 @@
           <a:p>
             <a:fld id="{EFC4EFF7-0A14-4391-90A5-4F7FFA3E6BB6}" type="datetimeFigureOut">
               <a:rPr lang="en-GB" smtClean="0"/>
-              <a:t>16/03/2020</a:t>
+              <a:t>17/03/2020</a:t>
             </a:fld>
             <a:endParaRPr lang="en-GB"/>
           </a:p>
@@ -558,7 +663,7 @@
           <a:p>
             <a:fld id="{EFC4EFF7-0A14-4391-90A5-4F7FFA3E6BB6}" type="datetimeFigureOut">
               <a:rPr lang="en-GB" smtClean="0"/>
-              <a:t>16/03/2020</a:t>
+              <a:t>17/03/2020</a:t>
             </a:fld>
             <a:endParaRPr lang="en-GB"/>
           </a:p>
@@ -768,7 +873,7 @@
           <a:p>
             <a:fld id="{EFC4EFF7-0A14-4391-90A5-4F7FFA3E6BB6}" type="datetimeFigureOut">
               <a:rPr lang="en-GB" smtClean="0"/>
-              <a:t>16/03/2020</a:t>
+              <a:t>17/03/2020</a:t>
             </a:fld>
             <a:endParaRPr lang="en-GB"/>
           </a:p>
@@ -968,7 +1073,7 @@
           <a:p>
             <a:fld id="{EFC4EFF7-0A14-4391-90A5-4F7FFA3E6BB6}" type="datetimeFigureOut">
               <a:rPr lang="en-GB" smtClean="0"/>
-              <a:t>16/03/2020</a:t>
+              <a:t>17/03/2020</a:t>
             </a:fld>
             <a:endParaRPr lang="en-GB"/>
           </a:p>
@@ -1244,7 +1349,7 @@
           <a:p>
             <a:fld id="{EFC4EFF7-0A14-4391-90A5-4F7FFA3E6BB6}" type="datetimeFigureOut">
               <a:rPr lang="en-GB" smtClean="0"/>
-              <a:t>16/03/2020</a:t>
+              <a:t>17/03/2020</a:t>
             </a:fld>
             <a:endParaRPr lang="en-GB"/>
           </a:p>
@@ -1512,7 +1617,7 @@
           <a:p>
             <a:fld id="{EFC4EFF7-0A14-4391-90A5-4F7FFA3E6BB6}" type="datetimeFigureOut">
               <a:rPr lang="en-GB" smtClean="0"/>
-              <a:t>16/03/2020</a:t>
+              <a:t>17/03/2020</a:t>
             </a:fld>
             <a:endParaRPr lang="en-GB"/>
           </a:p>
@@ -1927,7 +2032,7 @@
           <a:p>
             <a:fld id="{EFC4EFF7-0A14-4391-90A5-4F7FFA3E6BB6}" type="datetimeFigureOut">
               <a:rPr lang="en-GB" smtClean="0"/>
-              <a:t>16/03/2020</a:t>
+              <a:t>17/03/2020</a:t>
             </a:fld>
             <a:endParaRPr lang="en-GB"/>
           </a:p>
@@ -2069,7 +2174,7 @@
           <a:p>
             <a:fld id="{EFC4EFF7-0A14-4391-90A5-4F7FFA3E6BB6}" type="datetimeFigureOut">
               <a:rPr lang="en-GB" smtClean="0"/>
-              <a:t>16/03/2020</a:t>
+              <a:t>17/03/2020</a:t>
             </a:fld>
             <a:endParaRPr lang="en-GB"/>
           </a:p>
@@ -2182,7 +2287,7 @@
           <a:p>
             <a:fld id="{EFC4EFF7-0A14-4391-90A5-4F7FFA3E6BB6}" type="datetimeFigureOut">
               <a:rPr lang="en-GB" smtClean="0"/>
-              <a:t>16/03/2020</a:t>
+              <a:t>17/03/2020</a:t>
             </a:fld>
             <a:endParaRPr lang="en-GB"/>
           </a:p>
@@ -2495,7 +2600,7 @@
           <a:p>
             <a:fld id="{EFC4EFF7-0A14-4391-90A5-4F7FFA3E6BB6}" type="datetimeFigureOut">
               <a:rPr lang="en-GB" smtClean="0"/>
-              <a:t>16/03/2020</a:t>
+              <a:t>17/03/2020</a:t>
             </a:fld>
             <a:endParaRPr lang="en-GB"/>
           </a:p>
@@ -2784,7 +2889,7 @@
           <a:p>
             <a:fld id="{EFC4EFF7-0A14-4391-90A5-4F7FFA3E6BB6}" type="datetimeFigureOut">
               <a:rPr lang="en-GB" smtClean="0"/>
-              <a:t>16/03/2020</a:t>
+              <a:t>17/03/2020</a:t>
             </a:fld>
             <a:endParaRPr lang="en-GB"/>
           </a:p>
@@ -3027,7 +3132,7 @@
           <a:p>
             <a:fld id="{EFC4EFF7-0A14-4391-90A5-4F7FFA3E6BB6}" type="datetimeFigureOut">
               <a:rPr lang="en-GB" smtClean="0"/>
-              <a:t>16/03/2020</a:t>
+              <a:t>17/03/2020</a:t>
             </a:fld>
             <a:endParaRPr lang="en-GB"/>
           </a:p>
@@ -4990,6 +5095,891 @@
       </p:grpSpPr>
       <p:sp>
         <p:nvSpPr>
+          <p:cNvPr id="4" name="Título 1">
+            <a:extLst>
+              <a:ext uri="{FF2B5EF4-FFF2-40B4-BE49-F238E27FC236}">
+                <a16:creationId xmlns:a16="http://schemas.microsoft.com/office/drawing/2014/main" id="{F735E91F-4516-4F68-A731-92CB18CED4C4}"/>
+              </a:ext>
+            </a:extLst>
+          </p:cNvPr>
+          <p:cNvSpPr txBox="1">
+            <a:spLocks/>
+          </p:cNvSpPr>
+          <p:nvPr/>
+        </p:nvSpPr>
+        <p:spPr>
+          <a:xfrm>
+            <a:off x="838200" y="251195"/>
+            <a:ext cx="10515600" cy="1325563"/>
+          </a:xfrm>
+          <a:prstGeom prst="rect">
+            <a:avLst/>
+          </a:prstGeom>
+        </p:spPr>
+        <p:txBody>
+          <a:bodyPr vert="horz" lIns="91440" tIns="45720" rIns="91440" bIns="45720" rtlCol="0" anchor="ctr">
+            <a:normAutofit/>
+          </a:bodyPr>
+          <a:lstStyle>
+            <a:lvl1pPr algn="l" defTabSz="914400" rtl="0" eaLnBrk="1" latinLnBrk="0" hangingPunct="1">
+              <a:lnSpc>
+                <a:spcPct val="90000"/>
+              </a:lnSpc>
+              <a:spcBef>
+                <a:spcPct val="0"/>
+              </a:spcBef>
+              <a:buNone/>
+              <a:defRPr sz="4400" kern="1200">
+                <a:solidFill>
+                  <a:schemeClr val="tx1"/>
+                </a:solidFill>
+                <a:latin typeface="+mj-lt"/>
+                <a:ea typeface="+mj-ea"/>
+                <a:cs typeface="+mj-cs"/>
+              </a:defRPr>
+            </a:lvl1pPr>
+          </a:lstStyle>
+          <a:p>
+            <a:r>
+              <a:rPr lang="pt-PT" b="1" dirty="0"/>
+              <a:t>Operadores</a:t>
+            </a:r>
+            <a:endParaRPr lang="en-GB" b="1" dirty="0"/>
+          </a:p>
+        </p:txBody>
+      </p:sp>
+      <p:graphicFrame>
+        <p:nvGraphicFramePr>
+          <p:cNvPr id="8" name="Tabela 8">
+            <a:extLst>
+              <a:ext uri="{FF2B5EF4-FFF2-40B4-BE49-F238E27FC236}">
+                <a16:creationId xmlns:a16="http://schemas.microsoft.com/office/drawing/2014/main" id="{9D6DB4AB-0F47-439A-9E4F-5CBC434D9708}"/>
+              </a:ext>
+            </a:extLst>
+          </p:cNvPr>
+          <p:cNvGraphicFramePr>
+            <a:graphicFrameLocks noGrp="1"/>
+          </p:cNvGraphicFramePr>
+          <p:nvPr>
+            <p:extLst>
+              <p:ext uri="{D42A27DB-BD31-4B8C-83A1-F6EECF244321}">
+                <p14:modId xmlns:p14="http://schemas.microsoft.com/office/powerpoint/2010/main" val="2198765880"/>
+              </p:ext>
+            </p:extLst>
+          </p:nvPr>
+        </p:nvGraphicFramePr>
+        <p:xfrm>
+          <a:off x="838200" y="1576758"/>
+          <a:ext cx="8811827" cy="4759960"/>
+        </p:xfrm>
+        <a:graphic>
+          <a:graphicData uri="http://schemas.openxmlformats.org/drawingml/2006/table">
+            <a:tbl>
+              <a:tblPr firstRow="1" bandRow="1">
+                <a:tableStyleId>{5C22544A-7EE6-4342-B048-85BDC9FD1C3A}</a:tableStyleId>
+              </a:tblPr>
+              <a:tblGrid>
+                <a:gridCol w="1694993">
+                  <a:extLst>
+                    <a:ext uri="{9D8B030D-6E8A-4147-A177-3AD203B41FA5}">
+                      <a16:colId xmlns:a16="http://schemas.microsoft.com/office/drawing/2014/main" val="2320042648"/>
+                    </a:ext>
+                  </a:extLst>
+                </a:gridCol>
+                <a:gridCol w="3339725">
+                  <a:extLst>
+                    <a:ext uri="{9D8B030D-6E8A-4147-A177-3AD203B41FA5}">
+                      <a16:colId xmlns:a16="http://schemas.microsoft.com/office/drawing/2014/main" val="3635654032"/>
+                    </a:ext>
+                  </a:extLst>
+                </a:gridCol>
+                <a:gridCol w="2993240">
+                  <a:extLst>
+                    <a:ext uri="{9D8B030D-6E8A-4147-A177-3AD203B41FA5}">
+                      <a16:colId xmlns:a16="http://schemas.microsoft.com/office/drawing/2014/main" val="3160716819"/>
+                    </a:ext>
+                  </a:extLst>
+                </a:gridCol>
+                <a:gridCol w="783869">
+                  <a:extLst>
+                    <a:ext uri="{9D8B030D-6E8A-4147-A177-3AD203B41FA5}">
+                      <a16:colId xmlns:a16="http://schemas.microsoft.com/office/drawing/2014/main" val="554524311"/>
+                    </a:ext>
+                  </a:extLst>
+                </a:gridCol>
+              </a:tblGrid>
+              <a:tr h="370840">
+                <a:tc>
+                  <a:txBody>
+                    <a:bodyPr/>
+                    <a:lstStyle/>
+                    <a:p>
+                      <a:r>
+                        <a:rPr lang="pt-PT" dirty="0"/>
+                        <a:t>Nomes</a:t>
+                      </a:r>
+                    </a:p>
+                  </a:txBody>
+                  <a:tcPr/>
+                </a:tc>
+                <a:tc>
+                  <a:txBody>
+                    <a:bodyPr/>
+                    <a:lstStyle/>
+                    <a:p>
+                      <a:r>
+                        <a:rPr lang="pt-PT" dirty="0"/>
+                        <a:t>Pré-Condições</a:t>
+                      </a:r>
+                    </a:p>
+                  </a:txBody>
+                  <a:tcPr/>
+                </a:tc>
+                <a:tc>
+                  <a:txBody>
+                    <a:bodyPr/>
+                    <a:lstStyle/>
+                    <a:p>
+                      <a:r>
+                        <a:rPr lang="pt-PT" dirty="0"/>
+                        <a:t>Efeitos</a:t>
+                      </a:r>
+                    </a:p>
+                  </a:txBody>
+                  <a:tcPr/>
+                </a:tc>
+                <a:tc>
+                  <a:txBody>
+                    <a:bodyPr/>
+                    <a:lstStyle/>
+                    <a:p>
+                      <a:r>
+                        <a:rPr lang="pt-PT" dirty="0"/>
+                        <a:t>Custo</a:t>
+                      </a:r>
+                    </a:p>
+                  </a:txBody>
+                  <a:tcPr/>
+                </a:tc>
+                <a:extLst>
+                  <a:ext uri="{0D108BD9-81ED-4DB2-BD59-A6C34878D82A}">
+                    <a16:rowId xmlns:a16="http://schemas.microsoft.com/office/drawing/2014/main" val="3771066864"/>
+                  </a:ext>
+                </a:extLst>
+              </a:tr>
+              <a:tr h="0">
+                <a:tc>
+                  <a:txBody>
+                    <a:bodyPr/>
+                    <a:lstStyle/>
+                    <a:p>
+                      <a:pPr algn="ctr"/>
+                      <a:r>
+                        <a:rPr lang="pt-PT" dirty="0" err="1"/>
+                        <a:t>moveN</a:t>
+                      </a:r>
+                      <a:endParaRPr lang="pt-PT" dirty="0"/>
+                    </a:p>
+                  </a:txBody>
+                  <a:tcPr/>
+                </a:tc>
+                <a:tc>
+                  <a:txBody>
+                    <a:bodyPr/>
+                    <a:lstStyle/>
+                    <a:p>
+                      <a:pPr algn="ctr"/>
+                      <a:r>
+                        <a:rPr lang="pt-PT" dirty="0"/>
+                        <a:t>y&lt;7 &amp;&amp; </a:t>
+                      </a:r>
+                      <a:r>
+                        <a:rPr lang="pt-PT" dirty="0" err="1"/>
+                        <a:t>board</a:t>
+                      </a:r>
+                      <a:r>
+                        <a:rPr lang="pt-PT" dirty="0"/>
+                        <a:t>[x+(y+1)*8]=0</a:t>
+                      </a:r>
+                    </a:p>
+                  </a:txBody>
+                  <a:tcPr/>
+                </a:tc>
+                <a:tc>
+                  <a:txBody>
+                    <a:bodyPr/>
+                    <a:lstStyle/>
+                    <a:p>
+                      <a:pPr algn="ctr"/>
+                      <a:r>
+                        <a:rPr lang="pt-PT" dirty="0" err="1"/>
+                        <a:t>board</a:t>
+                      </a:r>
+                      <a:r>
+                        <a:rPr lang="pt-PT" dirty="0"/>
+                        <a:t>[x+1+y*8]=1 &amp;&amp;</a:t>
+                      </a:r>
+                    </a:p>
+                    <a:p>
+                      <a:pPr algn="ctr"/>
+                      <a:r>
+                        <a:rPr lang="pt-PT" dirty="0" err="1"/>
+                        <a:t>board</a:t>
+                      </a:r>
+                      <a:r>
+                        <a:rPr lang="pt-PT" dirty="0"/>
+                        <a:t>[</a:t>
+                      </a:r>
+                      <a:r>
+                        <a:rPr lang="pt-PT" dirty="0" err="1"/>
+                        <a:t>x+y</a:t>
+                      </a:r>
+                      <a:r>
+                        <a:rPr lang="pt-PT" dirty="0"/>
+                        <a:t>*8]=0</a:t>
+                      </a:r>
+                    </a:p>
+                  </a:txBody>
+                  <a:tcPr/>
+                </a:tc>
+                <a:tc>
+                  <a:txBody>
+                    <a:bodyPr/>
+                    <a:lstStyle/>
+                    <a:p>
+                      <a:pPr algn="ctr"/>
+                      <a:r>
+                        <a:rPr lang="pt-PT" dirty="0"/>
+                        <a:t>1</a:t>
+                      </a:r>
+                    </a:p>
+                  </a:txBody>
+                  <a:tcPr/>
+                </a:tc>
+                <a:extLst>
+                  <a:ext uri="{0D108BD9-81ED-4DB2-BD59-A6C34878D82A}">
+                    <a16:rowId xmlns:a16="http://schemas.microsoft.com/office/drawing/2014/main" val="1459691130"/>
+                  </a:ext>
+                </a:extLst>
+              </a:tr>
+              <a:tr h="0">
+                <a:tc>
+                  <a:txBody>
+                    <a:bodyPr/>
+                    <a:lstStyle/>
+                    <a:p>
+                      <a:pPr algn="ctr"/>
+                      <a:r>
+                        <a:rPr lang="pt-PT" dirty="0" err="1"/>
+                        <a:t>moveNW</a:t>
+                      </a:r>
+                      <a:endParaRPr lang="pt-PT" dirty="0"/>
+                    </a:p>
+                  </a:txBody>
+                  <a:tcPr/>
+                </a:tc>
+                <a:tc>
+                  <a:txBody>
+                    <a:bodyPr/>
+                    <a:lstStyle/>
+                    <a:p>
+                      <a:pPr marL="0" marR="0" lvl="0" indent="0" algn="ctr" defTabSz="914400" rtl="0" eaLnBrk="1" fontAlgn="auto" latinLnBrk="0" hangingPunct="1">
+                        <a:lnSpc>
+                          <a:spcPct val="100000"/>
+                        </a:lnSpc>
+                        <a:spcBef>
+                          <a:spcPts val="0"/>
+                        </a:spcBef>
+                        <a:spcAft>
+                          <a:spcPts val="0"/>
+                        </a:spcAft>
+                        <a:buClrTx/>
+                        <a:buSzTx/>
+                        <a:buFontTx/>
+                        <a:buNone/>
+                        <a:tabLst/>
+                        <a:defRPr/>
+                      </a:pPr>
+                      <a:r>
+                        <a:rPr lang="pt-PT" dirty="0"/>
+                        <a:t>x&lt;7 &amp;&amp; y&lt;7 &amp;&amp;  </a:t>
+                      </a:r>
+                      <a:r>
+                        <a:rPr lang="pt-PT" dirty="0" err="1"/>
+                        <a:t>board</a:t>
+                      </a:r>
+                      <a:r>
+                        <a:rPr lang="pt-PT" dirty="0"/>
+                        <a:t>[x+1+(y+1)*8]=0</a:t>
+                      </a:r>
+                    </a:p>
+                  </a:txBody>
+                  <a:tcPr/>
+                </a:tc>
+                <a:tc>
+                  <a:txBody>
+                    <a:bodyPr/>
+                    <a:lstStyle/>
+                    <a:p>
+                      <a:pPr algn="ctr"/>
+                      <a:r>
+                        <a:rPr lang="pt-PT" dirty="0" err="1"/>
+                        <a:t>board</a:t>
+                      </a:r>
+                      <a:r>
+                        <a:rPr lang="pt-PT" dirty="0"/>
+                        <a:t>[x+1+(y+1)*8]=1 &amp;&amp;</a:t>
+                      </a:r>
+                    </a:p>
+                    <a:p>
+                      <a:pPr algn="ctr"/>
+                      <a:r>
+                        <a:rPr lang="pt-PT" dirty="0" err="1"/>
+                        <a:t>board</a:t>
+                      </a:r>
+                      <a:r>
+                        <a:rPr lang="pt-PT" dirty="0"/>
+                        <a:t>[</a:t>
+                      </a:r>
+                      <a:r>
+                        <a:rPr lang="pt-PT" dirty="0" err="1"/>
+                        <a:t>x+y</a:t>
+                      </a:r>
+                      <a:r>
+                        <a:rPr lang="pt-PT" dirty="0"/>
+                        <a:t>*8]=0</a:t>
+                      </a:r>
+                    </a:p>
+                  </a:txBody>
+                  <a:tcPr/>
+                </a:tc>
+                <a:tc>
+                  <a:txBody>
+                    <a:bodyPr/>
+                    <a:lstStyle/>
+                    <a:p>
+                      <a:pPr algn="ctr"/>
+                      <a:r>
+                        <a:rPr lang="pt-PT" dirty="0"/>
+                        <a:t>1</a:t>
+                      </a:r>
+                    </a:p>
+                  </a:txBody>
+                  <a:tcPr/>
+                </a:tc>
+                <a:extLst>
+                  <a:ext uri="{0D108BD9-81ED-4DB2-BD59-A6C34878D82A}">
+                    <a16:rowId xmlns:a16="http://schemas.microsoft.com/office/drawing/2014/main" val="2109023211"/>
+                  </a:ext>
+                </a:extLst>
+              </a:tr>
+              <a:tr h="370840">
+                <a:tc>
+                  <a:txBody>
+                    <a:bodyPr/>
+                    <a:lstStyle/>
+                    <a:p>
+                      <a:pPr algn="ctr"/>
+                      <a:r>
+                        <a:rPr lang="pt-PT" dirty="0" err="1"/>
+                        <a:t>moveNE</a:t>
+                      </a:r>
+                      <a:endParaRPr lang="pt-PT" dirty="0"/>
+                    </a:p>
+                  </a:txBody>
+                  <a:tcPr/>
+                </a:tc>
+                <a:tc>
+                  <a:txBody>
+                    <a:bodyPr/>
+                    <a:lstStyle/>
+                    <a:p>
+                      <a:pPr marL="0" marR="0" lvl="0" indent="0" algn="ctr" defTabSz="914400" rtl="0" eaLnBrk="1" fontAlgn="auto" latinLnBrk="0" hangingPunct="1">
+                        <a:lnSpc>
+                          <a:spcPct val="100000"/>
+                        </a:lnSpc>
+                        <a:spcBef>
+                          <a:spcPts val="0"/>
+                        </a:spcBef>
+                        <a:spcAft>
+                          <a:spcPts val="0"/>
+                        </a:spcAft>
+                        <a:buClrTx/>
+                        <a:buSzTx/>
+                        <a:buFontTx/>
+                        <a:buNone/>
+                        <a:tabLst/>
+                        <a:defRPr/>
+                      </a:pPr>
+                      <a:r>
+                        <a:rPr lang="pt-PT" dirty="0"/>
+                        <a:t>x&gt;0 &amp;&amp; y&lt;7 &amp;&amp;  </a:t>
+                      </a:r>
+                    </a:p>
+                    <a:p>
+                      <a:pPr marL="0" marR="0" lvl="0" indent="0" algn="ctr" defTabSz="914400" rtl="0" eaLnBrk="1" fontAlgn="auto" latinLnBrk="0" hangingPunct="1">
+                        <a:lnSpc>
+                          <a:spcPct val="100000"/>
+                        </a:lnSpc>
+                        <a:spcBef>
+                          <a:spcPts val="0"/>
+                        </a:spcBef>
+                        <a:spcAft>
+                          <a:spcPts val="0"/>
+                        </a:spcAft>
+                        <a:buClrTx/>
+                        <a:buSzTx/>
+                        <a:buFontTx/>
+                        <a:buNone/>
+                        <a:tabLst/>
+                        <a:defRPr/>
+                      </a:pPr>
+                      <a:r>
+                        <a:rPr lang="pt-PT" dirty="0" err="1"/>
+                        <a:t>board</a:t>
+                      </a:r>
+                      <a:r>
+                        <a:rPr lang="pt-PT" dirty="0"/>
+                        <a:t>[x-1+(y+1)*8]=0</a:t>
+                      </a:r>
+                    </a:p>
+                  </a:txBody>
+                  <a:tcPr/>
+                </a:tc>
+                <a:tc>
+                  <a:txBody>
+                    <a:bodyPr/>
+                    <a:lstStyle/>
+                    <a:p>
+                      <a:pPr algn="ctr"/>
+                      <a:r>
+                        <a:rPr lang="pt-PT" dirty="0" err="1"/>
+                        <a:t>board</a:t>
+                      </a:r>
+                      <a:r>
+                        <a:rPr lang="pt-PT" dirty="0"/>
+                        <a:t>[x-1+(y+1)*8]=1 &amp;&amp;</a:t>
+                      </a:r>
+                    </a:p>
+                    <a:p>
+                      <a:pPr algn="ctr"/>
+                      <a:r>
+                        <a:rPr lang="pt-PT" dirty="0" err="1"/>
+                        <a:t>board</a:t>
+                      </a:r>
+                      <a:r>
+                        <a:rPr lang="pt-PT" dirty="0"/>
+                        <a:t>[</a:t>
+                      </a:r>
+                      <a:r>
+                        <a:rPr lang="pt-PT" dirty="0" err="1"/>
+                        <a:t>x+y</a:t>
+                      </a:r>
+                      <a:r>
+                        <a:rPr lang="pt-PT" dirty="0"/>
+                        <a:t>*8]=0</a:t>
+                      </a:r>
+                    </a:p>
+                  </a:txBody>
+                  <a:tcPr/>
+                </a:tc>
+                <a:tc>
+                  <a:txBody>
+                    <a:bodyPr/>
+                    <a:lstStyle/>
+                    <a:p>
+                      <a:pPr algn="ctr"/>
+                      <a:r>
+                        <a:rPr lang="pt-PT" dirty="0"/>
+                        <a:t>1</a:t>
+                      </a:r>
+                    </a:p>
+                  </a:txBody>
+                  <a:tcPr/>
+                </a:tc>
+                <a:extLst>
+                  <a:ext uri="{0D108BD9-81ED-4DB2-BD59-A6C34878D82A}">
+                    <a16:rowId xmlns:a16="http://schemas.microsoft.com/office/drawing/2014/main" val="2385001122"/>
+                  </a:ext>
+                </a:extLst>
+              </a:tr>
+              <a:tr h="370840">
+                <a:tc>
+                  <a:txBody>
+                    <a:bodyPr/>
+                    <a:lstStyle/>
+                    <a:p>
+                      <a:pPr algn="ctr"/>
+                      <a:r>
+                        <a:rPr lang="pt-PT" dirty="0" err="1"/>
+                        <a:t>jumpOverN</a:t>
+                      </a:r>
+                      <a:endParaRPr lang="pt-PT" dirty="0"/>
+                    </a:p>
+                  </a:txBody>
+                  <a:tcPr/>
+                </a:tc>
+                <a:tc>
+                  <a:txBody>
+                    <a:bodyPr/>
+                    <a:lstStyle/>
+                    <a:p>
+                      <a:pPr algn="ctr"/>
+                      <a:r>
+                        <a:rPr lang="pt-PT" dirty="0"/>
+                        <a:t>y&lt;6 &amp;&amp; </a:t>
+                      </a:r>
+                      <a:r>
+                        <a:rPr lang="pt-PT" dirty="0" err="1"/>
+                        <a:t>board</a:t>
+                      </a:r>
+                      <a:r>
+                        <a:rPr lang="pt-PT" dirty="0"/>
+                        <a:t>[x+(y+2)*8]=0 &amp;&amp;</a:t>
+                      </a:r>
+                    </a:p>
+                    <a:p>
+                      <a:pPr algn="ctr"/>
+                      <a:r>
+                        <a:rPr lang="pt-PT" dirty="0" err="1"/>
+                        <a:t>board</a:t>
+                      </a:r>
+                      <a:r>
+                        <a:rPr lang="pt-PT" dirty="0"/>
+                        <a:t>[x+(y+1)*8]=1 </a:t>
+                      </a:r>
+                    </a:p>
+                  </a:txBody>
+                  <a:tcPr/>
+                </a:tc>
+                <a:tc>
+                  <a:txBody>
+                    <a:bodyPr/>
+                    <a:lstStyle/>
+                    <a:p>
+                      <a:pPr algn="ctr"/>
+                      <a:r>
+                        <a:rPr lang="pt-PT" dirty="0" err="1"/>
+                        <a:t>board</a:t>
+                      </a:r>
+                      <a:r>
+                        <a:rPr lang="pt-PT" dirty="0"/>
+                        <a:t>[x+(y+2)*8]=1 &amp;&amp;</a:t>
+                      </a:r>
+                    </a:p>
+                    <a:p>
+                      <a:pPr algn="ctr"/>
+                      <a:r>
+                        <a:rPr lang="pt-PT" dirty="0" err="1"/>
+                        <a:t>board</a:t>
+                      </a:r>
+                      <a:r>
+                        <a:rPr lang="pt-PT" dirty="0"/>
+                        <a:t>[</a:t>
+                      </a:r>
+                      <a:r>
+                        <a:rPr lang="pt-PT" dirty="0" err="1"/>
+                        <a:t>x+y</a:t>
+                      </a:r>
+                      <a:r>
+                        <a:rPr lang="pt-PT" dirty="0"/>
+                        <a:t>*8]=0</a:t>
+                      </a:r>
+                    </a:p>
+                  </a:txBody>
+                  <a:tcPr/>
+                </a:tc>
+                <a:tc>
+                  <a:txBody>
+                    <a:bodyPr/>
+                    <a:lstStyle/>
+                    <a:p>
+                      <a:pPr algn="ctr"/>
+                      <a:r>
+                        <a:rPr lang="pt-PT" dirty="0"/>
+                        <a:t>1</a:t>
+                      </a:r>
+                    </a:p>
+                  </a:txBody>
+                  <a:tcPr/>
+                </a:tc>
+                <a:extLst>
+                  <a:ext uri="{0D108BD9-81ED-4DB2-BD59-A6C34878D82A}">
+                    <a16:rowId xmlns:a16="http://schemas.microsoft.com/office/drawing/2014/main" val="1208939467"/>
+                  </a:ext>
+                </a:extLst>
+              </a:tr>
+              <a:tr h="370840">
+                <a:tc>
+                  <a:txBody>
+                    <a:bodyPr/>
+                    <a:lstStyle/>
+                    <a:p>
+                      <a:pPr algn="ctr"/>
+                      <a:r>
+                        <a:rPr lang="pt-PT" dirty="0" err="1"/>
+                        <a:t>jumpOverNW</a:t>
+                      </a:r>
+                      <a:endParaRPr lang="pt-PT" dirty="0"/>
+                    </a:p>
+                  </a:txBody>
+                  <a:tcPr/>
+                </a:tc>
+                <a:tc>
+                  <a:txBody>
+                    <a:bodyPr/>
+                    <a:lstStyle/>
+                    <a:p>
+                      <a:pPr algn="ctr"/>
+                      <a:r>
+                        <a:rPr lang="pt-PT" dirty="0"/>
+                        <a:t>y&lt;6 &amp;&amp; x&lt;6 &amp;&amp;  </a:t>
+                      </a:r>
+                      <a:r>
+                        <a:rPr lang="pt-PT" dirty="0" err="1"/>
+                        <a:t>board</a:t>
+                      </a:r>
+                      <a:r>
+                        <a:rPr lang="pt-PT" dirty="0"/>
+                        <a:t>[x+2+(y+2)*8]=0 &amp;&amp;</a:t>
+                      </a:r>
+                    </a:p>
+                    <a:p>
+                      <a:pPr algn="ctr"/>
+                      <a:r>
+                        <a:rPr lang="pt-PT" dirty="0" err="1"/>
+                        <a:t>board</a:t>
+                      </a:r>
+                      <a:r>
+                        <a:rPr lang="pt-PT" dirty="0"/>
+                        <a:t>[x+1+(y+1)*8]=1 </a:t>
+                      </a:r>
+                    </a:p>
+                  </a:txBody>
+                  <a:tcPr/>
+                </a:tc>
+                <a:tc>
+                  <a:txBody>
+                    <a:bodyPr/>
+                    <a:lstStyle/>
+                    <a:p>
+                      <a:pPr algn="ctr"/>
+                      <a:r>
+                        <a:rPr lang="pt-PT" dirty="0" err="1"/>
+                        <a:t>board</a:t>
+                      </a:r>
+                      <a:r>
+                        <a:rPr lang="pt-PT" dirty="0"/>
+                        <a:t>[x+2+(y+2)*8]=1 &amp;&amp;</a:t>
+                      </a:r>
+                    </a:p>
+                    <a:p>
+                      <a:pPr marL="0" marR="0" lvl="0" indent="0" algn="ctr" defTabSz="914400" rtl="0" eaLnBrk="1" fontAlgn="auto" latinLnBrk="0" hangingPunct="1">
+                        <a:lnSpc>
+                          <a:spcPct val="100000"/>
+                        </a:lnSpc>
+                        <a:spcBef>
+                          <a:spcPts val="0"/>
+                        </a:spcBef>
+                        <a:spcAft>
+                          <a:spcPts val="0"/>
+                        </a:spcAft>
+                        <a:buClrTx/>
+                        <a:buSzTx/>
+                        <a:buFontTx/>
+                        <a:buNone/>
+                        <a:tabLst/>
+                        <a:defRPr/>
+                      </a:pPr>
+                      <a:r>
+                        <a:rPr lang="pt-PT" dirty="0" err="1"/>
+                        <a:t>board</a:t>
+                      </a:r>
+                      <a:r>
+                        <a:rPr lang="pt-PT" dirty="0"/>
+                        <a:t>[</a:t>
+                      </a:r>
+                      <a:r>
+                        <a:rPr lang="pt-PT" dirty="0" err="1"/>
+                        <a:t>x+y</a:t>
+                      </a:r>
+                      <a:r>
+                        <a:rPr lang="pt-PT" dirty="0"/>
+                        <a:t>*8]=0</a:t>
+                      </a:r>
+                    </a:p>
+                  </a:txBody>
+                  <a:tcPr/>
+                </a:tc>
+                <a:tc>
+                  <a:txBody>
+                    <a:bodyPr/>
+                    <a:lstStyle/>
+                    <a:p>
+                      <a:pPr algn="ctr"/>
+                      <a:r>
+                        <a:rPr lang="pt-PT" dirty="0"/>
+                        <a:t>1</a:t>
+                      </a:r>
+                    </a:p>
+                  </a:txBody>
+                  <a:tcPr/>
+                </a:tc>
+                <a:extLst>
+                  <a:ext uri="{0D108BD9-81ED-4DB2-BD59-A6C34878D82A}">
+                    <a16:rowId xmlns:a16="http://schemas.microsoft.com/office/drawing/2014/main" val="944920655"/>
+                  </a:ext>
+                </a:extLst>
+              </a:tr>
+              <a:tr h="489076">
+                <a:tc>
+                  <a:txBody>
+                    <a:bodyPr/>
+                    <a:lstStyle/>
+                    <a:p>
+                      <a:pPr algn="ctr"/>
+                      <a:r>
+                        <a:rPr lang="pt-PT" dirty="0" err="1"/>
+                        <a:t>jumpOverNE</a:t>
+                      </a:r>
+                      <a:endParaRPr lang="pt-PT" dirty="0"/>
+                    </a:p>
+                  </a:txBody>
+                  <a:tcPr/>
+                </a:tc>
+                <a:tc>
+                  <a:txBody>
+                    <a:bodyPr/>
+                    <a:lstStyle/>
+                    <a:p>
+                      <a:pPr algn="ctr"/>
+                      <a:r>
+                        <a:rPr lang="pt-PT" dirty="0"/>
+                        <a:t>y&lt;6 &amp;&amp; x&gt;1 &amp;&amp;  </a:t>
+                      </a:r>
+                    </a:p>
+                    <a:p>
+                      <a:pPr algn="ctr"/>
+                      <a:r>
+                        <a:rPr lang="pt-PT" dirty="0" err="1"/>
+                        <a:t>board</a:t>
+                      </a:r>
+                      <a:r>
+                        <a:rPr lang="pt-PT" dirty="0"/>
+                        <a:t>[x-2+(y+2)*8]=0 &amp;&amp;</a:t>
+                      </a:r>
+                    </a:p>
+                    <a:p>
+                      <a:pPr algn="ctr"/>
+                      <a:r>
+                        <a:rPr lang="pt-PT" dirty="0" err="1"/>
+                        <a:t>board</a:t>
+                      </a:r>
+                      <a:r>
+                        <a:rPr lang="pt-PT" dirty="0"/>
+                        <a:t>[x-1+(y+1)*8]=1</a:t>
+                      </a:r>
+                    </a:p>
+                  </a:txBody>
+                  <a:tcPr/>
+                </a:tc>
+                <a:tc>
+                  <a:txBody>
+                    <a:bodyPr/>
+                    <a:lstStyle/>
+                    <a:p>
+                      <a:pPr algn="ctr"/>
+                      <a:r>
+                        <a:rPr lang="pt-PT" dirty="0" err="1"/>
+                        <a:t>board</a:t>
+                      </a:r>
+                      <a:r>
+                        <a:rPr lang="pt-PT" dirty="0"/>
+                        <a:t>[x-2+(y+2)*8]=1 &amp;&amp;</a:t>
+                      </a:r>
+                    </a:p>
+                    <a:p>
+                      <a:pPr algn="ctr"/>
+                      <a:r>
+                        <a:rPr lang="pt-PT" dirty="0" err="1"/>
+                        <a:t>board</a:t>
+                      </a:r>
+                      <a:r>
+                        <a:rPr lang="pt-PT" dirty="0"/>
+                        <a:t>[</a:t>
+                      </a:r>
+                      <a:r>
+                        <a:rPr lang="pt-PT" dirty="0" err="1"/>
+                        <a:t>x+y</a:t>
+                      </a:r>
+                      <a:r>
+                        <a:rPr lang="pt-PT" dirty="0"/>
+                        <a:t>*8]=0 </a:t>
+                      </a:r>
+                    </a:p>
+                    <a:p>
+                      <a:pPr algn="ctr"/>
+                      <a:endParaRPr lang="pt-PT" dirty="0"/>
+                    </a:p>
+                  </a:txBody>
+                  <a:tcPr/>
+                </a:tc>
+                <a:tc>
+                  <a:txBody>
+                    <a:bodyPr/>
+                    <a:lstStyle/>
+                    <a:p>
+                      <a:pPr algn="ctr"/>
+                      <a:r>
+                        <a:rPr lang="pt-PT" dirty="0"/>
+                        <a:t>1</a:t>
+                      </a:r>
+                    </a:p>
+                  </a:txBody>
+                  <a:tcPr/>
+                </a:tc>
+                <a:extLst>
+                  <a:ext uri="{0D108BD9-81ED-4DB2-BD59-A6C34878D82A}">
+                    <a16:rowId xmlns:a16="http://schemas.microsoft.com/office/drawing/2014/main" val="1292213533"/>
+                  </a:ext>
+                </a:extLst>
+              </a:tr>
+            </a:tbl>
+          </a:graphicData>
+        </a:graphic>
+      </p:graphicFrame>
+    </p:spTree>
+    <p:extLst>
+      <p:ext uri="{BB962C8B-B14F-4D97-AF65-F5344CB8AC3E}">
+        <p14:creationId xmlns:p14="http://schemas.microsoft.com/office/powerpoint/2010/main" val="129181667"/>
+      </p:ext>
+    </p:extLst>
+  </p:cSld>
+  <p:clrMapOvr>
+    <a:masterClrMapping/>
+  </p:clrMapOvr>
+</p:sld>
+</file>
+
+<file path=ppt/slides/slide6.xml><?xml version="1.0" encoding="utf-8"?>
+<p:sld xmlns:a="http://schemas.openxmlformats.org/drawingml/2006/main" xmlns:r="http://schemas.openxmlformats.org/officeDocument/2006/relationships" xmlns:p="http://schemas.openxmlformats.org/presentationml/2006/main">
+  <p:cSld>
+    <p:spTree>
+      <p:nvGrpSpPr>
+        <p:cNvPr id="1" name=""/>
+        <p:cNvGrpSpPr/>
+        <p:nvPr/>
+      </p:nvGrpSpPr>
+      <p:grpSpPr>
+        <a:xfrm>
+          <a:off x="0" y="0"/>
+          <a:ext cx="0" cy="0"/>
+          <a:chOff x="0" y="0"/>
+          <a:chExt cx="0" cy="0"/>
+        </a:xfrm>
+      </p:grpSpPr>
+      <p:sp>
+        <p:nvSpPr>
           <p:cNvPr id="2" name="Título 1">
             <a:extLst>
               <a:ext uri="{FF2B5EF4-FFF2-40B4-BE49-F238E27FC236}">
@@ -5004,55 +5994,903 @@
             <p:ph type="title"/>
           </p:nvPr>
         </p:nvSpPr>
-        <p:spPr/>
+        <p:spPr>
+          <a:xfrm>
+            <a:off x="838200" y="251195"/>
+            <a:ext cx="10515600" cy="1325563"/>
+          </a:xfrm>
+        </p:spPr>
         <p:txBody>
           <a:bodyPr/>
           <a:lstStyle/>
           <a:p>
             <a:r>
               <a:rPr lang="en-GB" b="1" dirty="0" err="1"/>
-              <a:t>Função</a:t>
+              <a:t>Operadores</a:t>
             </a:r>
             <a:r>
               <a:rPr lang="en-GB" b="1" dirty="0"/>
-              <a:t> de </a:t>
-            </a:r>
-            <a:r>
-              <a:rPr lang="en-GB" b="1" dirty="0" err="1"/>
-              <a:t>avaliação</a:t>
-            </a:r>
-            <a:endParaRPr lang="en-GB" b="1" dirty="0"/>
-          </a:p>
-        </p:txBody>
-      </p:sp>
-      <p:sp>
-        <p:nvSpPr>
-          <p:cNvPr id="3" name="Marcador de Posição de Conteúdo 2">
-            <a:extLst>
-              <a:ext uri="{FF2B5EF4-FFF2-40B4-BE49-F238E27FC236}">
-                <a16:creationId xmlns:a16="http://schemas.microsoft.com/office/drawing/2014/main" id="{222371E7-F5C6-4683-AE2B-E92D164DD4ED}"/>
-              </a:ext>
-            </a:extLst>
-          </p:cNvPr>
-          <p:cNvSpPr>
-            <a:spLocks noGrp="1"/>
-          </p:cNvSpPr>
-          <p:nvPr>
-            <p:ph idx="1"/>
-          </p:nvPr>
-        </p:nvSpPr>
-        <p:spPr/>
-        <p:txBody>
-          <a:bodyPr/>
-          <a:lstStyle/>
-          <a:p>
-            <a:pPr marL="0" indent="0">
-              <a:buNone/>
-            </a:pPr>
-            <a:endParaRPr lang="en-GB" dirty="0"/>
-          </a:p>
-        </p:txBody>
-      </p:sp>
+              <a:t> (cont.)</a:t>
+            </a:r>
+          </a:p>
+        </p:txBody>
+      </p:sp>
+      <p:graphicFrame>
+        <p:nvGraphicFramePr>
+          <p:cNvPr id="4" name="Tabela 8">
+            <a:extLst>
+              <a:ext uri="{FF2B5EF4-FFF2-40B4-BE49-F238E27FC236}">
+                <a16:creationId xmlns:a16="http://schemas.microsoft.com/office/drawing/2014/main" id="{E1A379B3-7DEE-425A-BDB2-597493B0117A}"/>
+              </a:ext>
+            </a:extLst>
+          </p:cNvPr>
+          <p:cNvGraphicFramePr>
+            <a:graphicFrameLocks noGrp="1"/>
+          </p:cNvGraphicFramePr>
+          <p:nvPr>
+            <p:extLst>
+              <p:ext uri="{D42A27DB-BD31-4B8C-83A1-F6EECF244321}">
+                <p14:modId xmlns:p14="http://schemas.microsoft.com/office/powerpoint/2010/main" val="298231014"/>
+              </p:ext>
+            </p:extLst>
+          </p:nvPr>
+        </p:nvGraphicFramePr>
+        <p:xfrm>
+          <a:off x="838200" y="1576758"/>
+          <a:ext cx="8811827" cy="4942840"/>
+        </p:xfrm>
+        <a:graphic>
+          <a:graphicData uri="http://schemas.openxmlformats.org/drawingml/2006/table">
+            <a:tbl>
+              <a:tblPr firstRow="1" bandRow="1">
+                <a:tableStyleId>{5C22544A-7EE6-4342-B048-85BDC9FD1C3A}</a:tableStyleId>
+              </a:tblPr>
+              <a:tblGrid>
+                <a:gridCol w="1694993">
+                  <a:extLst>
+                    <a:ext uri="{9D8B030D-6E8A-4147-A177-3AD203B41FA5}">
+                      <a16:colId xmlns:a16="http://schemas.microsoft.com/office/drawing/2014/main" val="2320042648"/>
+                    </a:ext>
+                  </a:extLst>
+                </a:gridCol>
+                <a:gridCol w="3339725">
+                  <a:extLst>
+                    <a:ext uri="{9D8B030D-6E8A-4147-A177-3AD203B41FA5}">
+                      <a16:colId xmlns:a16="http://schemas.microsoft.com/office/drawing/2014/main" val="3635654032"/>
+                    </a:ext>
+                  </a:extLst>
+                </a:gridCol>
+                <a:gridCol w="2993240">
+                  <a:extLst>
+                    <a:ext uri="{9D8B030D-6E8A-4147-A177-3AD203B41FA5}">
+                      <a16:colId xmlns:a16="http://schemas.microsoft.com/office/drawing/2014/main" val="3160716819"/>
+                    </a:ext>
+                  </a:extLst>
+                </a:gridCol>
+                <a:gridCol w="783869">
+                  <a:extLst>
+                    <a:ext uri="{9D8B030D-6E8A-4147-A177-3AD203B41FA5}">
+                      <a16:colId xmlns:a16="http://schemas.microsoft.com/office/drawing/2014/main" val="554524311"/>
+                    </a:ext>
+                  </a:extLst>
+                </a:gridCol>
+              </a:tblGrid>
+              <a:tr h="370840">
+                <a:tc>
+                  <a:txBody>
+                    <a:bodyPr/>
+                    <a:lstStyle/>
+                    <a:p>
+                      <a:r>
+                        <a:rPr lang="pt-PT" dirty="0"/>
+                        <a:t>Nomes</a:t>
+                      </a:r>
+                    </a:p>
+                  </a:txBody>
+                  <a:tcPr/>
+                </a:tc>
+                <a:tc>
+                  <a:txBody>
+                    <a:bodyPr/>
+                    <a:lstStyle/>
+                    <a:p>
+                      <a:r>
+                        <a:rPr lang="pt-PT" dirty="0"/>
+                        <a:t>Pré-Condições</a:t>
+                      </a:r>
+                    </a:p>
+                  </a:txBody>
+                  <a:tcPr/>
+                </a:tc>
+                <a:tc>
+                  <a:txBody>
+                    <a:bodyPr/>
+                    <a:lstStyle/>
+                    <a:p>
+                      <a:r>
+                        <a:rPr lang="pt-PT" dirty="0"/>
+                        <a:t>Efeitos</a:t>
+                      </a:r>
+                    </a:p>
+                  </a:txBody>
+                  <a:tcPr/>
+                </a:tc>
+                <a:tc>
+                  <a:txBody>
+                    <a:bodyPr/>
+                    <a:lstStyle/>
+                    <a:p>
+                      <a:r>
+                        <a:rPr lang="pt-PT" dirty="0"/>
+                        <a:t>Custo</a:t>
+                      </a:r>
+                    </a:p>
+                  </a:txBody>
+                  <a:tcPr/>
+                </a:tc>
+                <a:extLst>
+                  <a:ext uri="{0D108BD9-81ED-4DB2-BD59-A6C34878D82A}">
+                    <a16:rowId xmlns:a16="http://schemas.microsoft.com/office/drawing/2014/main" val="3771066864"/>
+                  </a:ext>
+                </a:extLst>
+              </a:tr>
+              <a:tr h="0">
+                <a:tc>
+                  <a:txBody>
+                    <a:bodyPr/>
+                    <a:lstStyle/>
+                    <a:p>
+                      <a:pPr algn="ctr"/>
+                      <a:r>
+                        <a:rPr lang="pt-PT" dirty="0" err="1"/>
+                        <a:t>captureN</a:t>
+                      </a:r>
+                      <a:endParaRPr lang="pt-PT" dirty="0"/>
+                    </a:p>
+                  </a:txBody>
+                  <a:tcPr/>
+                </a:tc>
+                <a:tc>
+                  <a:txBody>
+                    <a:bodyPr/>
+                    <a:lstStyle/>
+                    <a:p>
+                      <a:pPr algn="ctr"/>
+                      <a:r>
+                        <a:rPr lang="pt-PT" dirty="0"/>
+                        <a:t>y&lt;6 &amp;&amp; </a:t>
+                      </a:r>
+                    </a:p>
+                    <a:p>
+                      <a:pPr algn="ctr"/>
+                      <a:r>
+                        <a:rPr lang="pt-PT" dirty="0" err="1"/>
+                        <a:t>board</a:t>
+                      </a:r>
+                      <a:r>
+                        <a:rPr lang="pt-PT" dirty="0"/>
+                        <a:t>[x+(y+2)*8]=0 &amp;&amp;</a:t>
+                      </a:r>
+                    </a:p>
+                    <a:p>
+                      <a:pPr algn="ctr"/>
+                      <a:r>
+                        <a:rPr lang="pt-PT" dirty="0" err="1"/>
+                        <a:t>board</a:t>
+                      </a:r>
+                      <a:r>
+                        <a:rPr lang="pt-PT" dirty="0"/>
+                        <a:t>[x+(y+1)*8]=2 </a:t>
+                      </a:r>
+                    </a:p>
+                  </a:txBody>
+                  <a:tcPr/>
+                </a:tc>
+                <a:tc>
+                  <a:txBody>
+                    <a:bodyPr/>
+                    <a:lstStyle/>
+                    <a:p>
+                      <a:pPr algn="ctr"/>
+                      <a:r>
+                        <a:rPr lang="pt-PT" dirty="0" err="1"/>
+                        <a:t>board</a:t>
+                      </a:r>
+                      <a:r>
+                        <a:rPr lang="pt-PT" dirty="0"/>
+                        <a:t>[x+(y+2)*8]=1 &amp;&amp;</a:t>
+                      </a:r>
+                    </a:p>
+                    <a:p>
+                      <a:pPr marL="0" marR="0" lvl="0" indent="0" algn="ctr" defTabSz="914400" rtl="0" eaLnBrk="1" fontAlgn="auto" latinLnBrk="0" hangingPunct="1">
+                        <a:lnSpc>
+                          <a:spcPct val="100000"/>
+                        </a:lnSpc>
+                        <a:spcBef>
+                          <a:spcPts val="0"/>
+                        </a:spcBef>
+                        <a:spcAft>
+                          <a:spcPts val="0"/>
+                        </a:spcAft>
+                        <a:buClrTx/>
+                        <a:buSzTx/>
+                        <a:buFontTx/>
+                        <a:buNone/>
+                        <a:tabLst/>
+                        <a:defRPr/>
+                      </a:pPr>
+                      <a:r>
+                        <a:rPr lang="pt-PT" dirty="0" err="1"/>
+                        <a:t>board</a:t>
+                      </a:r>
+                      <a:r>
+                        <a:rPr lang="pt-PT" dirty="0"/>
+                        <a:t>[x+(y+1)*8]=0 &amp;&amp;</a:t>
+                      </a:r>
+                    </a:p>
+                    <a:p>
+                      <a:pPr algn="ctr"/>
+                      <a:r>
+                        <a:rPr lang="pt-PT" dirty="0" err="1"/>
+                        <a:t>board</a:t>
+                      </a:r>
+                      <a:r>
+                        <a:rPr lang="pt-PT" dirty="0"/>
+                        <a:t>[</a:t>
+                      </a:r>
+                      <a:r>
+                        <a:rPr lang="pt-PT" dirty="0" err="1"/>
+                        <a:t>x+y</a:t>
+                      </a:r>
+                      <a:r>
+                        <a:rPr lang="pt-PT" dirty="0"/>
+                        <a:t>*8]=0</a:t>
+                      </a:r>
+                    </a:p>
+                  </a:txBody>
+                  <a:tcPr/>
+                </a:tc>
+                <a:tc>
+                  <a:txBody>
+                    <a:bodyPr/>
+                    <a:lstStyle/>
+                    <a:p>
+                      <a:pPr algn="ctr"/>
+                      <a:r>
+                        <a:rPr lang="pt-PT" dirty="0"/>
+                        <a:t>1</a:t>
+                      </a:r>
+                    </a:p>
+                  </a:txBody>
+                  <a:tcPr/>
+                </a:tc>
+                <a:extLst>
+                  <a:ext uri="{0D108BD9-81ED-4DB2-BD59-A6C34878D82A}">
+                    <a16:rowId xmlns:a16="http://schemas.microsoft.com/office/drawing/2014/main" val="1459691130"/>
+                  </a:ext>
+                </a:extLst>
+              </a:tr>
+              <a:tr h="0">
+                <a:tc>
+                  <a:txBody>
+                    <a:bodyPr/>
+                    <a:lstStyle/>
+                    <a:p>
+                      <a:pPr marL="0" marR="0" lvl="0" indent="0" algn="ctr" defTabSz="914400" rtl="0" eaLnBrk="1" fontAlgn="auto" latinLnBrk="0" hangingPunct="1">
+                        <a:lnSpc>
+                          <a:spcPct val="100000"/>
+                        </a:lnSpc>
+                        <a:spcBef>
+                          <a:spcPts val="0"/>
+                        </a:spcBef>
+                        <a:spcAft>
+                          <a:spcPts val="0"/>
+                        </a:spcAft>
+                        <a:buClrTx/>
+                        <a:buSzTx/>
+                        <a:buFontTx/>
+                        <a:buNone/>
+                        <a:tabLst/>
+                        <a:defRPr/>
+                      </a:pPr>
+                      <a:r>
+                        <a:rPr lang="pt-PT" dirty="0" err="1"/>
+                        <a:t>captureNW</a:t>
+                      </a:r>
+                      <a:endParaRPr lang="pt-PT" dirty="0"/>
+                    </a:p>
+                    <a:p>
+                      <a:pPr algn="ctr"/>
+                      <a:endParaRPr lang="pt-PT" dirty="0"/>
+                    </a:p>
+                  </a:txBody>
+                  <a:tcPr/>
+                </a:tc>
+                <a:tc>
+                  <a:txBody>
+                    <a:bodyPr/>
+                    <a:lstStyle/>
+                    <a:p>
+                      <a:pPr algn="ctr"/>
+                      <a:r>
+                        <a:rPr lang="pt-PT" dirty="0"/>
+                        <a:t>y&lt;6 &amp;&amp; x&lt;6 &amp;&amp;  </a:t>
+                      </a:r>
+                      <a:r>
+                        <a:rPr lang="pt-PT" dirty="0" err="1"/>
+                        <a:t>board</a:t>
+                      </a:r>
+                      <a:r>
+                        <a:rPr lang="pt-PT" dirty="0"/>
+                        <a:t>[x+2+(y+2)*8]=0 &amp;&amp;</a:t>
+                      </a:r>
+                    </a:p>
+                    <a:p>
+                      <a:pPr algn="ctr"/>
+                      <a:r>
+                        <a:rPr lang="pt-PT" dirty="0" err="1"/>
+                        <a:t>board</a:t>
+                      </a:r>
+                      <a:r>
+                        <a:rPr lang="pt-PT" dirty="0"/>
+                        <a:t>[x+1+(y+1)*8]=2 </a:t>
+                      </a:r>
+                    </a:p>
+                  </a:txBody>
+                  <a:tcPr/>
+                </a:tc>
+                <a:tc>
+                  <a:txBody>
+                    <a:bodyPr/>
+                    <a:lstStyle/>
+                    <a:p>
+                      <a:pPr algn="ctr"/>
+                      <a:r>
+                        <a:rPr lang="pt-PT" dirty="0" err="1"/>
+                        <a:t>board</a:t>
+                      </a:r>
+                      <a:r>
+                        <a:rPr lang="pt-PT" dirty="0"/>
+                        <a:t>[x+2+(y+2)*8]=1 &amp;&amp;</a:t>
+                      </a:r>
+                    </a:p>
+                    <a:p>
+                      <a:pPr marL="0" marR="0" lvl="0" indent="0" algn="ctr" defTabSz="914400" rtl="0" eaLnBrk="1" fontAlgn="auto" latinLnBrk="0" hangingPunct="1">
+                        <a:lnSpc>
+                          <a:spcPct val="100000"/>
+                        </a:lnSpc>
+                        <a:spcBef>
+                          <a:spcPts val="0"/>
+                        </a:spcBef>
+                        <a:spcAft>
+                          <a:spcPts val="0"/>
+                        </a:spcAft>
+                        <a:buClrTx/>
+                        <a:buSzTx/>
+                        <a:buFontTx/>
+                        <a:buNone/>
+                        <a:tabLst/>
+                        <a:defRPr/>
+                      </a:pPr>
+                      <a:r>
+                        <a:rPr lang="pt-PT" dirty="0" err="1"/>
+                        <a:t>board</a:t>
+                      </a:r>
+                      <a:r>
+                        <a:rPr lang="pt-PT" dirty="0"/>
+                        <a:t>[x+1+(y+1)*8]=0 &amp;&amp;</a:t>
+                      </a:r>
+                    </a:p>
+                    <a:p>
+                      <a:pPr algn="ctr"/>
+                      <a:r>
+                        <a:rPr lang="pt-PT" dirty="0" err="1"/>
+                        <a:t>board</a:t>
+                      </a:r>
+                      <a:r>
+                        <a:rPr lang="pt-PT" dirty="0"/>
+                        <a:t>[</a:t>
+                      </a:r>
+                      <a:r>
+                        <a:rPr lang="pt-PT" dirty="0" err="1"/>
+                        <a:t>x+y</a:t>
+                      </a:r>
+                      <a:r>
+                        <a:rPr lang="pt-PT" dirty="0"/>
+                        <a:t>*8]=0</a:t>
+                      </a:r>
+                    </a:p>
+                  </a:txBody>
+                  <a:tcPr/>
+                </a:tc>
+                <a:tc>
+                  <a:txBody>
+                    <a:bodyPr/>
+                    <a:lstStyle/>
+                    <a:p>
+                      <a:pPr algn="ctr"/>
+                      <a:r>
+                        <a:rPr lang="pt-PT" dirty="0"/>
+                        <a:t>1</a:t>
+                      </a:r>
+                    </a:p>
+                  </a:txBody>
+                  <a:tcPr/>
+                </a:tc>
+                <a:extLst>
+                  <a:ext uri="{0D108BD9-81ED-4DB2-BD59-A6C34878D82A}">
+                    <a16:rowId xmlns:a16="http://schemas.microsoft.com/office/drawing/2014/main" val="2109023211"/>
+                  </a:ext>
+                </a:extLst>
+              </a:tr>
+              <a:tr h="370840">
+                <a:tc>
+                  <a:txBody>
+                    <a:bodyPr/>
+                    <a:lstStyle/>
+                    <a:p>
+                      <a:pPr marL="0" marR="0" lvl="0" indent="0" algn="ctr" defTabSz="914400" rtl="0" eaLnBrk="1" fontAlgn="auto" latinLnBrk="0" hangingPunct="1">
+                        <a:lnSpc>
+                          <a:spcPct val="100000"/>
+                        </a:lnSpc>
+                        <a:spcBef>
+                          <a:spcPts val="0"/>
+                        </a:spcBef>
+                        <a:spcAft>
+                          <a:spcPts val="0"/>
+                        </a:spcAft>
+                        <a:buClrTx/>
+                        <a:buSzTx/>
+                        <a:buFontTx/>
+                        <a:buNone/>
+                        <a:tabLst/>
+                        <a:defRPr/>
+                      </a:pPr>
+                      <a:r>
+                        <a:rPr lang="pt-PT" dirty="0" err="1"/>
+                        <a:t>captureNE</a:t>
+                      </a:r>
+                      <a:endParaRPr lang="pt-PT" dirty="0"/>
+                    </a:p>
+                  </a:txBody>
+                  <a:tcPr/>
+                </a:tc>
+                <a:tc>
+                  <a:txBody>
+                    <a:bodyPr/>
+                    <a:lstStyle/>
+                    <a:p>
+                      <a:pPr algn="ctr"/>
+                      <a:r>
+                        <a:rPr lang="pt-PT" dirty="0"/>
+                        <a:t>y&lt;6 &amp;&amp; x&gt;1 &amp;&amp;  </a:t>
+                      </a:r>
+                    </a:p>
+                    <a:p>
+                      <a:pPr algn="ctr"/>
+                      <a:r>
+                        <a:rPr lang="pt-PT" dirty="0" err="1"/>
+                        <a:t>board</a:t>
+                      </a:r>
+                      <a:r>
+                        <a:rPr lang="pt-PT" dirty="0"/>
+                        <a:t>[x-2+(y+2)*8]=0 &amp;&amp;</a:t>
+                      </a:r>
+                    </a:p>
+                    <a:p>
+                      <a:pPr algn="ctr"/>
+                      <a:r>
+                        <a:rPr lang="pt-PT" dirty="0" err="1"/>
+                        <a:t>board</a:t>
+                      </a:r>
+                      <a:r>
+                        <a:rPr lang="pt-PT" dirty="0"/>
+                        <a:t>[x-1+(y+1)*8]=2</a:t>
+                      </a:r>
+                    </a:p>
+                  </a:txBody>
+                  <a:tcPr/>
+                </a:tc>
+                <a:tc>
+                  <a:txBody>
+                    <a:bodyPr/>
+                    <a:lstStyle/>
+                    <a:p>
+                      <a:pPr algn="ctr"/>
+                      <a:r>
+                        <a:rPr lang="pt-PT" dirty="0" err="1"/>
+                        <a:t>board</a:t>
+                      </a:r>
+                      <a:r>
+                        <a:rPr lang="pt-PT" dirty="0"/>
+                        <a:t>[x-2+(y+2)*8]=1 &amp;&amp;</a:t>
+                      </a:r>
+                    </a:p>
+                    <a:p>
+                      <a:pPr marL="0" marR="0" lvl="0" indent="0" algn="ctr" defTabSz="914400" rtl="0" eaLnBrk="1" fontAlgn="auto" latinLnBrk="0" hangingPunct="1">
+                        <a:lnSpc>
+                          <a:spcPct val="100000"/>
+                        </a:lnSpc>
+                        <a:spcBef>
+                          <a:spcPts val="0"/>
+                        </a:spcBef>
+                        <a:spcAft>
+                          <a:spcPts val="0"/>
+                        </a:spcAft>
+                        <a:buClrTx/>
+                        <a:buSzTx/>
+                        <a:buFontTx/>
+                        <a:buNone/>
+                        <a:tabLst/>
+                        <a:defRPr/>
+                      </a:pPr>
+                      <a:r>
+                        <a:rPr lang="pt-PT" dirty="0" err="1"/>
+                        <a:t>board</a:t>
+                      </a:r>
+                      <a:r>
+                        <a:rPr lang="pt-PT" dirty="0"/>
+                        <a:t>[x-1+(y+1)*8]=0 &amp;&amp;</a:t>
+                      </a:r>
+                    </a:p>
+                    <a:p>
+                      <a:pPr algn="ctr"/>
+                      <a:r>
+                        <a:rPr lang="pt-PT" dirty="0" err="1"/>
+                        <a:t>board</a:t>
+                      </a:r>
+                      <a:r>
+                        <a:rPr lang="pt-PT" dirty="0"/>
+                        <a:t>[</a:t>
+                      </a:r>
+                      <a:r>
+                        <a:rPr lang="pt-PT" dirty="0" err="1"/>
+                        <a:t>x+y</a:t>
+                      </a:r>
+                      <a:r>
+                        <a:rPr lang="pt-PT" dirty="0"/>
+                        <a:t>*8]=0</a:t>
+                      </a:r>
+                    </a:p>
+                  </a:txBody>
+                  <a:tcPr/>
+                </a:tc>
+                <a:tc>
+                  <a:txBody>
+                    <a:bodyPr/>
+                    <a:lstStyle/>
+                    <a:p>
+                      <a:pPr algn="ctr"/>
+                      <a:r>
+                        <a:rPr lang="pt-PT" dirty="0"/>
+                        <a:t>1</a:t>
+                      </a:r>
+                    </a:p>
+                  </a:txBody>
+                  <a:tcPr/>
+                </a:tc>
+                <a:extLst>
+                  <a:ext uri="{0D108BD9-81ED-4DB2-BD59-A6C34878D82A}">
+                    <a16:rowId xmlns:a16="http://schemas.microsoft.com/office/drawing/2014/main" val="2385001122"/>
+                  </a:ext>
+                </a:extLst>
+              </a:tr>
+              <a:tr h="370840">
+                <a:tc>
+                  <a:txBody>
+                    <a:bodyPr/>
+                    <a:lstStyle/>
+                    <a:p>
+                      <a:pPr marL="0" marR="0" lvl="0" indent="0" algn="ctr" defTabSz="914400" rtl="0" eaLnBrk="1" fontAlgn="auto" latinLnBrk="0" hangingPunct="1">
+                        <a:lnSpc>
+                          <a:spcPct val="100000"/>
+                        </a:lnSpc>
+                        <a:spcBef>
+                          <a:spcPts val="0"/>
+                        </a:spcBef>
+                        <a:spcAft>
+                          <a:spcPts val="0"/>
+                        </a:spcAft>
+                        <a:buClrTx/>
+                        <a:buSzTx/>
+                        <a:buFontTx/>
+                        <a:buNone/>
+                        <a:tabLst/>
+                        <a:defRPr/>
+                      </a:pPr>
+                      <a:r>
+                        <a:rPr lang="pt-PT" dirty="0" err="1"/>
+                        <a:t>captureW</a:t>
+                      </a:r>
+                      <a:endParaRPr lang="pt-PT" dirty="0"/>
+                    </a:p>
+                    <a:p>
+                      <a:pPr algn="ctr"/>
+                      <a:endParaRPr lang="pt-PT" dirty="0"/>
+                    </a:p>
+                  </a:txBody>
+                  <a:tcPr/>
+                </a:tc>
+                <a:tc>
+                  <a:txBody>
+                    <a:bodyPr/>
+                    <a:lstStyle/>
+                    <a:p>
+                      <a:pPr algn="ctr"/>
+                      <a:r>
+                        <a:rPr lang="pt-PT" dirty="0"/>
+                        <a:t>x&lt;6 &amp;&amp;  </a:t>
+                      </a:r>
+                    </a:p>
+                    <a:p>
+                      <a:pPr algn="ctr"/>
+                      <a:r>
+                        <a:rPr lang="pt-PT" dirty="0" err="1"/>
+                        <a:t>board</a:t>
+                      </a:r>
+                      <a:r>
+                        <a:rPr lang="pt-PT" dirty="0"/>
+                        <a:t>[x+2+y*8]=0 &amp;&amp;</a:t>
+                      </a:r>
+                    </a:p>
+                    <a:p>
+                      <a:pPr algn="ctr"/>
+                      <a:r>
+                        <a:rPr lang="pt-PT" dirty="0" err="1"/>
+                        <a:t>board</a:t>
+                      </a:r>
+                      <a:r>
+                        <a:rPr lang="pt-PT" dirty="0"/>
+                        <a:t>[x+1+y*8]=2 </a:t>
+                      </a:r>
+                    </a:p>
+                  </a:txBody>
+                  <a:tcPr/>
+                </a:tc>
+                <a:tc>
+                  <a:txBody>
+                    <a:bodyPr/>
+                    <a:lstStyle/>
+                    <a:p>
+                      <a:pPr algn="ctr"/>
+                      <a:r>
+                        <a:rPr lang="pt-PT" dirty="0" err="1"/>
+                        <a:t>board</a:t>
+                      </a:r>
+                      <a:r>
+                        <a:rPr lang="pt-PT" dirty="0"/>
+                        <a:t>[x+2+y*8]=1 &amp;&amp;</a:t>
+                      </a:r>
+                    </a:p>
+                    <a:p>
+                      <a:pPr marL="0" marR="0" lvl="0" indent="0" algn="ctr" defTabSz="914400" rtl="0" eaLnBrk="1" fontAlgn="auto" latinLnBrk="0" hangingPunct="1">
+                        <a:lnSpc>
+                          <a:spcPct val="100000"/>
+                        </a:lnSpc>
+                        <a:spcBef>
+                          <a:spcPts val="0"/>
+                        </a:spcBef>
+                        <a:spcAft>
+                          <a:spcPts val="0"/>
+                        </a:spcAft>
+                        <a:buClrTx/>
+                        <a:buSzTx/>
+                        <a:buFontTx/>
+                        <a:buNone/>
+                        <a:tabLst/>
+                        <a:defRPr/>
+                      </a:pPr>
+                      <a:r>
+                        <a:rPr lang="pt-PT" dirty="0" err="1"/>
+                        <a:t>board</a:t>
+                      </a:r>
+                      <a:r>
+                        <a:rPr lang="pt-PT" dirty="0"/>
+                        <a:t>[x+1+y*8]=0 &amp;&amp;</a:t>
+                      </a:r>
+                    </a:p>
+                    <a:p>
+                      <a:pPr algn="ctr"/>
+                      <a:r>
+                        <a:rPr lang="pt-PT" dirty="0" err="1"/>
+                        <a:t>board</a:t>
+                      </a:r>
+                      <a:r>
+                        <a:rPr lang="pt-PT" dirty="0"/>
+                        <a:t>[</a:t>
+                      </a:r>
+                      <a:r>
+                        <a:rPr lang="pt-PT" dirty="0" err="1"/>
+                        <a:t>x+y</a:t>
+                      </a:r>
+                      <a:r>
+                        <a:rPr lang="pt-PT" dirty="0"/>
+                        <a:t>*8]=0</a:t>
+                      </a:r>
+                    </a:p>
+                  </a:txBody>
+                  <a:tcPr/>
+                </a:tc>
+                <a:tc>
+                  <a:txBody>
+                    <a:bodyPr/>
+                    <a:lstStyle/>
+                    <a:p>
+                      <a:pPr algn="ctr"/>
+                      <a:r>
+                        <a:rPr lang="pt-PT" dirty="0"/>
+                        <a:t>1</a:t>
+                      </a:r>
+                    </a:p>
+                  </a:txBody>
+                  <a:tcPr/>
+                </a:tc>
+                <a:extLst>
+                  <a:ext uri="{0D108BD9-81ED-4DB2-BD59-A6C34878D82A}">
+                    <a16:rowId xmlns:a16="http://schemas.microsoft.com/office/drawing/2014/main" val="1208939467"/>
+                  </a:ext>
+                </a:extLst>
+              </a:tr>
+              <a:tr h="370840">
+                <a:tc>
+                  <a:txBody>
+                    <a:bodyPr/>
+                    <a:lstStyle/>
+                    <a:p>
+                      <a:pPr marL="0" marR="0" lvl="0" indent="0" algn="ctr" defTabSz="914400" rtl="0" eaLnBrk="1" fontAlgn="auto" latinLnBrk="0" hangingPunct="1">
+                        <a:lnSpc>
+                          <a:spcPct val="100000"/>
+                        </a:lnSpc>
+                        <a:spcBef>
+                          <a:spcPts val="0"/>
+                        </a:spcBef>
+                        <a:spcAft>
+                          <a:spcPts val="0"/>
+                        </a:spcAft>
+                        <a:buClrTx/>
+                        <a:buSzTx/>
+                        <a:buFontTx/>
+                        <a:buNone/>
+                        <a:tabLst/>
+                        <a:defRPr/>
+                      </a:pPr>
+                      <a:r>
+                        <a:rPr lang="pt-PT" dirty="0" err="1"/>
+                        <a:t>captureE</a:t>
+                      </a:r>
+                      <a:endParaRPr lang="pt-PT" dirty="0"/>
+                    </a:p>
+                    <a:p>
+                      <a:pPr algn="ctr"/>
+                      <a:endParaRPr lang="pt-PT" dirty="0"/>
+                    </a:p>
+                  </a:txBody>
+                  <a:tcPr/>
+                </a:tc>
+                <a:tc>
+                  <a:txBody>
+                    <a:bodyPr/>
+                    <a:lstStyle/>
+                    <a:p>
+                      <a:pPr algn="ctr"/>
+                      <a:r>
+                        <a:rPr lang="pt-PT" dirty="0"/>
+                        <a:t>x&gt;1 &amp;&amp;  </a:t>
+                      </a:r>
+                    </a:p>
+                    <a:p>
+                      <a:pPr algn="ctr"/>
+                      <a:r>
+                        <a:rPr lang="pt-PT" dirty="0" err="1"/>
+                        <a:t>board</a:t>
+                      </a:r>
+                      <a:r>
+                        <a:rPr lang="pt-PT" dirty="0"/>
+                        <a:t>[x-2+y*8]=0 &amp;&amp;</a:t>
+                      </a:r>
+                    </a:p>
+                    <a:p>
+                      <a:pPr algn="ctr"/>
+                      <a:r>
+                        <a:rPr lang="pt-PT" dirty="0" err="1"/>
+                        <a:t>board</a:t>
+                      </a:r>
+                      <a:r>
+                        <a:rPr lang="pt-PT" dirty="0"/>
+                        <a:t>[x-1+y*8]=2 </a:t>
+                      </a:r>
+                    </a:p>
+                  </a:txBody>
+                  <a:tcPr/>
+                </a:tc>
+                <a:tc>
+                  <a:txBody>
+                    <a:bodyPr/>
+                    <a:lstStyle/>
+                    <a:p>
+                      <a:pPr algn="ctr"/>
+                      <a:r>
+                        <a:rPr lang="pt-PT" dirty="0" err="1"/>
+                        <a:t>board</a:t>
+                      </a:r>
+                      <a:r>
+                        <a:rPr lang="pt-PT" dirty="0"/>
+                        <a:t>[x-2+y*8]=1 &amp;&amp;</a:t>
+                      </a:r>
+                    </a:p>
+                    <a:p>
+                      <a:pPr marL="0" marR="0" lvl="0" indent="0" algn="ctr" defTabSz="914400" rtl="0" eaLnBrk="1" fontAlgn="auto" latinLnBrk="0" hangingPunct="1">
+                        <a:lnSpc>
+                          <a:spcPct val="100000"/>
+                        </a:lnSpc>
+                        <a:spcBef>
+                          <a:spcPts val="0"/>
+                        </a:spcBef>
+                        <a:spcAft>
+                          <a:spcPts val="0"/>
+                        </a:spcAft>
+                        <a:buClrTx/>
+                        <a:buSzTx/>
+                        <a:buFontTx/>
+                        <a:buNone/>
+                        <a:tabLst/>
+                        <a:defRPr/>
+                      </a:pPr>
+                      <a:r>
+                        <a:rPr lang="pt-PT" dirty="0" err="1"/>
+                        <a:t>board</a:t>
+                      </a:r>
+                      <a:r>
+                        <a:rPr lang="pt-PT" dirty="0"/>
+                        <a:t>[x-1+y*8]=0 &amp;&amp;</a:t>
+                      </a:r>
+                    </a:p>
+                    <a:p>
+                      <a:pPr algn="ctr"/>
+                      <a:r>
+                        <a:rPr lang="pt-PT" dirty="0" err="1"/>
+                        <a:t>board</a:t>
+                      </a:r>
+                      <a:r>
+                        <a:rPr lang="pt-PT" dirty="0"/>
+                        <a:t>[</a:t>
+                      </a:r>
+                      <a:r>
+                        <a:rPr lang="pt-PT" dirty="0" err="1"/>
+                        <a:t>x+y</a:t>
+                      </a:r>
+                      <a:r>
+                        <a:rPr lang="pt-PT" dirty="0"/>
+                        <a:t>*8]=0</a:t>
+                      </a:r>
+                    </a:p>
+                  </a:txBody>
+                  <a:tcPr/>
+                </a:tc>
+                <a:tc>
+                  <a:txBody>
+                    <a:bodyPr/>
+                    <a:lstStyle/>
+                    <a:p>
+                      <a:pPr algn="ctr"/>
+                      <a:r>
+                        <a:rPr lang="pt-PT" dirty="0"/>
+                        <a:t>1</a:t>
+                      </a:r>
+                    </a:p>
+                  </a:txBody>
+                  <a:tcPr/>
+                </a:tc>
+                <a:extLst>
+                  <a:ext uri="{0D108BD9-81ED-4DB2-BD59-A6C34878D82A}">
+                    <a16:rowId xmlns:a16="http://schemas.microsoft.com/office/drawing/2014/main" val="944920655"/>
+                  </a:ext>
+                </a:extLst>
+              </a:tr>
+            </a:tbl>
+          </a:graphicData>
+        </a:graphic>
+      </p:graphicFrame>
     </p:spTree>
     <p:extLst>
       <p:ext uri="{BB962C8B-B14F-4D97-AF65-F5344CB8AC3E}">
@@ -5066,7 +6904,7 @@
 </p:sld>
 </file>
 
-<file path=ppt/slides/slide6.xml><?xml version="1.0" encoding="utf-8"?>
+<file path=ppt/slides/slide7.xml><?xml version="1.0" encoding="utf-8"?>
 <p:sld xmlns:a="http://schemas.openxmlformats.org/drawingml/2006/main" xmlns:r="http://schemas.openxmlformats.org/officeDocument/2006/relationships" xmlns:p="http://schemas.openxmlformats.org/presentationml/2006/main">
   <p:cSld>
     <p:spTree>

--- a/docs/IART-Eximo.pptx
+++ b/docs/IART-Eximo.pptx
@@ -121,8 +121,7 @@
 <file path=ppt/revisionInfo.xml><?xml version="1.0" encoding="utf-8"?>
 <p1510:revInfo xmlns:a="http://schemas.openxmlformats.org/drawingml/2006/main" xmlns:r="http://schemas.openxmlformats.org/officeDocument/2006/relationships" xmlns:p1510="http://schemas.microsoft.com/office/powerpoint/2015/10/main">
   <p1510:revLst>
-    <p1510:client id="{26AB22BD-A1C2-4EDD-849C-9D4F40F32517}" v="4" dt="2020-03-16T19:50:42.017"/>
-    <p1510:client id="{6C058E3A-0DFA-49EF-B216-F01535339180}" v="37" dt="2020-03-17T15:11:32.164"/>
+    <p1510:client id="{6C058E3A-0DFA-49EF-B216-F01535339180}" v="38" dt="2020-03-18T21:01:22.303"/>
   </p1510:revLst>
 </p1510:revInfo>
 </file>
@@ -131,13 +130,83 @@
 <pc:chgInfo xmlns:a="http://schemas.openxmlformats.org/drawingml/2006/main" xmlns:r="http://schemas.openxmlformats.org/officeDocument/2006/relationships" xmlns:ac="http://schemas.microsoft.com/office/drawing/2013/main/command" xmlns:pc="http://schemas.microsoft.com/office/powerpoint/2013/main/command">
   <pc:docChgLst>
     <pc:chgData name="Andre Moutas" userId="11f4dd9e3421801c" providerId="LiveId" clId="{6C058E3A-0DFA-49EF-B216-F01535339180}"/>
-    <pc:docChg chg="custSel addSld modSld">
-      <pc:chgData name="Andre Moutas" userId="11f4dd9e3421801c" providerId="LiveId" clId="{6C058E3A-0DFA-49EF-B216-F01535339180}" dt="2020-03-17T15:11:48.627" v="548" actId="1076"/>
+    <pc:docChg chg="undo custSel addSld modSld">
+      <pc:chgData name="Andre Moutas" userId="11f4dd9e3421801c" providerId="LiveId" clId="{6C058E3A-0DFA-49EF-B216-F01535339180}" dt="2020-03-18T21:08:56.666" v="1095" actId="20577"/>
       <pc:docMkLst>
         <pc:docMk/>
       </pc:docMkLst>
+      <pc:sldChg chg="modSp mod">
+        <pc:chgData name="Andre Moutas" userId="11f4dd9e3421801c" providerId="LiveId" clId="{6C058E3A-0DFA-49EF-B216-F01535339180}" dt="2020-03-18T21:01:08.249" v="554" actId="1076"/>
+        <pc:sldMkLst>
+          <pc:docMk/>
+          <pc:sldMk cId="1413487635" sldId="257"/>
+        </pc:sldMkLst>
+        <pc:spChg chg="mod">
+          <ac:chgData name="Andre Moutas" userId="11f4dd9e3421801c" providerId="LiveId" clId="{6C058E3A-0DFA-49EF-B216-F01535339180}" dt="2020-03-18T21:01:07.875" v="553" actId="1076"/>
+          <ac:spMkLst>
+            <pc:docMk/>
+            <pc:sldMk cId="1413487635" sldId="257"/>
+            <ac:spMk id="5" creationId="{A0C96B4A-52A1-4F35-B06B-3A8E4B8526CE}"/>
+          </ac:spMkLst>
+        </pc:spChg>
+        <pc:picChg chg="mod">
+          <ac:chgData name="Andre Moutas" userId="11f4dd9e3421801c" providerId="LiveId" clId="{6C058E3A-0DFA-49EF-B216-F01535339180}" dt="2020-03-18T21:01:08.249" v="554" actId="1076"/>
+          <ac:picMkLst>
+            <pc:docMk/>
+            <pc:sldMk cId="1413487635" sldId="257"/>
+            <ac:picMk id="4" creationId="{DA587FD7-ECA8-4433-BD05-89D7CFBCE229}"/>
+          </ac:picMkLst>
+        </pc:picChg>
+      </pc:sldChg>
+      <pc:sldChg chg="addSp modSp mod">
+        <pc:chgData name="Andre Moutas" userId="11f4dd9e3421801c" providerId="LiveId" clId="{6C058E3A-0DFA-49EF-B216-F01535339180}" dt="2020-03-18T21:08:56.666" v="1095" actId="20577"/>
+        <pc:sldMkLst>
+          <pc:docMk/>
+          <pc:sldMk cId="3311973236" sldId="260"/>
+        </pc:sldMkLst>
+        <pc:spChg chg="mod">
+          <ac:chgData name="Andre Moutas" userId="11f4dd9e3421801c" providerId="LiveId" clId="{6C058E3A-0DFA-49EF-B216-F01535339180}" dt="2020-03-18T21:08:56.666" v="1095" actId="20577"/>
+          <ac:spMkLst>
+            <pc:docMk/>
+            <pc:sldMk cId="3311973236" sldId="260"/>
+            <ac:spMk id="3" creationId="{82452407-B00B-402F-B670-43BBF7AA11E7}"/>
+          </ac:spMkLst>
+        </pc:spChg>
+        <pc:spChg chg="mod">
+          <ac:chgData name="Andre Moutas" userId="11f4dd9e3421801c" providerId="LiveId" clId="{6C058E3A-0DFA-49EF-B216-F01535339180}" dt="2020-03-18T21:05:30.147" v="1059" actId="1076"/>
+          <ac:spMkLst>
+            <pc:docMk/>
+            <pc:sldMk cId="3311973236" sldId="260"/>
+            <ac:spMk id="5" creationId="{7403C3D1-273B-418A-9E69-1D545AC77E6A}"/>
+          </ac:spMkLst>
+        </pc:spChg>
+        <pc:spChg chg="mod">
+          <ac:chgData name="Andre Moutas" userId="11f4dd9e3421801c" providerId="LiveId" clId="{6C058E3A-0DFA-49EF-B216-F01535339180}" dt="2020-03-18T21:08:39.108" v="1093" actId="1076"/>
+          <ac:spMkLst>
+            <pc:docMk/>
+            <pc:sldMk cId="3311973236" sldId="260"/>
+            <ac:spMk id="6" creationId="{0BB15C4A-8CD9-431C-A7BF-DC0F29BB1B6A}"/>
+          </ac:spMkLst>
+        </pc:spChg>
+        <pc:spChg chg="add mod">
+          <ac:chgData name="Andre Moutas" userId="11f4dd9e3421801c" providerId="LiveId" clId="{6C058E3A-0DFA-49EF-B216-F01535339180}" dt="2020-03-18T21:08:11.930" v="1089" actId="1076"/>
+          <ac:spMkLst>
+            <pc:docMk/>
+            <pc:sldMk cId="3311973236" sldId="260"/>
+            <ac:spMk id="7" creationId="{3C7A98C9-AB97-462D-B6C7-A15998BE28BF}"/>
+          </ac:spMkLst>
+        </pc:spChg>
+        <pc:picChg chg="mod">
+          <ac:chgData name="Andre Moutas" userId="11f4dd9e3421801c" providerId="LiveId" clId="{6C058E3A-0DFA-49EF-B216-F01535339180}" dt="2020-03-18T21:08:26.085" v="1091" actId="1076"/>
+          <ac:picMkLst>
+            <pc:docMk/>
+            <pc:sldMk cId="3311973236" sldId="260"/>
+            <ac:picMk id="2" creationId="{70FADCAE-9ACC-4D5D-B402-0509C9B0966F}"/>
+          </ac:picMkLst>
+        </pc:picChg>
+      </pc:sldChg>
       <pc:sldChg chg="addSp delSp modSp mod">
-        <pc:chgData name="Andre Moutas" userId="11f4dd9e3421801c" providerId="LiveId" clId="{6C058E3A-0DFA-49EF-B216-F01535339180}" dt="2020-03-17T15:11:48.627" v="548" actId="1076"/>
+        <pc:chgData name="Andre Moutas" userId="11f4dd9e3421801c" providerId="LiveId" clId="{6C058E3A-0DFA-49EF-B216-F01535339180}" dt="2020-03-18T20:58:18.502" v="549" actId="1076"/>
         <pc:sldMkLst>
           <pc:docMk/>
           <pc:sldMk cId="1147159589" sldId="261"/>
@@ -159,7 +228,7 @@
           </ac:spMkLst>
         </pc:spChg>
         <pc:graphicFrameChg chg="add mod modGraphic">
-          <ac:chgData name="Andre Moutas" userId="11f4dd9e3421801c" providerId="LiveId" clId="{6C058E3A-0DFA-49EF-B216-F01535339180}" dt="2020-03-17T15:11:35.364" v="547" actId="20577"/>
+          <ac:chgData name="Andre Moutas" userId="11f4dd9e3421801c" providerId="LiveId" clId="{6C058E3A-0DFA-49EF-B216-F01535339180}" dt="2020-03-18T20:58:18.502" v="549" actId="1076"/>
           <ac:graphicFrameMkLst>
             <pc:docMk/>
             <pc:sldMk cId="1147159589" sldId="261"/>
@@ -168,7 +237,7 @@
         </pc:graphicFrameChg>
       </pc:sldChg>
       <pc:sldChg chg="addSp delSp modSp add mod">
-        <pc:chgData name="Andre Moutas" userId="11f4dd9e3421801c" providerId="LiveId" clId="{6C058E3A-0DFA-49EF-B216-F01535339180}" dt="2020-03-17T14:58:18.003" v="406" actId="1076"/>
+        <pc:chgData name="Andre Moutas" userId="11f4dd9e3421801c" providerId="LiveId" clId="{6C058E3A-0DFA-49EF-B216-F01535339180}" dt="2020-03-18T20:58:26.336" v="550" actId="1076"/>
         <pc:sldMkLst>
           <pc:docMk/>
           <pc:sldMk cId="129181667" sldId="262"/>
@@ -222,7 +291,7 @@
           </ac:graphicFrameMkLst>
         </pc:graphicFrameChg>
         <pc:graphicFrameChg chg="add mod modGraphic">
-          <ac:chgData name="Andre Moutas" userId="11f4dd9e3421801c" providerId="LiveId" clId="{6C058E3A-0DFA-49EF-B216-F01535339180}" dt="2020-03-17T14:58:18.003" v="406" actId="1076"/>
+          <ac:chgData name="Andre Moutas" userId="11f4dd9e3421801c" providerId="LiveId" clId="{6C058E3A-0DFA-49EF-B216-F01535339180}" dt="2020-03-18T20:58:26.336" v="550" actId="1076"/>
           <ac:graphicFrameMkLst>
             <pc:docMk/>
             <pc:sldMk cId="129181667" sldId="262"/>
@@ -463,7 +532,7 @@
           <a:p>
             <a:fld id="{EFC4EFF7-0A14-4391-90A5-4F7FFA3E6BB6}" type="datetimeFigureOut">
               <a:rPr lang="en-GB" smtClean="0"/>
-              <a:t>17/03/2020</a:t>
+              <a:t>18/03/2020</a:t>
             </a:fld>
             <a:endParaRPr lang="en-GB"/>
           </a:p>
@@ -663,7 +732,7 @@
           <a:p>
             <a:fld id="{EFC4EFF7-0A14-4391-90A5-4F7FFA3E6BB6}" type="datetimeFigureOut">
               <a:rPr lang="en-GB" smtClean="0"/>
-              <a:t>17/03/2020</a:t>
+              <a:t>18/03/2020</a:t>
             </a:fld>
             <a:endParaRPr lang="en-GB"/>
           </a:p>
@@ -873,7 +942,7 @@
           <a:p>
             <a:fld id="{EFC4EFF7-0A14-4391-90A5-4F7FFA3E6BB6}" type="datetimeFigureOut">
               <a:rPr lang="en-GB" smtClean="0"/>
-              <a:t>17/03/2020</a:t>
+              <a:t>18/03/2020</a:t>
             </a:fld>
             <a:endParaRPr lang="en-GB"/>
           </a:p>
@@ -1073,7 +1142,7 @@
           <a:p>
             <a:fld id="{EFC4EFF7-0A14-4391-90A5-4F7FFA3E6BB6}" type="datetimeFigureOut">
               <a:rPr lang="en-GB" smtClean="0"/>
-              <a:t>17/03/2020</a:t>
+              <a:t>18/03/2020</a:t>
             </a:fld>
             <a:endParaRPr lang="en-GB"/>
           </a:p>
@@ -1349,7 +1418,7 @@
           <a:p>
             <a:fld id="{EFC4EFF7-0A14-4391-90A5-4F7FFA3E6BB6}" type="datetimeFigureOut">
               <a:rPr lang="en-GB" smtClean="0"/>
-              <a:t>17/03/2020</a:t>
+              <a:t>18/03/2020</a:t>
             </a:fld>
             <a:endParaRPr lang="en-GB"/>
           </a:p>
@@ -1617,7 +1686,7 @@
           <a:p>
             <a:fld id="{EFC4EFF7-0A14-4391-90A5-4F7FFA3E6BB6}" type="datetimeFigureOut">
               <a:rPr lang="en-GB" smtClean="0"/>
-              <a:t>17/03/2020</a:t>
+              <a:t>18/03/2020</a:t>
             </a:fld>
             <a:endParaRPr lang="en-GB"/>
           </a:p>
@@ -2032,7 +2101,7 @@
           <a:p>
             <a:fld id="{EFC4EFF7-0A14-4391-90A5-4F7FFA3E6BB6}" type="datetimeFigureOut">
               <a:rPr lang="en-GB" smtClean="0"/>
-              <a:t>17/03/2020</a:t>
+              <a:t>18/03/2020</a:t>
             </a:fld>
             <a:endParaRPr lang="en-GB"/>
           </a:p>
@@ -2174,7 +2243,7 @@
           <a:p>
             <a:fld id="{EFC4EFF7-0A14-4391-90A5-4F7FFA3E6BB6}" type="datetimeFigureOut">
               <a:rPr lang="en-GB" smtClean="0"/>
-              <a:t>17/03/2020</a:t>
+              <a:t>18/03/2020</a:t>
             </a:fld>
             <a:endParaRPr lang="en-GB"/>
           </a:p>
@@ -2287,7 +2356,7 @@
           <a:p>
             <a:fld id="{EFC4EFF7-0A14-4391-90A5-4F7FFA3E6BB6}" type="datetimeFigureOut">
               <a:rPr lang="en-GB" smtClean="0"/>
-              <a:t>17/03/2020</a:t>
+              <a:t>18/03/2020</a:t>
             </a:fld>
             <a:endParaRPr lang="en-GB"/>
           </a:p>
@@ -2600,7 +2669,7 @@
           <a:p>
             <a:fld id="{EFC4EFF7-0A14-4391-90A5-4F7FFA3E6BB6}" type="datetimeFigureOut">
               <a:rPr lang="en-GB" smtClean="0"/>
-              <a:t>17/03/2020</a:t>
+              <a:t>18/03/2020</a:t>
             </a:fld>
             <a:endParaRPr lang="en-GB"/>
           </a:p>
@@ -2889,7 +2958,7 @@
           <a:p>
             <a:fld id="{EFC4EFF7-0A14-4391-90A5-4F7FFA3E6BB6}" type="datetimeFigureOut">
               <a:rPr lang="en-GB" smtClean="0"/>
-              <a:t>17/03/2020</a:t>
+              <a:t>18/03/2020</a:t>
             </a:fld>
             <a:endParaRPr lang="en-GB"/>
           </a:p>
@@ -3132,7 +3201,7 @@
           <a:p>
             <a:fld id="{EFC4EFF7-0A14-4391-90A5-4F7FFA3E6BB6}" type="datetimeFigureOut">
               <a:rPr lang="en-GB" smtClean="0"/>
-              <a:t>17/03/2020</a:t>
+              <a:t>18/03/2020</a:t>
             </a:fld>
             <a:endParaRPr lang="en-GB"/>
           </a:p>
@@ -4705,250 +4774,627 @@
             <p:ph idx="1"/>
           </p:nvPr>
         </p:nvSpPr>
-        <p:spPr/>
-        <p:txBody>
-          <a:bodyPr/>
+        <p:spPr>
+          <a:xfrm>
+            <a:off x="838200" y="1322896"/>
+            <a:ext cx="10515600" cy="5601687"/>
+          </a:xfrm>
+        </p:spPr>
+        <p:txBody>
+          <a:bodyPr>
+            <a:normAutofit/>
+          </a:bodyPr>
           <a:lstStyle/>
           <a:p>
+            <a:pPr marL="0" indent="0" algn="just">
+              <a:buNone/>
+            </a:pPr>
+            <a:r>
+              <a:rPr lang="en-GB" sz="2000" dirty="0"/>
+              <a:t>	O </a:t>
+            </a:r>
+            <a:r>
+              <a:rPr lang="en-GB" sz="2000" dirty="0" err="1"/>
+              <a:t>estado</a:t>
+            </a:r>
+            <a:r>
+              <a:rPr lang="en-GB" sz="2000" dirty="0"/>
+              <a:t> </a:t>
+            </a:r>
+            <a:r>
+              <a:rPr lang="en-GB" sz="2000" dirty="0" err="1"/>
+              <a:t>inicial</a:t>
+            </a:r>
+            <a:r>
+              <a:rPr lang="en-GB" sz="2000" dirty="0"/>
+              <a:t> é </a:t>
+            </a:r>
+            <a:r>
+              <a:rPr lang="en-GB" sz="2000" dirty="0" err="1"/>
+              <a:t>representado</a:t>
+            </a:r>
+            <a:r>
+              <a:rPr lang="en-GB" sz="2000" dirty="0"/>
+              <a:t> por um </a:t>
+            </a:r>
+            <a:r>
+              <a:rPr lang="en-GB" sz="2000" i="1" dirty="0"/>
+              <a:t>array</a:t>
+            </a:r>
+            <a:r>
+              <a:rPr lang="en-GB" sz="2000" dirty="0"/>
+              <a:t> de </a:t>
+            </a:r>
+            <a:r>
+              <a:rPr lang="en-GB" sz="2000" dirty="0" err="1"/>
+              <a:t>inteiros</a:t>
+            </a:r>
+            <a:r>
+              <a:rPr lang="en-GB" sz="2000" dirty="0"/>
+              <a:t> de 64 </a:t>
+            </a:r>
+            <a:r>
+              <a:rPr lang="en-GB" sz="2000" dirty="0" err="1"/>
+              <a:t>elementos</a:t>
+            </a:r>
+            <a:r>
+              <a:rPr lang="en-GB" sz="2000" dirty="0"/>
+              <a:t> (</a:t>
+            </a:r>
+            <a:r>
+              <a:rPr lang="en-GB" sz="2000" dirty="0" err="1"/>
+              <a:t>representante</a:t>
+            </a:r>
+            <a:r>
+              <a:rPr lang="en-GB" sz="2000" dirty="0"/>
+              <a:t> do </a:t>
+            </a:r>
+            <a:r>
+              <a:rPr lang="en-GB" sz="2000" i="1" dirty="0"/>
+              <a:t>board</a:t>
+            </a:r>
+            <a:r>
+              <a:rPr lang="en-GB" sz="2000" dirty="0"/>
+              <a:t> 8x8), </a:t>
+            </a:r>
+            <a:r>
+              <a:rPr lang="en-GB" sz="2000" dirty="0" err="1"/>
+              <a:t>em</a:t>
+            </a:r>
+            <a:r>
+              <a:rPr lang="en-GB" sz="2000" dirty="0"/>
+              <a:t> que um 0 </a:t>
+            </a:r>
+            <a:r>
+              <a:rPr lang="en-GB" sz="2000" dirty="0" err="1"/>
+              <a:t>representa</a:t>
+            </a:r>
+            <a:r>
+              <a:rPr lang="en-GB" sz="2000" dirty="0"/>
+              <a:t> </a:t>
+            </a:r>
+            <a:r>
+              <a:rPr lang="en-GB" sz="2000" dirty="0" err="1"/>
+              <a:t>uma</a:t>
+            </a:r>
+            <a:r>
+              <a:rPr lang="en-GB" sz="2000" dirty="0"/>
+              <a:t> </a:t>
+            </a:r>
+            <a:r>
+              <a:rPr lang="en-GB" sz="2000" dirty="0" err="1"/>
+              <a:t>célula</a:t>
+            </a:r>
+            <a:r>
+              <a:rPr lang="en-GB" sz="2000" dirty="0"/>
+              <a:t> </a:t>
+            </a:r>
+            <a:r>
+              <a:rPr lang="en-GB" sz="2000" dirty="0" err="1"/>
+              <a:t>vazia</a:t>
+            </a:r>
+            <a:r>
+              <a:rPr lang="en-GB" sz="2000" dirty="0"/>
+              <a:t>, um 1 </a:t>
+            </a:r>
+            <a:r>
+              <a:rPr lang="en-GB" sz="2000" dirty="0" err="1"/>
+              <a:t>uma</a:t>
+            </a:r>
+            <a:r>
+              <a:rPr lang="en-GB" sz="2000" dirty="0"/>
+              <a:t> </a:t>
+            </a:r>
+            <a:r>
+              <a:rPr lang="en-GB" sz="2000" dirty="0" err="1"/>
+              <a:t>célula</a:t>
+            </a:r>
+            <a:r>
+              <a:rPr lang="en-GB" sz="2000" dirty="0"/>
+              <a:t> com </a:t>
+            </a:r>
+            <a:r>
+              <a:rPr lang="en-GB" sz="2000" dirty="0" err="1"/>
+              <a:t>uma</a:t>
+            </a:r>
+            <a:r>
+              <a:rPr lang="en-GB" sz="2000" dirty="0"/>
+              <a:t> </a:t>
+            </a:r>
+            <a:r>
+              <a:rPr lang="en-GB" sz="2000" dirty="0" err="1"/>
+              <a:t>peça</a:t>
+            </a:r>
+            <a:r>
+              <a:rPr lang="en-GB" sz="2000" dirty="0"/>
+              <a:t> </a:t>
+            </a:r>
+            <a:r>
+              <a:rPr lang="en-GB" sz="2000" dirty="0" err="1"/>
+              <a:t>branca</a:t>
+            </a:r>
+            <a:r>
+              <a:rPr lang="en-GB" sz="2000" dirty="0"/>
+              <a:t> e um 2 </a:t>
+            </a:r>
+            <a:r>
+              <a:rPr lang="en-GB" sz="2000" dirty="0" err="1"/>
+              <a:t>uma</a:t>
+            </a:r>
+            <a:r>
+              <a:rPr lang="en-GB" sz="2000" dirty="0"/>
+              <a:t> </a:t>
+            </a:r>
+            <a:r>
+              <a:rPr lang="en-GB" sz="2000" dirty="0" err="1"/>
+              <a:t>peça</a:t>
+            </a:r>
+            <a:r>
+              <a:rPr lang="en-GB" sz="2000" dirty="0"/>
+              <a:t> </a:t>
+            </a:r>
+            <a:r>
+              <a:rPr lang="en-GB" sz="2000" dirty="0" err="1"/>
+              <a:t>preta</a:t>
+            </a:r>
+            <a:r>
+              <a:rPr lang="en-GB" sz="2000" dirty="0"/>
+              <a:t>. </a:t>
+            </a:r>
+          </a:p>
+          <a:p>
+            <a:pPr marL="0" indent="0" algn="just">
+              <a:buNone/>
+            </a:pPr>
+            <a:r>
+              <a:rPr lang="en-GB" sz="2000" dirty="0"/>
+              <a:t>Para </a:t>
+            </a:r>
+            <a:r>
+              <a:rPr lang="en-GB" sz="2000" dirty="0" err="1"/>
+              <a:t>uma</a:t>
+            </a:r>
+            <a:r>
+              <a:rPr lang="en-GB" sz="2000" dirty="0"/>
+              <a:t> </a:t>
+            </a:r>
+            <a:r>
+              <a:rPr lang="en-GB" sz="2000" dirty="0" err="1"/>
+              <a:t>melhor</a:t>
+            </a:r>
+            <a:r>
+              <a:rPr lang="en-GB" sz="2000" dirty="0"/>
+              <a:t> </a:t>
+            </a:r>
+            <a:r>
+              <a:rPr lang="en-GB" sz="2000" dirty="0" err="1"/>
+              <a:t>legibilidade</a:t>
+            </a:r>
+            <a:r>
+              <a:rPr lang="en-GB" sz="2000" dirty="0"/>
+              <a:t>, </a:t>
+            </a:r>
+            <a:r>
+              <a:rPr lang="en-GB" sz="2000" dirty="0" err="1"/>
+              <a:t>foram</a:t>
+            </a:r>
+            <a:r>
+              <a:rPr lang="en-GB" sz="2000" dirty="0"/>
+              <a:t> </a:t>
+            </a:r>
+            <a:r>
+              <a:rPr lang="en-GB" sz="2000" dirty="0" err="1"/>
+              <a:t>definidas</a:t>
+            </a:r>
+            <a:r>
+              <a:rPr lang="en-GB" sz="2000" dirty="0"/>
+              <a:t> as </a:t>
+            </a:r>
+            <a:r>
+              <a:rPr lang="en-GB" sz="2000" dirty="0" err="1"/>
+              <a:t>seguintes</a:t>
+            </a:r>
+            <a:r>
+              <a:rPr lang="en-GB" sz="2000" dirty="0"/>
+              <a:t> </a:t>
+            </a:r>
+            <a:r>
+              <a:rPr lang="en-GB" sz="2000" dirty="0" err="1"/>
+              <a:t>constantes</a:t>
+            </a:r>
+            <a:r>
+              <a:rPr lang="en-GB" sz="2000" dirty="0"/>
+              <a:t>:</a:t>
+            </a:r>
+          </a:p>
+          <a:p>
             <a:pPr marL="0" indent="0">
               <a:buNone/>
             </a:pPr>
-            <a:r>
-              <a:rPr lang="en-GB" sz="2400" dirty="0"/>
-              <a:t>O </a:t>
-            </a:r>
-            <a:r>
-              <a:rPr lang="en-GB" sz="2400" dirty="0" err="1"/>
-              <a:t>estado</a:t>
-            </a:r>
-            <a:r>
-              <a:rPr lang="en-GB" sz="2400" dirty="0"/>
+            <a:endParaRPr lang="en-GB" sz="2400" dirty="0"/>
+          </a:p>
+          <a:p>
+            <a:pPr marL="0" indent="0">
+              <a:buNone/>
+            </a:pPr>
+            <a:endParaRPr lang="en-GB" sz="2400" dirty="0"/>
+          </a:p>
+          <a:p>
+            <a:pPr marL="0" indent="0">
+              <a:buNone/>
+            </a:pPr>
+            <a:endParaRPr lang="en-GB" sz="2400" dirty="0"/>
+          </a:p>
+          <a:p>
+            <a:pPr marL="0" indent="0">
+              <a:buNone/>
+            </a:pPr>
+            <a:endParaRPr lang="en-GB" sz="2000" dirty="0"/>
+          </a:p>
+          <a:p>
+            <a:pPr marL="0" indent="0">
+              <a:buNone/>
+            </a:pPr>
+            <a:endParaRPr lang="en-GB" sz="2000" dirty="0"/>
+          </a:p>
+          <a:p>
+            <a:pPr marL="0" indent="0" algn="just">
+              <a:lnSpc>
+                <a:spcPct val="100000"/>
+              </a:lnSpc>
+              <a:buNone/>
+            </a:pPr>
+            <a:r>
+              <a:rPr lang="en-GB" sz="2000" dirty="0"/>
+              <a:t>	A </a:t>
+            </a:r>
+            <a:r>
+              <a:rPr lang="en-GB" sz="2000" dirty="0" err="1"/>
+              <a:t>função</a:t>
+            </a:r>
+            <a:r>
+              <a:rPr lang="en-GB" sz="2000" dirty="0"/>
+              <a:t> de </a:t>
+            </a:r>
+            <a:r>
+              <a:rPr lang="en-GB" sz="2000" dirty="0" err="1"/>
+              <a:t>avaliação</a:t>
+            </a:r>
+            <a:r>
+              <a:rPr lang="en-GB" sz="2000" dirty="0"/>
+              <a:t> que </a:t>
+            </a:r>
+            <a:r>
+              <a:rPr lang="en-GB" sz="2000" dirty="0" err="1"/>
+              <a:t>irá</a:t>
+            </a:r>
+            <a:r>
+              <a:rPr lang="en-GB" sz="2000" dirty="0"/>
+              <a:t> ser </a:t>
+            </a:r>
+            <a:r>
+              <a:rPr lang="en-GB" sz="2000" dirty="0" err="1"/>
+              <a:t>utilizada</a:t>
+            </a:r>
+            <a:r>
+              <a:rPr lang="en-GB" sz="2000" dirty="0"/>
               <a:t> </a:t>
             </a:r>
             <a:r>
-              <a:rPr lang="en-GB" sz="2400" dirty="0" err="1"/>
-              <a:t>inicial</a:t>
-            </a:r>
-            <a:r>
-              <a:rPr lang="en-GB" sz="2400" dirty="0"/>
-              <a:t> é </a:t>
-            </a:r>
-            <a:r>
-              <a:rPr lang="en-GB" sz="2400" dirty="0" err="1"/>
-              <a:t>representado</a:t>
-            </a:r>
-            <a:r>
-              <a:rPr lang="en-GB" sz="2400" dirty="0"/>
-              <a:t> por um </a:t>
-            </a:r>
-            <a:r>
-              <a:rPr lang="en-GB" sz="2400" i="1" dirty="0"/>
-              <a:t>array</a:t>
-            </a:r>
-            <a:r>
-              <a:rPr lang="en-GB" sz="2400" dirty="0"/>
+              <a:rPr lang="en-GB" sz="2000" dirty="0" err="1"/>
+              <a:t>levará</a:t>
+            </a:r>
+            <a:r>
+              <a:rPr lang="en-GB" sz="2000" dirty="0"/>
+              <a:t> </a:t>
+            </a:r>
+            <a:r>
+              <a:rPr lang="en-GB" sz="2000" dirty="0" err="1"/>
+              <a:t>sobretudo</a:t>
+            </a:r>
+            <a:r>
+              <a:rPr lang="en-GB" sz="2000" dirty="0"/>
+              <a:t> </a:t>
+            </a:r>
+            <a:r>
+              <a:rPr lang="en-GB" sz="2000" dirty="0" err="1"/>
+              <a:t>em</a:t>
+            </a:r>
+            <a:r>
+              <a:rPr lang="en-GB" sz="2000" dirty="0"/>
+              <a:t> </a:t>
+            </a:r>
+            <a:r>
+              <a:rPr lang="en-GB" sz="2000" dirty="0" err="1"/>
+              <a:t>conta</a:t>
+            </a:r>
+            <a:r>
+              <a:rPr lang="en-GB" sz="2000" dirty="0"/>
+              <a:t> o </a:t>
+            </a:r>
+            <a:r>
+              <a:rPr lang="en-GB" sz="2000" dirty="0" err="1"/>
+              <a:t>número</a:t>
+            </a:r>
+            <a:r>
+              <a:rPr lang="en-GB" sz="2000" dirty="0"/>
               <a:t> de </a:t>
             </a:r>
             <a:r>
-              <a:rPr lang="en-GB" sz="2400" dirty="0" err="1"/>
-              <a:t>inteiros</a:t>
-            </a:r>
-            <a:r>
-              <a:rPr lang="en-GB" sz="2400" dirty="0"/>
-              <a:t> de 64 </a:t>
-            </a:r>
-            <a:r>
-              <a:rPr lang="en-GB" sz="2400" dirty="0" err="1"/>
-              <a:t>elementos</a:t>
-            </a:r>
-            <a:r>
-              <a:rPr lang="en-GB" sz="2400" dirty="0"/>
+              <a:rPr lang="en-GB" sz="2000" dirty="0" err="1"/>
+              <a:t>peças</a:t>
+            </a:r>
+            <a:r>
+              <a:rPr lang="en-GB" sz="2000" dirty="0"/>
+              <a:t> no </a:t>
+            </a:r>
+            <a:r>
+              <a:rPr lang="en-GB" sz="2000" dirty="0" err="1"/>
+              <a:t>tabuleiro</a:t>
+            </a:r>
+            <a:r>
+              <a:rPr lang="en-GB" sz="2000" dirty="0"/>
+              <a:t>, </a:t>
+            </a:r>
+            <a:r>
+              <a:rPr lang="en-GB" sz="2000" dirty="0" err="1"/>
+              <a:t>sendo</a:t>
+            </a:r>
+            <a:r>
+              <a:rPr lang="en-GB" sz="2000" dirty="0"/>
+              <a:t> que a </a:t>
+            </a:r>
+            <a:r>
+              <a:rPr lang="en-GB" sz="2000" dirty="0" err="1"/>
+              <a:t>avaliação</a:t>
+            </a:r>
+            <a:r>
+              <a:rPr lang="en-GB" sz="2000" dirty="0"/>
+              <a:t> </a:t>
+            </a:r>
+            <a:r>
+              <a:rPr lang="en-GB" sz="2000" dirty="0" err="1"/>
+              <a:t>será</a:t>
+            </a:r>
+            <a:r>
+              <a:rPr lang="en-GB" sz="2000" dirty="0"/>
+              <a:t> tanto </a:t>
+            </a:r>
+            <a:r>
+              <a:rPr lang="en-GB" sz="2000" dirty="0" err="1"/>
+              <a:t>maior</a:t>
+            </a:r>
+            <a:r>
+              <a:rPr lang="en-GB" sz="2000" dirty="0"/>
+              <a:t> </a:t>
+            </a:r>
+            <a:r>
+              <a:rPr lang="en-GB" sz="2000" dirty="0" err="1"/>
+              <a:t>quanto</a:t>
+            </a:r>
+            <a:r>
+              <a:rPr lang="en-GB" sz="2000" dirty="0"/>
+              <a:t> </a:t>
+            </a:r>
+            <a:r>
+              <a:rPr lang="en-GB" sz="2000" dirty="0" err="1"/>
+              <a:t>maior</a:t>
+            </a:r>
+            <a:r>
+              <a:rPr lang="en-GB" sz="2000" dirty="0"/>
+              <a:t> for </a:t>
+            </a:r>
+            <a:r>
+              <a:rPr lang="en-GB" sz="2000" dirty="0" err="1"/>
+              <a:t>esse</a:t>
+            </a:r>
+            <a:r>
+              <a:rPr lang="en-GB" sz="2000" dirty="0"/>
+              <a:t> </a:t>
+            </a:r>
+            <a:r>
+              <a:rPr lang="en-GB" sz="2000" dirty="0" err="1"/>
+              <a:t>número</a:t>
+            </a:r>
+            <a:r>
+              <a:rPr lang="en-GB" sz="2000" dirty="0"/>
+              <a:t>. No </a:t>
+            </a:r>
+            <a:r>
+              <a:rPr lang="en-GB" sz="2000" dirty="0" err="1"/>
+              <a:t>entanto</a:t>
+            </a:r>
+            <a:r>
+              <a:rPr lang="en-GB" sz="2000" dirty="0"/>
+              <a:t>, com </a:t>
+            </a:r>
+            <a:r>
+              <a:rPr lang="en-GB" sz="2000" dirty="0" err="1"/>
+              <a:t>menor</a:t>
+            </a:r>
+            <a:r>
+              <a:rPr lang="en-GB" sz="2000" dirty="0"/>
+              <a:t> peso, </a:t>
+            </a:r>
+            <a:r>
+              <a:rPr lang="en-GB" sz="2000" dirty="0" err="1"/>
+              <a:t>será</a:t>
+            </a:r>
+            <a:r>
+              <a:rPr lang="en-GB" sz="2000" dirty="0"/>
+              <a:t> </a:t>
+            </a:r>
+            <a:r>
+              <a:rPr lang="en-GB" sz="2000" dirty="0" err="1"/>
+              <a:t>também</a:t>
+            </a:r>
+            <a:r>
+              <a:rPr lang="en-GB" sz="2000" dirty="0"/>
+              <a:t> </a:t>
+            </a:r>
+            <a:r>
+              <a:rPr lang="en-GB" sz="2000" dirty="0" err="1"/>
+              <a:t>avaliada</a:t>
+            </a:r>
+            <a:r>
+              <a:rPr lang="en-GB" sz="2000" dirty="0"/>
+              <a:t> a </a:t>
+            </a:r>
+            <a:r>
+              <a:rPr lang="en-GB" sz="2000" dirty="0" err="1"/>
+              <a:t>posição</a:t>
+            </a:r>
+            <a:r>
+              <a:rPr lang="en-GB" sz="2000" dirty="0"/>
+              <a:t> das </a:t>
+            </a:r>
+            <a:r>
+              <a:rPr lang="en-GB" sz="2000" dirty="0" err="1"/>
+              <a:t>peças</a:t>
+            </a:r>
+            <a:r>
+              <a:rPr lang="en-GB" sz="2000" dirty="0"/>
               <a:t> (</a:t>
             </a:r>
             <a:r>
-              <a:rPr lang="en-GB" sz="2400" dirty="0" err="1"/>
-              <a:t>representante</a:t>
-            </a:r>
-            <a:r>
-              <a:rPr lang="en-GB" sz="2400" dirty="0"/>
+              <a:rPr lang="en-GB" sz="2000" dirty="0" err="1"/>
+              <a:t>sendo</a:t>
+            </a:r>
+            <a:r>
+              <a:rPr lang="en-GB" sz="2000" dirty="0"/>
+              <a:t> </a:t>
+            </a:r>
+            <a:r>
+              <a:rPr lang="en-GB" sz="2000" dirty="0" err="1"/>
+              <a:t>mais</a:t>
+            </a:r>
+            <a:r>
+              <a:rPr lang="en-GB" sz="2000" dirty="0"/>
+              <a:t> </a:t>
+            </a:r>
+            <a:r>
+              <a:rPr lang="en-GB" sz="2000" dirty="0" err="1"/>
+              <a:t>favorável</a:t>
+            </a:r>
+            <a:r>
+              <a:rPr lang="en-GB" sz="2000" dirty="0"/>
+              <a:t> </a:t>
+            </a:r>
+            <a:r>
+              <a:rPr lang="en-GB" sz="2000" dirty="0" err="1"/>
+              <a:t>quando</a:t>
+            </a:r>
+            <a:r>
+              <a:rPr lang="en-GB" sz="2000" dirty="0"/>
+              <a:t> se </a:t>
+            </a:r>
+            <a:r>
+              <a:rPr lang="en-GB" sz="2000" dirty="0" err="1"/>
+              <a:t>encontram</a:t>
+            </a:r>
+            <a:r>
+              <a:rPr lang="en-GB" sz="2000" dirty="0"/>
+              <a:t> </a:t>
+            </a:r>
+            <a:r>
+              <a:rPr lang="en-GB" sz="2000" dirty="0" err="1"/>
+              <a:t>mais</a:t>
+            </a:r>
+            <a:r>
+              <a:rPr lang="en-GB" sz="2000" dirty="0"/>
+              <a:t> </a:t>
+            </a:r>
+            <a:r>
+              <a:rPr lang="en-GB" sz="2000" dirty="0" err="1"/>
+              <a:t>perto</a:t>
+            </a:r>
+            <a:r>
+              <a:rPr lang="en-GB" sz="2000" dirty="0"/>
+              <a:t> da </a:t>
+            </a:r>
+            <a:r>
+              <a:rPr lang="en-GB" sz="2000" dirty="0" err="1"/>
+              <a:t>outra</a:t>
+            </a:r>
+            <a:r>
+              <a:rPr lang="en-GB" sz="2000" dirty="0"/>
+              <a:t> </a:t>
+            </a:r>
+            <a:r>
+              <a:rPr lang="en-GB" sz="2000" dirty="0" err="1"/>
+              <a:t>ponta</a:t>
+            </a:r>
+            <a:r>
+              <a:rPr lang="en-GB" sz="2000" dirty="0"/>
               <a:t> do </a:t>
             </a:r>
             <a:r>
-              <a:rPr lang="en-GB" sz="2400" i="1" dirty="0"/>
-              <a:t>board</a:t>
-            </a:r>
-            <a:r>
-              <a:rPr lang="en-GB" sz="2400" dirty="0"/>
-              <a:t> 8x8), </a:t>
-            </a:r>
-            <a:r>
-              <a:rPr lang="en-GB" sz="2400" dirty="0" err="1"/>
-              <a:t>em</a:t>
-            </a:r>
-            <a:r>
-              <a:rPr lang="en-GB" sz="2400" dirty="0"/>
-              <a:t> que um 0 </a:t>
-            </a:r>
-            <a:r>
-              <a:rPr lang="en-GB" sz="2400" dirty="0" err="1"/>
-              <a:t>representa</a:t>
-            </a:r>
-            <a:r>
-              <a:rPr lang="en-GB" sz="2400" dirty="0"/>
+              <a:rPr lang="en-GB" sz="2000" dirty="0" err="1"/>
+              <a:t>tabuleiro</a:t>
+            </a:r>
+            <a:r>
+              <a:rPr lang="en-GB" sz="2000" dirty="0"/>
+              <a:t>) e o </a:t>
+            </a:r>
+            <a:r>
+              <a:rPr lang="en-GB" sz="2000" dirty="0" err="1"/>
+              <a:t>número</a:t>
+            </a:r>
+            <a:r>
+              <a:rPr lang="en-GB" sz="2000" dirty="0"/>
+              <a:t> de </a:t>
+            </a:r>
+            <a:r>
+              <a:rPr lang="en-GB" sz="2000" dirty="0" err="1"/>
+              <a:t>movimentos</a:t>
+            </a:r>
+            <a:r>
+              <a:rPr lang="en-GB" sz="2000" dirty="0"/>
               <a:t> </a:t>
             </a:r>
             <a:r>
-              <a:rPr lang="en-GB" sz="2400" dirty="0" err="1"/>
-              <a:t>uma</a:t>
-            </a:r>
-            <a:r>
-              <a:rPr lang="en-GB" sz="2400" dirty="0"/>
-              <a:t> </a:t>
-            </a:r>
-            <a:r>
-              <a:rPr lang="en-GB" sz="2400" dirty="0" err="1"/>
-              <a:t>célula</a:t>
-            </a:r>
-            <a:r>
-              <a:rPr lang="en-GB" sz="2400" dirty="0"/>
-              <a:t> </a:t>
-            </a:r>
-            <a:r>
-              <a:rPr lang="en-GB" sz="2400" dirty="0" err="1"/>
-              <a:t>vazia</a:t>
-            </a:r>
-            <a:r>
-              <a:rPr lang="en-GB" sz="2400" dirty="0"/>
-              <a:t>, um 1 </a:t>
-            </a:r>
-            <a:r>
-              <a:rPr lang="en-GB" sz="2400" dirty="0" err="1"/>
-              <a:t>uma</a:t>
-            </a:r>
-            <a:r>
-              <a:rPr lang="en-GB" sz="2400" dirty="0"/>
-              <a:t> </a:t>
-            </a:r>
-            <a:r>
-              <a:rPr lang="en-GB" sz="2400" dirty="0" err="1"/>
-              <a:t>célula</a:t>
-            </a:r>
-            <a:r>
-              <a:rPr lang="en-GB" sz="2400" dirty="0"/>
-              <a:t> com </a:t>
-            </a:r>
-            <a:r>
-              <a:rPr lang="en-GB" sz="2400" dirty="0" err="1"/>
-              <a:t>uma</a:t>
-            </a:r>
-            <a:r>
-              <a:rPr lang="en-GB" sz="2400" dirty="0"/>
-              <a:t> </a:t>
-            </a:r>
-            <a:r>
-              <a:rPr lang="en-GB" sz="2400" dirty="0" err="1"/>
-              <a:t>peça</a:t>
-            </a:r>
-            <a:r>
-              <a:rPr lang="en-GB" sz="2400" dirty="0"/>
-              <a:t> </a:t>
-            </a:r>
-            <a:r>
-              <a:rPr lang="en-GB" sz="2400" dirty="0" err="1"/>
-              <a:t>branca</a:t>
-            </a:r>
-            <a:r>
-              <a:rPr lang="en-GB" sz="2400" dirty="0"/>
-              <a:t> e um 2 </a:t>
-            </a:r>
-            <a:r>
-              <a:rPr lang="en-GB" sz="2400" dirty="0" err="1"/>
-              <a:t>uma</a:t>
-            </a:r>
-            <a:r>
-              <a:rPr lang="en-GB" sz="2400" dirty="0"/>
-              <a:t> </a:t>
-            </a:r>
-            <a:r>
-              <a:rPr lang="en-GB" sz="2400" dirty="0" err="1"/>
-              <a:t>peça</a:t>
-            </a:r>
-            <a:r>
-              <a:rPr lang="en-GB" sz="2400" dirty="0"/>
-              <a:t> </a:t>
-            </a:r>
-            <a:r>
-              <a:rPr lang="en-GB" sz="2400" dirty="0" err="1"/>
-              <a:t>preta</a:t>
-            </a:r>
-            <a:r>
-              <a:rPr lang="en-GB" sz="2400" dirty="0"/>
-              <a:t>. </a:t>
-            </a:r>
-          </a:p>
-          <a:p>
-            <a:pPr marL="0" indent="0">
-              <a:buNone/>
-            </a:pPr>
-            <a:r>
-              <a:rPr lang="en-GB" sz="2400" dirty="0"/>
-              <a:t>Para </a:t>
-            </a:r>
-            <a:r>
-              <a:rPr lang="en-GB" sz="2400" dirty="0" err="1"/>
-              <a:t>uma</a:t>
-            </a:r>
-            <a:r>
-              <a:rPr lang="en-GB" sz="2400" dirty="0"/>
-              <a:t> </a:t>
-            </a:r>
-            <a:r>
-              <a:rPr lang="en-GB" sz="2400" dirty="0" err="1"/>
-              <a:t>melhor</a:t>
-            </a:r>
-            <a:r>
-              <a:rPr lang="en-GB" sz="2400" dirty="0"/>
-              <a:t> </a:t>
-            </a:r>
-            <a:r>
-              <a:rPr lang="en-GB" sz="2400" dirty="0" err="1"/>
-              <a:t>legibilidade</a:t>
-            </a:r>
-            <a:r>
-              <a:rPr lang="en-GB" sz="2400" dirty="0"/>
-              <a:t>, </a:t>
-            </a:r>
-            <a:r>
-              <a:rPr lang="en-GB" sz="2400" dirty="0" err="1"/>
-              <a:t>foram</a:t>
-            </a:r>
-            <a:r>
-              <a:rPr lang="en-GB" sz="2400" dirty="0"/>
-              <a:t> </a:t>
-            </a:r>
-            <a:r>
-              <a:rPr lang="en-GB" sz="2400" dirty="0" err="1"/>
-              <a:t>definidas</a:t>
-            </a:r>
-            <a:r>
-              <a:rPr lang="en-GB" sz="2400" dirty="0"/>
-              <a:t> as </a:t>
-            </a:r>
-            <a:r>
-              <a:rPr lang="en-GB" sz="2400" dirty="0" err="1"/>
-              <a:t>seguintes</a:t>
-            </a:r>
-            <a:r>
-              <a:rPr lang="en-GB" sz="2400" dirty="0"/>
-              <a:t> </a:t>
-            </a:r>
-            <a:r>
-              <a:rPr lang="en-GB" sz="2400" dirty="0" err="1"/>
-              <a:t>constantes</a:t>
-            </a:r>
-            <a:r>
-              <a:rPr lang="en-GB" sz="2400" dirty="0"/>
-              <a:t>: </a:t>
+              <a:rPr lang="en-GB" sz="2000" dirty="0" err="1"/>
+              <a:t>possíveis</a:t>
+            </a:r>
+            <a:r>
+              <a:rPr lang="en-GB" sz="2000" dirty="0"/>
+              <a:t> (</a:t>
+            </a:r>
+            <a:r>
+              <a:rPr lang="en-GB" sz="2000" dirty="0" err="1"/>
+              <a:t>proporcional</a:t>
+            </a:r>
+            <a:r>
+              <a:rPr lang="en-GB" sz="2000" dirty="0"/>
+              <a:t> à </a:t>
+            </a:r>
+            <a:r>
+              <a:rPr lang="en-GB" sz="2000" dirty="0" err="1"/>
+              <a:t>avaliação</a:t>
+            </a:r>
+            <a:r>
+              <a:rPr lang="en-GB" sz="2000" dirty="0"/>
+              <a:t>).</a:t>
             </a:r>
           </a:p>
           <a:p>
@@ -4981,8 +5427,8 @@
         </p:blipFill>
         <p:spPr>
           <a:xfrm>
-            <a:off x="4066862" y="4211924"/>
-            <a:ext cx="4058276" cy="1656216"/>
+            <a:off x="6898838" y="2797070"/>
+            <a:ext cx="3727734" cy="1521319"/>
           </a:xfrm>
           <a:prstGeom prst="rect">
             <a:avLst/>
@@ -5007,7 +5453,7 @@
         </p:nvSpPr>
         <p:spPr>
           <a:xfrm>
-            <a:off x="838200" y="365125"/>
+            <a:off x="838200" y="0"/>
             <a:ext cx="10515600" cy="1325563"/>
           </a:xfrm>
         </p:spPr>
@@ -5037,8 +5483,8 @@
         </p:nvSpPr>
         <p:spPr>
           <a:xfrm>
-            <a:off x="4066862" y="5868140"/>
-            <a:ext cx="4433609" cy="338554"/>
+            <a:off x="6810064" y="4318389"/>
+            <a:ext cx="4433609" cy="323165"/>
           </a:xfrm>
           <a:prstGeom prst="rect">
             <a:avLst/>
@@ -5052,14 +5498,72 @@
           <a:lstStyle/>
           <a:p>
             <a:r>
-              <a:rPr lang="pt-PT" sz="1600" dirty="0"/>
+              <a:rPr lang="pt-PT" sz="1500" dirty="0"/>
               <a:t>Figura 2 – Excerto de código da classe </a:t>
             </a:r>
             <a:r>
-              <a:rPr lang="pt-PT" sz="1600" dirty="0" err="1"/>
+              <a:rPr lang="pt-PT" sz="1500" dirty="0" err="1"/>
               <a:t>Constants</a:t>
             </a:r>
-            <a:endParaRPr lang="pt-PT" sz="1600" dirty="0"/>
+            <a:endParaRPr lang="pt-PT" sz="1500" dirty="0"/>
+          </a:p>
+        </p:txBody>
+      </p:sp>
+      <p:sp>
+        <p:nvSpPr>
+          <p:cNvPr id="7" name="Título 1">
+            <a:extLst>
+              <a:ext uri="{FF2B5EF4-FFF2-40B4-BE49-F238E27FC236}">
+                <a16:creationId xmlns:a16="http://schemas.microsoft.com/office/drawing/2014/main" id="{3C7A98C9-AB97-462D-B6C7-A15998BE28BF}"/>
+              </a:ext>
+            </a:extLst>
+          </p:cNvPr>
+          <p:cNvSpPr txBox="1">
+            <a:spLocks/>
+          </p:cNvSpPr>
+          <p:nvPr/>
+        </p:nvSpPr>
+        <p:spPr>
+          <a:xfrm>
+            <a:off x="838200" y="3331380"/>
+            <a:ext cx="10515600" cy="1325563"/>
+          </a:xfrm>
+          <a:prstGeom prst="rect">
+            <a:avLst/>
+          </a:prstGeom>
+        </p:spPr>
+        <p:txBody>
+          <a:bodyPr vert="horz" lIns="91440" tIns="45720" rIns="91440" bIns="45720" rtlCol="0" anchor="ctr">
+            <a:normAutofit/>
+          </a:bodyPr>
+          <a:lstStyle>
+            <a:lvl1pPr algn="l" defTabSz="914400" rtl="0" eaLnBrk="1" latinLnBrk="0" hangingPunct="1">
+              <a:lnSpc>
+                <a:spcPct val="90000"/>
+              </a:lnSpc>
+              <a:spcBef>
+                <a:spcPct val="0"/>
+              </a:spcBef>
+              <a:buNone/>
+              <a:defRPr sz="4400" kern="1200">
+                <a:solidFill>
+                  <a:schemeClr val="tx1"/>
+                </a:solidFill>
+                <a:latin typeface="+mj-lt"/>
+                <a:ea typeface="+mj-ea"/>
+                <a:cs typeface="+mj-cs"/>
+              </a:defRPr>
+            </a:lvl1pPr>
+          </a:lstStyle>
+          <a:p>
+            <a:endParaRPr lang="pt-PT" b="1" dirty="0"/>
+          </a:p>
+          <a:p>
+            <a:r>
+              <a:rPr lang="pt-PT" b="1" dirty="0"/>
+              <a:t>Função de Avaliação</a:t>
+            </a:r>
+            <a:endParaRPr lang="en-GB" b="1" dirty="0"/>
           </a:p>
         </p:txBody>
       </p:sp>
@@ -5163,13 +5667,13 @@
           <p:nvPr>
             <p:extLst>
               <p:ext uri="{D42A27DB-BD31-4B8C-83A1-F6EECF244321}">
-                <p14:modId xmlns:p14="http://schemas.microsoft.com/office/powerpoint/2010/main" val="2198765880"/>
+                <p14:modId xmlns:p14="http://schemas.microsoft.com/office/powerpoint/2010/main" val="844299363"/>
               </p:ext>
             </p:extLst>
           </p:nvPr>
         </p:nvGraphicFramePr>
         <p:xfrm>
-          <a:off x="838200" y="1576758"/>
+          <a:off x="1690086" y="1576758"/>
           <a:ext cx="8811827" cy="4759960"/>
         </p:xfrm>
         <a:graphic>
@@ -6030,13 +6534,13 @@
           <p:nvPr>
             <p:extLst>
               <p:ext uri="{D42A27DB-BD31-4B8C-83A1-F6EECF244321}">
-                <p14:modId xmlns:p14="http://schemas.microsoft.com/office/powerpoint/2010/main" val="298231014"/>
+                <p14:modId xmlns:p14="http://schemas.microsoft.com/office/powerpoint/2010/main" val="1417712448"/>
               </p:ext>
             </p:extLst>
           </p:nvPr>
         </p:nvGraphicFramePr>
         <p:xfrm>
-          <a:off x="838200" y="1576758"/>
+          <a:off x="1690086" y="1564413"/>
           <a:ext cx="8811827" cy="4942840"/>
         </p:xfrm>
         <a:graphic>
